--- a/Diapositives de presentation.pptx
+++ b/Diapositives de presentation.pptx
@@ -5,7 +5,7 @@
     <p:sldMasterId id="2147483856" r:id="rId1"/>
   </p:sldMasterIdLst>
   <p:notesMasterIdLst>
-    <p:notesMasterId r:id="rId14"/>
+    <p:notesMasterId r:id="rId15"/>
   </p:notesMasterIdLst>
   <p:sldIdLst>
     <p:sldId id="271" r:id="rId2"/>
@@ -18,8 +18,9 @@
     <p:sldId id="481" r:id="rId9"/>
     <p:sldId id="486" r:id="rId10"/>
     <p:sldId id="487" r:id="rId11"/>
-    <p:sldId id="484" r:id="rId12"/>
-    <p:sldId id="482" r:id="rId13"/>
+    <p:sldId id="488" r:id="rId12"/>
+    <p:sldId id="484" r:id="rId13"/>
+    <p:sldId id="482" r:id="rId14"/>
   </p:sldIdLst>
   <p:sldSz cx="12192000" cy="6858000"/>
   <p:notesSz cx="6858000" cy="9144000"/>
@@ -234,7 +235,7 @@
           <a:p>
             <a:fld id="{C83129A4-13CA-454A-9701-F815788E5EF5}" type="datetimeFigureOut">
               <a:rPr lang="fr-FR" smtClean="0"/>
-              <a:t>18/12/2024</a:t>
+              <a:t>26/12/2024</a:t>
             </a:fld>
             <a:endParaRPr lang="fr-FR"/>
           </a:p>
@@ -630,7 +631,7 @@
           <a:p>
             <a:fld id="{1C038D69-E8C6-41F4-B320-1C8C485B6F43}" type="datetime1">
               <a:rPr lang="fr-FR" smtClean="0"/>
-              <a:t>18/12/2024</a:t>
+              <a:t>26/12/2024</a:t>
             </a:fld>
             <a:endParaRPr lang="fr-FR"/>
           </a:p>
@@ -837,7 +838,7 @@
           <a:p>
             <a:fld id="{616DC8CD-C26B-4098-BB10-9DDAEE5B9BCE}" type="datetime1">
               <a:rPr lang="fr-FR" smtClean="0"/>
-              <a:t>18/12/2024</a:t>
+              <a:t>26/12/2024</a:t>
             </a:fld>
             <a:endParaRPr lang="fr-FR"/>
           </a:p>
@@ -1015,7 +1016,7 @@
           <a:p>
             <a:fld id="{D4079226-37CB-426E-B289-8E25D3475401}" type="datetime1">
               <a:rPr lang="fr-FR" smtClean="0"/>
-              <a:t>18/12/2024</a:t>
+              <a:t>26/12/2024</a:t>
             </a:fld>
             <a:endParaRPr lang="fr-FR"/>
           </a:p>
@@ -1110,7 +1111,7 @@
           <a:p>
             <a:fld id="{F6B747DC-6B14-4AFB-A709-02A30F487EAE}" type="datetime1">
               <a:rPr lang="fr-FR" smtClean="0"/>
-              <a:t>18/12/2024</a:t>
+              <a:t>26/12/2024</a:t>
             </a:fld>
             <a:endParaRPr lang="fr-FR"/>
           </a:p>
@@ -1317,7 +1318,7 @@
           <a:p>
             <a:fld id="{F6B747DC-6B14-4AFB-A709-02A30F487EAE}" type="datetime1">
               <a:rPr lang="fr-FR" smtClean="0"/>
-              <a:t>18/12/2024</a:t>
+              <a:t>26/12/2024</a:t>
             </a:fld>
             <a:endParaRPr lang="fr-FR"/>
           </a:p>
@@ -1524,7 +1525,7 @@
           <a:p>
             <a:fld id="{F6B747DC-6B14-4AFB-A709-02A30F487EAE}" type="datetime1">
               <a:rPr lang="fr-FR" smtClean="0"/>
-              <a:t>18/12/2024</a:t>
+              <a:t>26/12/2024</a:t>
             </a:fld>
             <a:endParaRPr lang="fr-FR"/>
           </a:p>
@@ -1731,7 +1732,7 @@
           <a:p>
             <a:fld id="{F6B747DC-6B14-4AFB-A709-02A30F487EAE}" type="datetime1">
               <a:rPr lang="fr-FR" smtClean="0"/>
-              <a:t>18/12/2024</a:t>
+              <a:t>26/12/2024</a:t>
             </a:fld>
             <a:endParaRPr lang="fr-FR"/>
           </a:p>
@@ -1938,7 +1939,7 @@
           <a:p>
             <a:fld id="{F6B747DC-6B14-4AFB-A709-02A30F487EAE}" type="datetime1">
               <a:rPr lang="fr-FR" smtClean="0"/>
-              <a:t>18/12/2024</a:t>
+              <a:t>26/12/2024</a:t>
             </a:fld>
             <a:endParaRPr lang="fr-FR"/>
           </a:p>
@@ -2145,7 +2146,7 @@
           <a:p>
             <a:fld id="{F6B747DC-6B14-4AFB-A709-02A30F487EAE}" type="datetime1">
               <a:rPr lang="fr-FR" smtClean="0"/>
-              <a:t>18/12/2024</a:t>
+              <a:t>26/12/2024</a:t>
             </a:fld>
             <a:endParaRPr lang="fr-FR"/>
           </a:p>
@@ -2352,7 +2353,7 @@
           <a:p>
             <a:fld id="{F6B747DC-6B14-4AFB-A709-02A30F487EAE}" type="datetime1">
               <a:rPr lang="fr-FR" smtClean="0"/>
-              <a:t>18/12/2024</a:t>
+              <a:t>26/12/2024</a:t>
             </a:fld>
             <a:endParaRPr lang="fr-FR"/>
           </a:p>
@@ -2559,7 +2560,7 @@
           <a:p>
             <a:fld id="{F6B747DC-6B14-4AFB-A709-02A30F487EAE}" type="datetime1">
               <a:rPr lang="fr-FR" smtClean="0"/>
-              <a:t>18/12/2024</a:t>
+              <a:t>26/12/2024</a:t>
             </a:fld>
             <a:endParaRPr lang="fr-FR"/>
           </a:p>
@@ -2839,7 +2840,7 @@
           <a:p>
             <a:fld id="{528315D5-587C-4700-832D-CB7F8BC01C0F}" type="datetime1">
               <a:rPr lang="fr-FR" smtClean="0"/>
-              <a:t>18/12/2024</a:t>
+              <a:t>26/12/2024</a:t>
             </a:fld>
             <a:endParaRPr lang="fr-FR"/>
           </a:p>
@@ -3085,7 +3086,7 @@
           <a:p>
             <a:fld id="{40E68B3C-FDDD-4703-9E79-D68F45540A20}" type="datetime1">
               <a:rPr lang="fr-FR" smtClean="0"/>
-              <a:t>18/12/2024</a:t>
+              <a:t>26/12/2024</a:t>
             </a:fld>
             <a:endParaRPr lang="fr-FR"/>
           </a:p>
@@ -3314,7 +3315,7 @@
           <a:p>
             <a:fld id="{3C263683-9D2E-4B48-953F-B9784A5AAE78}" type="datetime1">
               <a:rPr lang="fr-FR" smtClean="0"/>
-              <a:t>18/12/2024</a:t>
+              <a:t>26/12/2024</a:t>
             </a:fld>
             <a:endParaRPr lang="fr-FR"/>
           </a:p>
@@ -3678,7 +3679,7 @@
           <a:p>
             <a:fld id="{7F0B7BBE-AECC-41F0-893A-7D2E8C089F5C}" type="datetime1">
               <a:rPr lang="fr-FR" smtClean="0"/>
-              <a:t>18/12/2024</a:t>
+              <a:t>26/12/2024</a:t>
             </a:fld>
             <a:endParaRPr lang="fr-FR"/>
           </a:p>
@@ -3795,7 +3796,7 @@
           <a:p>
             <a:fld id="{426F0B9E-0863-404B-A3E2-D58EA83ACDC5}" type="datetime1">
               <a:rPr lang="fr-FR" smtClean="0"/>
-              <a:t>18/12/2024</a:t>
+              <a:t>26/12/2024</a:t>
             </a:fld>
             <a:endParaRPr lang="fr-FR"/>
           </a:p>
@@ -3890,7 +3891,7 @@
           <a:p>
             <a:fld id="{4EC7B2EC-1B5B-4386-8796-A1B046544C15}" type="datetime1">
               <a:rPr lang="fr-FR" smtClean="0"/>
-              <a:t>18/12/2024</a:t>
+              <a:t>26/12/2024</a:t>
             </a:fld>
             <a:endParaRPr lang="fr-FR"/>
           </a:p>
@@ -4165,7 +4166,7 @@
           <a:p>
             <a:fld id="{43AD984E-D9C5-44AD-BE15-3CF05681CFD8}" type="datetime1">
               <a:rPr lang="fr-FR" smtClean="0"/>
-              <a:t>18/12/2024</a:t>
+              <a:t>26/12/2024</a:t>
             </a:fld>
             <a:endParaRPr lang="fr-FR"/>
           </a:p>
@@ -4417,7 +4418,7 @@
           <a:p>
             <a:fld id="{CC476FF9-AD78-4ED2-8C79-DDAF60FCAAD4}" type="datetime1">
               <a:rPr lang="fr-FR" smtClean="0"/>
-              <a:t>18/12/2024</a:t>
+              <a:t>26/12/2024</a:t>
             </a:fld>
             <a:endParaRPr lang="fr-FR"/>
           </a:p>
@@ -4628,7 +4629,7 @@
           <a:p>
             <a:fld id="{528315D5-587C-4700-832D-CB7F8BC01C0F}" type="datetime1">
               <a:rPr lang="fr-FR" smtClean="0"/>
-              <a:t>18/12/2024</a:t>
+              <a:t>26/12/2024</a:t>
             </a:fld>
             <a:endParaRPr lang="fr-FR"/>
           </a:p>
@@ -6524,6 +6525,981 @@
         <p:cNvPr id="1" name="">
           <a:extLst>
             <a:ext uri="{FF2B5EF4-FFF2-40B4-BE49-F238E27FC236}">
+              <a16:creationId xmlns:a16="http://schemas.microsoft.com/office/drawing/2014/main" id="{C185FA75-4F50-7030-B31E-371FB0D70FAD}"/>
+            </a:ext>
+          </a:extLst>
+        </p:cNvPr>
+        <p:cNvGrpSpPr/>
+        <p:nvPr/>
+      </p:nvGrpSpPr>
+      <p:grpSpPr>
+        <a:xfrm>
+          <a:off x="0" y="0"/>
+          <a:ext cx="0" cy="0"/>
+          <a:chOff x="0" y="0"/>
+          <a:chExt cx="0" cy="0"/>
+        </a:xfrm>
+      </p:grpSpPr>
+      <p:sp>
+        <p:nvSpPr>
+          <p:cNvPr id="2" name="Espace réservé du numéro de diapositive 1">
+            <a:extLst>
+              <a:ext uri="{FF2B5EF4-FFF2-40B4-BE49-F238E27FC236}">
+                <a16:creationId xmlns:a16="http://schemas.microsoft.com/office/drawing/2014/main" id="{C23F12F8-0C29-2C2B-4747-11B1C5101C1C}"/>
+              </a:ext>
+            </a:extLst>
+          </p:cNvPr>
+          <p:cNvSpPr>
+            <a:spLocks noGrp="1"/>
+          </p:cNvSpPr>
+          <p:nvPr>
+            <p:ph type="sldNum" sz="quarter" idx="12"/>
+          </p:nvPr>
+        </p:nvSpPr>
+        <p:spPr>
+          <a:xfrm>
+            <a:off x="11719250" y="6487122"/>
+            <a:ext cx="454090" cy="365125"/>
+          </a:xfrm>
+        </p:spPr>
+        <p:txBody>
+          <a:bodyPr/>
+          <a:lstStyle/>
+          <a:p>
+            <a:fld id="{D2B4BBCC-EA5B-4A7E-8C0A-AC47B4F5C809}" type="slidenum">
+              <a:rPr lang="fr-FR" smtClean="0"/>
+              <a:pPr/>
+              <a:t>11</a:t>
+            </a:fld>
+            <a:endParaRPr lang="fr-FR" dirty="0"/>
+          </a:p>
+        </p:txBody>
+      </p:sp>
+      <p:sp>
+        <p:nvSpPr>
+          <p:cNvPr id="3" name="TextBox 6">
+            <a:extLst>
+              <a:ext uri="{FF2B5EF4-FFF2-40B4-BE49-F238E27FC236}">
+                <a16:creationId xmlns:a16="http://schemas.microsoft.com/office/drawing/2014/main" id="{74BED023-1503-A891-C737-0AED501FCAAA}"/>
+              </a:ext>
+            </a:extLst>
+          </p:cNvPr>
+          <p:cNvSpPr txBox="1"/>
+          <p:nvPr/>
+        </p:nvSpPr>
+        <p:spPr>
+          <a:xfrm>
+            <a:off x="1654629" y="-1365"/>
+            <a:ext cx="8882742" cy="523220"/>
+          </a:xfrm>
+          <a:prstGeom prst="rect">
+            <a:avLst/>
+          </a:prstGeom>
+          <a:noFill/>
+        </p:spPr>
+        <p:txBody>
+          <a:bodyPr wrap="square" rtlCol="0">
+            <a:spAutoFit/>
+          </a:bodyPr>
+          <a:lstStyle/>
+          <a:p>
+            <a:pPr algn="ctr"/>
+            <a:r>
+              <a:rPr lang="fr-FR" sz="2800" b="1" spc="300" dirty="0">
+                <a:solidFill>
+                  <a:schemeClr val="tx1">
+                    <a:lumMod val="95000"/>
+                    <a:lumOff val="5000"/>
+                  </a:schemeClr>
+                </a:solidFill>
+                <a:latin typeface="Montserrat SemiBold" panose="00000700000000000000" pitchFamily="2" charset="0"/>
+              </a:rPr>
+              <a:t>ANALYSE ET CONCEPTION</a:t>
+            </a:r>
+            <a:endParaRPr lang="lt-LT" sz="2800" b="1" spc="300" dirty="0">
+              <a:solidFill>
+                <a:schemeClr val="tx1">
+                  <a:lumMod val="95000"/>
+                  <a:lumOff val="5000"/>
+                </a:schemeClr>
+              </a:solidFill>
+              <a:latin typeface="Montserrat SemiBold" panose="00000700000000000000" pitchFamily="2" charset="0"/>
+            </a:endParaRPr>
+          </a:p>
+        </p:txBody>
+      </p:sp>
+      <p:sp>
+        <p:nvSpPr>
+          <p:cNvPr id="17" name="Rectangle 13">
+            <a:extLst>
+              <a:ext uri="{FF2B5EF4-FFF2-40B4-BE49-F238E27FC236}">
+                <a16:creationId xmlns:a16="http://schemas.microsoft.com/office/drawing/2014/main" id="{575B6DA5-C157-82B8-8BF0-0CC6B19CF018}"/>
+              </a:ext>
+            </a:extLst>
+          </p:cNvPr>
+          <p:cNvSpPr>
+            <a:spLocks noChangeArrowheads="1"/>
+          </p:cNvSpPr>
+          <p:nvPr/>
+        </p:nvSpPr>
+        <p:spPr bwMode="auto">
+          <a:xfrm>
+            <a:off x="0" y="43934"/>
+            <a:ext cx="184731" cy="369332"/>
+          </a:xfrm>
+          <a:prstGeom prst="rect">
+            <a:avLst/>
+          </a:prstGeom>
+          <a:noFill/>
+          <a:ln>
+            <a:noFill/>
+          </a:ln>
+          <a:effectLst/>
+          <a:extLst>
+            <a:ext uri="{909E8E84-426E-40DD-AFC4-6F175D3DCCD1}">
+              <a14:hiddenFill xmlns:a14="http://schemas.microsoft.com/office/drawing/2010/main">
+                <a:solidFill>
+                  <a:schemeClr val="accent1"/>
+                </a:solidFill>
+              </a14:hiddenFill>
+            </a:ext>
+            <a:ext uri="{91240B29-F687-4F45-9708-019B960494DF}">
+              <a14:hiddenLine xmlns:a14="http://schemas.microsoft.com/office/drawing/2010/main" w="9525">
+                <a:solidFill>
+                  <a:schemeClr val="tx1"/>
+                </a:solidFill>
+                <a:miter lim="800000"/>
+                <a:headEnd/>
+                <a:tailEnd/>
+              </a14:hiddenLine>
+            </a:ext>
+            <a:ext uri="{AF507438-7753-43E0-B8FC-AC1667EBCBE1}">
+              <a14:hiddenEffects xmlns:a14="http://schemas.microsoft.com/office/drawing/2010/main">
+                <a:effectLst>
+                  <a:outerShdw dist="35921" dir="2700000" algn="ctr" rotWithShape="0">
+                    <a:schemeClr val="bg2"/>
+                  </a:outerShdw>
+                </a:effectLst>
+              </a14:hiddenEffects>
+            </a:ext>
+          </a:extLst>
+        </p:spPr>
+        <p:txBody>
+          <a:bodyPr vert="horz" wrap="none" lIns="91440" tIns="45720" rIns="91440" bIns="45720" numCol="1" anchor="ctr" anchorCtr="0" compatLnSpc="1">
+            <a:prstTxWarp prst="textNoShape">
+              <a:avLst/>
+            </a:prstTxWarp>
+            <a:spAutoFit/>
+          </a:bodyPr>
+          <a:lstStyle/>
+          <a:p>
+            <a:endParaRPr lang="fr-FR"/>
+          </a:p>
+        </p:txBody>
+      </p:sp>
+      <p:sp>
+        <p:nvSpPr>
+          <p:cNvPr id="19" name="Rectangle 15">
+            <a:extLst>
+              <a:ext uri="{FF2B5EF4-FFF2-40B4-BE49-F238E27FC236}">
+                <a16:creationId xmlns:a16="http://schemas.microsoft.com/office/drawing/2014/main" id="{2CD32C2B-F1BC-8C97-B036-1C7E25696EB2}"/>
+              </a:ext>
+            </a:extLst>
+          </p:cNvPr>
+          <p:cNvSpPr>
+            <a:spLocks noChangeArrowheads="1"/>
+          </p:cNvSpPr>
+          <p:nvPr/>
+        </p:nvSpPr>
+        <p:spPr bwMode="auto">
+          <a:xfrm>
+            <a:off x="0" y="8761657"/>
+            <a:ext cx="184731" cy="369332"/>
+          </a:xfrm>
+          <a:prstGeom prst="rect">
+            <a:avLst/>
+          </a:prstGeom>
+          <a:noFill/>
+          <a:ln>
+            <a:noFill/>
+          </a:ln>
+          <a:effectLst/>
+          <a:extLst>
+            <a:ext uri="{909E8E84-426E-40DD-AFC4-6F175D3DCCD1}">
+              <a14:hiddenFill xmlns:a14="http://schemas.microsoft.com/office/drawing/2010/main">
+                <a:solidFill>
+                  <a:schemeClr val="accent1"/>
+                </a:solidFill>
+              </a14:hiddenFill>
+            </a:ext>
+            <a:ext uri="{91240B29-F687-4F45-9708-019B960494DF}">
+              <a14:hiddenLine xmlns:a14="http://schemas.microsoft.com/office/drawing/2010/main" w="9525">
+                <a:solidFill>
+                  <a:schemeClr val="tx1"/>
+                </a:solidFill>
+                <a:miter lim="800000"/>
+                <a:headEnd/>
+                <a:tailEnd/>
+              </a14:hiddenLine>
+            </a:ext>
+            <a:ext uri="{AF507438-7753-43E0-B8FC-AC1667EBCBE1}">
+              <a14:hiddenEffects xmlns:a14="http://schemas.microsoft.com/office/drawing/2010/main">
+                <a:effectLst>
+                  <a:outerShdw dist="35921" dir="2700000" algn="ctr" rotWithShape="0">
+                    <a:schemeClr val="bg2"/>
+                  </a:outerShdw>
+                </a:effectLst>
+              </a14:hiddenEffects>
+            </a:ext>
+          </a:extLst>
+        </p:spPr>
+        <p:txBody>
+          <a:bodyPr vert="horz" wrap="none" lIns="91440" tIns="45720" rIns="91440" bIns="45720" numCol="1" anchor="ctr" anchorCtr="0" compatLnSpc="1">
+            <a:prstTxWarp prst="textNoShape">
+              <a:avLst/>
+            </a:prstTxWarp>
+            <a:spAutoFit/>
+          </a:bodyPr>
+          <a:lstStyle/>
+          <a:p>
+            <a:endParaRPr lang="fr-FR"/>
+          </a:p>
+        </p:txBody>
+      </p:sp>
+      <p:sp>
+        <p:nvSpPr>
+          <p:cNvPr id="33" name="Rectangle 32">
+            <a:extLst>
+              <a:ext uri="{FF2B5EF4-FFF2-40B4-BE49-F238E27FC236}">
+                <a16:creationId xmlns:a16="http://schemas.microsoft.com/office/drawing/2014/main" id="{5E4D7580-021E-AAD9-E797-26830924E08E}"/>
+              </a:ext>
+            </a:extLst>
+          </p:cNvPr>
+          <p:cNvSpPr>
+            <a:spLocks noChangeArrowheads="1"/>
+          </p:cNvSpPr>
+          <p:nvPr/>
+        </p:nvSpPr>
+        <p:spPr bwMode="auto">
+          <a:xfrm>
+            <a:off x="0" y="7475782"/>
+            <a:ext cx="184731" cy="369332"/>
+          </a:xfrm>
+          <a:prstGeom prst="rect">
+            <a:avLst/>
+          </a:prstGeom>
+          <a:noFill/>
+          <a:ln>
+            <a:noFill/>
+          </a:ln>
+          <a:effectLst/>
+          <a:extLst>
+            <a:ext uri="{909E8E84-426E-40DD-AFC4-6F175D3DCCD1}">
+              <a14:hiddenFill xmlns:a14="http://schemas.microsoft.com/office/drawing/2010/main">
+                <a:solidFill>
+                  <a:schemeClr val="accent1"/>
+                </a:solidFill>
+              </a14:hiddenFill>
+            </a:ext>
+            <a:ext uri="{91240B29-F687-4F45-9708-019B960494DF}">
+              <a14:hiddenLine xmlns:a14="http://schemas.microsoft.com/office/drawing/2010/main" w="9525">
+                <a:solidFill>
+                  <a:schemeClr val="tx1"/>
+                </a:solidFill>
+                <a:miter lim="800000"/>
+                <a:headEnd/>
+                <a:tailEnd/>
+              </a14:hiddenLine>
+            </a:ext>
+            <a:ext uri="{AF507438-7753-43E0-B8FC-AC1667EBCBE1}">
+              <a14:hiddenEffects xmlns:a14="http://schemas.microsoft.com/office/drawing/2010/main">
+                <a:effectLst>
+                  <a:outerShdw dist="35921" dir="2700000" algn="ctr" rotWithShape="0">
+                    <a:schemeClr val="bg2"/>
+                  </a:outerShdw>
+                </a:effectLst>
+              </a14:hiddenEffects>
+            </a:ext>
+          </a:extLst>
+        </p:spPr>
+        <p:txBody>
+          <a:bodyPr vert="horz" wrap="none" lIns="91440" tIns="45720" rIns="91440" bIns="45720" numCol="1" anchor="ctr" anchorCtr="0" compatLnSpc="1">
+            <a:prstTxWarp prst="textNoShape">
+              <a:avLst/>
+            </a:prstTxWarp>
+            <a:spAutoFit/>
+          </a:bodyPr>
+          <a:lstStyle/>
+          <a:p>
+            <a:endParaRPr lang="fr-FR"/>
+          </a:p>
+        </p:txBody>
+      </p:sp>
+      <p:sp>
+        <p:nvSpPr>
+          <p:cNvPr id="34" name="Rectangle 33">
+            <a:extLst>
+              <a:ext uri="{FF2B5EF4-FFF2-40B4-BE49-F238E27FC236}">
+                <a16:creationId xmlns:a16="http://schemas.microsoft.com/office/drawing/2014/main" id="{C2EC9ECE-0E05-A8D7-2084-8CDB28568372}"/>
+              </a:ext>
+            </a:extLst>
+          </p:cNvPr>
+          <p:cNvSpPr>
+            <a:spLocks noChangeArrowheads="1"/>
+          </p:cNvSpPr>
+          <p:nvPr/>
+        </p:nvSpPr>
+        <p:spPr bwMode="auto">
+          <a:xfrm>
+            <a:off x="0" y="10466632"/>
+            <a:ext cx="184731" cy="369332"/>
+          </a:xfrm>
+          <a:prstGeom prst="rect">
+            <a:avLst/>
+          </a:prstGeom>
+          <a:noFill/>
+          <a:ln>
+            <a:noFill/>
+          </a:ln>
+          <a:effectLst/>
+          <a:extLst>
+            <a:ext uri="{909E8E84-426E-40DD-AFC4-6F175D3DCCD1}">
+              <a14:hiddenFill xmlns:a14="http://schemas.microsoft.com/office/drawing/2010/main">
+                <a:solidFill>
+                  <a:schemeClr val="accent1"/>
+                </a:solidFill>
+              </a14:hiddenFill>
+            </a:ext>
+            <a:ext uri="{91240B29-F687-4F45-9708-019B960494DF}">
+              <a14:hiddenLine xmlns:a14="http://schemas.microsoft.com/office/drawing/2010/main" w="9525">
+                <a:solidFill>
+                  <a:schemeClr val="tx1"/>
+                </a:solidFill>
+                <a:miter lim="800000"/>
+                <a:headEnd/>
+                <a:tailEnd/>
+              </a14:hiddenLine>
+            </a:ext>
+            <a:ext uri="{AF507438-7753-43E0-B8FC-AC1667EBCBE1}">
+              <a14:hiddenEffects xmlns:a14="http://schemas.microsoft.com/office/drawing/2010/main">
+                <a:effectLst>
+                  <a:outerShdw dist="35921" dir="2700000" algn="ctr" rotWithShape="0">
+                    <a:schemeClr val="bg2"/>
+                  </a:outerShdw>
+                </a:effectLst>
+              </a14:hiddenEffects>
+            </a:ext>
+          </a:extLst>
+        </p:spPr>
+        <p:txBody>
+          <a:bodyPr vert="horz" wrap="none" lIns="91440" tIns="45720" rIns="91440" bIns="45720" numCol="1" anchor="ctr" anchorCtr="0" compatLnSpc="1">
+            <a:prstTxWarp prst="textNoShape">
+              <a:avLst/>
+            </a:prstTxWarp>
+            <a:spAutoFit/>
+          </a:bodyPr>
+          <a:lstStyle/>
+          <a:p>
+            <a:endParaRPr lang="fr-FR"/>
+          </a:p>
+        </p:txBody>
+      </p:sp>
+      <p:pic>
+        <p:nvPicPr>
+          <p:cNvPr id="7" name="Image 6">
+            <a:extLst>
+              <a:ext uri="{FF2B5EF4-FFF2-40B4-BE49-F238E27FC236}">
+                <a16:creationId xmlns:a16="http://schemas.microsoft.com/office/drawing/2014/main" id="{5414C5DC-3D97-D28C-15DF-AF8D178EF63C}"/>
+              </a:ext>
+            </a:extLst>
+          </p:cNvPr>
+          <p:cNvPicPr>
+            <a:picLocks noChangeAspect="1"/>
+          </p:cNvPicPr>
+          <p:nvPr/>
+        </p:nvPicPr>
+        <p:blipFill>
+          <a:blip r:embed="rId2" cstate="print">
+            <a:extLst>
+              <a:ext uri="{28A0092B-C50C-407E-A947-70E740481C1C}">
+                <a14:useLocalDpi xmlns:a14="http://schemas.microsoft.com/office/drawing/2010/main" val="0"/>
+              </a:ext>
+            </a:extLst>
+          </a:blip>
+          <a:srcRect/>
+          <a:stretch/>
+        </p:blipFill>
+        <p:spPr>
+          <a:xfrm>
+            <a:off x="295835" y="1064653"/>
+            <a:ext cx="959224" cy="959224"/>
+          </a:xfrm>
+          <a:prstGeom prst="rect">
+            <a:avLst/>
+          </a:prstGeom>
+        </p:spPr>
+      </p:pic>
+      <p:sp>
+        <p:nvSpPr>
+          <p:cNvPr id="6" name="Rectangle 5">
+            <a:extLst>
+              <a:ext uri="{FF2B5EF4-FFF2-40B4-BE49-F238E27FC236}">
+                <a16:creationId xmlns:a16="http://schemas.microsoft.com/office/drawing/2014/main" id="{58619AA3-EA5D-4C75-31AE-F3A98AD830D5}"/>
+              </a:ext>
+            </a:extLst>
+          </p:cNvPr>
+          <p:cNvSpPr/>
+          <p:nvPr/>
+        </p:nvSpPr>
+        <p:spPr>
+          <a:xfrm>
+            <a:off x="357101" y="4719485"/>
+            <a:ext cx="3542544" cy="914400"/>
+          </a:xfrm>
+          <a:prstGeom prst="rect">
+            <a:avLst/>
+          </a:prstGeom>
+          <a:noFill/>
+          <a:ln>
+            <a:noFill/>
+          </a:ln>
+        </p:spPr>
+        <p:style>
+          <a:lnRef idx="2">
+            <a:schemeClr val="accent1">
+              <a:shade val="15000"/>
+            </a:schemeClr>
+          </a:lnRef>
+          <a:fillRef idx="1">
+            <a:schemeClr val="accent1"/>
+          </a:fillRef>
+          <a:effectRef idx="0">
+            <a:schemeClr val="accent1"/>
+          </a:effectRef>
+          <a:fontRef idx="minor">
+            <a:schemeClr val="lt1"/>
+          </a:fontRef>
+        </p:style>
+        <p:txBody>
+          <a:bodyPr rtlCol="0" anchor="ctr"/>
+          <a:lstStyle/>
+          <a:p>
+            <a:pPr algn="ctr"/>
+            <a:r>
+              <a:rPr lang="fr-FR" sz="3600" dirty="0">
+                <a:solidFill>
+                  <a:schemeClr val="tx1"/>
+                </a:solidFill>
+              </a:rPr>
+              <a:t>Teamcity+ Docker</a:t>
+            </a:r>
+            <a:endParaRPr lang="en-US" sz="3600" dirty="0">
+              <a:solidFill>
+                <a:schemeClr val="tx1"/>
+              </a:solidFill>
+            </a:endParaRPr>
+          </a:p>
+        </p:txBody>
+      </p:sp>
+      <p:pic>
+        <p:nvPicPr>
+          <p:cNvPr id="8" name="Image 6">
+            <a:extLst>
+              <a:ext uri="{FF2B5EF4-FFF2-40B4-BE49-F238E27FC236}">
+                <a16:creationId xmlns:a16="http://schemas.microsoft.com/office/drawing/2014/main" id="{043EF3E7-6B9C-3066-6213-76E035DC43DD}"/>
+              </a:ext>
+            </a:extLst>
+          </p:cNvPr>
+          <p:cNvPicPr>
+            <a:picLocks noChangeAspect="1"/>
+          </p:cNvPicPr>
+          <p:nvPr/>
+        </p:nvPicPr>
+        <p:blipFill>
+          <a:blip r:embed="rId3" cstate="print">
+            <a:extLst>
+              <a:ext uri="{28A0092B-C50C-407E-A947-70E740481C1C}">
+                <a14:useLocalDpi xmlns:a14="http://schemas.microsoft.com/office/drawing/2010/main" val="0"/>
+              </a:ext>
+            </a:extLst>
+          </a:blip>
+          <a:srcRect/>
+          <a:stretch/>
+        </p:blipFill>
+        <p:spPr>
+          <a:xfrm>
+            <a:off x="1398492" y="1270356"/>
+            <a:ext cx="735104" cy="659112"/>
+          </a:xfrm>
+          <a:prstGeom prst="rect">
+            <a:avLst/>
+          </a:prstGeom>
+        </p:spPr>
+      </p:pic>
+      <p:pic>
+        <p:nvPicPr>
+          <p:cNvPr id="10" name="Image 6">
+            <a:extLst>
+              <a:ext uri="{FF2B5EF4-FFF2-40B4-BE49-F238E27FC236}">
+                <a16:creationId xmlns:a16="http://schemas.microsoft.com/office/drawing/2014/main" id="{6CB2AEE0-13F0-4824-1E0B-3CD14D028377}"/>
+              </a:ext>
+            </a:extLst>
+          </p:cNvPr>
+          <p:cNvPicPr>
+            <a:picLocks noChangeAspect="1"/>
+          </p:cNvPicPr>
+          <p:nvPr/>
+        </p:nvPicPr>
+        <p:blipFill>
+          <a:blip r:embed="rId4" cstate="print">
+            <a:extLst>
+              <a:ext uri="{28A0092B-C50C-407E-A947-70E740481C1C}">
+                <a14:useLocalDpi xmlns:a14="http://schemas.microsoft.com/office/drawing/2010/main" val="0"/>
+              </a:ext>
+            </a:extLst>
+          </a:blip>
+          <a:srcRect r="64569" b="-3443"/>
+          <a:stretch/>
+        </p:blipFill>
+        <p:spPr>
+          <a:xfrm>
+            <a:off x="2519082" y="1260513"/>
+            <a:ext cx="561031" cy="731641"/>
+          </a:xfrm>
+          <a:prstGeom prst="rect">
+            <a:avLst/>
+          </a:prstGeom>
+        </p:spPr>
+      </p:pic>
+      <p:pic>
+        <p:nvPicPr>
+          <p:cNvPr id="12" name="Image 6">
+            <a:extLst>
+              <a:ext uri="{FF2B5EF4-FFF2-40B4-BE49-F238E27FC236}">
+                <a16:creationId xmlns:a16="http://schemas.microsoft.com/office/drawing/2014/main" id="{020FFEC4-F12D-6B5F-7A5E-0DED75F2E98F}"/>
+              </a:ext>
+            </a:extLst>
+          </p:cNvPr>
+          <p:cNvPicPr>
+            <a:picLocks noChangeAspect="1"/>
+          </p:cNvPicPr>
+          <p:nvPr/>
+        </p:nvPicPr>
+        <p:blipFill>
+          <a:blip r:embed="rId5" cstate="print">
+            <a:extLst>
+              <a:ext uri="{28A0092B-C50C-407E-A947-70E740481C1C}">
+                <a14:useLocalDpi xmlns:a14="http://schemas.microsoft.com/office/drawing/2010/main" val="0"/>
+              </a:ext>
+            </a:extLst>
+          </a:blip>
+          <a:srcRect l="-317" r="-3210" b="-12852"/>
+          <a:stretch/>
+        </p:blipFill>
+        <p:spPr>
+          <a:xfrm>
+            <a:off x="403411" y="2204732"/>
+            <a:ext cx="741809" cy="825665"/>
+          </a:xfrm>
+          <a:prstGeom prst="rect">
+            <a:avLst/>
+          </a:prstGeom>
+        </p:spPr>
+      </p:pic>
+      <p:pic>
+        <p:nvPicPr>
+          <p:cNvPr id="14" name="Image 6">
+            <a:extLst>
+              <a:ext uri="{FF2B5EF4-FFF2-40B4-BE49-F238E27FC236}">
+                <a16:creationId xmlns:a16="http://schemas.microsoft.com/office/drawing/2014/main" id="{4B85D07A-6DEE-48D7-0A05-C4BE7157DC31}"/>
+              </a:ext>
+            </a:extLst>
+          </p:cNvPr>
+          <p:cNvPicPr>
+            <a:picLocks noChangeAspect="1"/>
+          </p:cNvPicPr>
+          <p:nvPr/>
+        </p:nvPicPr>
+        <p:blipFill>
+          <a:blip r:embed="rId6">
+            <a:extLst>
+              <a:ext uri="{28A0092B-C50C-407E-A947-70E740481C1C}">
+                <a14:useLocalDpi xmlns:a14="http://schemas.microsoft.com/office/drawing/2010/main" val="0"/>
+              </a:ext>
+            </a:extLst>
+          </a:blip>
+          <a:srcRect l="4887" r="4887" b="33152"/>
+          <a:stretch/>
+        </p:blipFill>
+        <p:spPr>
+          <a:xfrm>
+            <a:off x="1435418" y="2213416"/>
+            <a:ext cx="741809" cy="693792"/>
+          </a:xfrm>
+          <a:prstGeom prst="rect">
+            <a:avLst/>
+          </a:prstGeom>
+        </p:spPr>
+      </p:pic>
+      <p:pic>
+        <p:nvPicPr>
+          <p:cNvPr id="9" name="Image 6">
+            <a:extLst>
+              <a:ext uri="{FF2B5EF4-FFF2-40B4-BE49-F238E27FC236}">
+                <a16:creationId xmlns:a16="http://schemas.microsoft.com/office/drawing/2014/main" id="{17E9FD00-209E-3FE6-4142-BB3DBA968CFE}"/>
+              </a:ext>
+            </a:extLst>
+          </p:cNvPr>
+          <p:cNvPicPr>
+            <a:picLocks noChangeAspect="1"/>
+          </p:cNvPicPr>
+          <p:nvPr/>
+        </p:nvPicPr>
+        <p:blipFill>
+          <a:blip r:embed="rId7" cstate="print">
+            <a:extLst>
+              <a:ext uri="{28A0092B-C50C-407E-A947-70E740481C1C}">
+                <a14:useLocalDpi xmlns:a14="http://schemas.microsoft.com/office/drawing/2010/main" val="0"/>
+              </a:ext>
+            </a:extLst>
+          </a:blip>
+          <a:srcRect t="3236" b="3236"/>
+          <a:stretch/>
+        </p:blipFill>
+        <p:spPr>
+          <a:xfrm>
+            <a:off x="2467426" y="2204405"/>
+            <a:ext cx="741809" cy="693792"/>
+          </a:xfrm>
+          <a:prstGeom prst="rect">
+            <a:avLst/>
+          </a:prstGeom>
+        </p:spPr>
+      </p:pic>
+      <p:pic>
+        <p:nvPicPr>
+          <p:cNvPr id="13" name="Picture 12">
+            <a:extLst>
+              <a:ext uri="{FF2B5EF4-FFF2-40B4-BE49-F238E27FC236}">
+                <a16:creationId xmlns:a16="http://schemas.microsoft.com/office/drawing/2014/main" id="{4318237E-5BD0-1E63-5DE3-B5A7942AA4FE}"/>
+              </a:ext>
+            </a:extLst>
+          </p:cNvPr>
+          <p:cNvPicPr>
+            <a:picLocks noChangeAspect="1"/>
+          </p:cNvPicPr>
+          <p:nvPr/>
+        </p:nvPicPr>
+        <p:blipFill>
+          <a:blip r:embed="rId8" cstate="print">
+            <a:extLst>
+              <a:ext uri="{28A0092B-C50C-407E-A947-70E740481C1C}">
+                <a14:useLocalDpi xmlns:a14="http://schemas.microsoft.com/office/drawing/2010/main" val="0"/>
+              </a:ext>
+            </a:extLst>
+          </a:blip>
+          <a:srcRect l="11964" t="37402" b="35660"/>
+          <a:stretch/>
+        </p:blipFill>
+        <p:spPr>
+          <a:xfrm>
+            <a:off x="85407" y="6166600"/>
+            <a:ext cx="2802129" cy="584775"/>
+          </a:xfrm>
+          <a:prstGeom prst="rect">
+            <a:avLst/>
+          </a:prstGeom>
+        </p:spPr>
+      </p:pic>
+      <p:sp>
+        <p:nvSpPr>
+          <p:cNvPr id="16" name="Rectangle 15">
+            <a:extLst>
+              <a:ext uri="{FF2B5EF4-FFF2-40B4-BE49-F238E27FC236}">
+                <a16:creationId xmlns:a16="http://schemas.microsoft.com/office/drawing/2014/main" id="{6F8FB23F-E484-0C76-1634-D9DEA8C62CCC}"/>
+              </a:ext>
+            </a:extLst>
+          </p:cNvPr>
+          <p:cNvSpPr/>
+          <p:nvPr/>
+        </p:nvSpPr>
+        <p:spPr>
+          <a:xfrm>
+            <a:off x="480742" y="3361794"/>
+            <a:ext cx="741809" cy="519711"/>
+          </a:xfrm>
+          <a:prstGeom prst="rect">
+            <a:avLst/>
+          </a:prstGeom>
+          <a:noFill/>
+          <a:ln>
+            <a:noFill/>
+          </a:ln>
+        </p:spPr>
+        <p:style>
+          <a:lnRef idx="2">
+            <a:schemeClr val="accent1">
+              <a:shade val="15000"/>
+            </a:schemeClr>
+          </a:lnRef>
+          <a:fillRef idx="1">
+            <a:schemeClr val="accent1"/>
+          </a:fillRef>
+          <a:effectRef idx="0">
+            <a:schemeClr val="accent1"/>
+          </a:effectRef>
+          <a:fontRef idx="minor">
+            <a:schemeClr val="lt1"/>
+          </a:fontRef>
+        </p:style>
+        <p:txBody>
+          <a:bodyPr rtlCol="0" anchor="ctr"/>
+          <a:lstStyle/>
+          <a:p>
+            <a:pPr algn="ctr"/>
+            <a:r>
+              <a:rPr lang="fr-FR" sz="2800" dirty="0">
+                <a:solidFill>
+                  <a:schemeClr val="tx1"/>
+                </a:solidFill>
+              </a:rPr>
+              <a:t>JNA</a:t>
+            </a:r>
+            <a:endParaRPr lang="en-US" sz="2800" dirty="0">
+              <a:solidFill>
+                <a:schemeClr val="tx1"/>
+              </a:solidFill>
+            </a:endParaRPr>
+          </a:p>
+        </p:txBody>
+      </p:sp>
+      <p:pic>
+        <p:nvPicPr>
+          <p:cNvPr id="11" name="Image 6">
+            <a:extLst>
+              <a:ext uri="{FF2B5EF4-FFF2-40B4-BE49-F238E27FC236}">
+                <a16:creationId xmlns:a16="http://schemas.microsoft.com/office/drawing/2014/main" id="{B572F2B3-5132-2603-5768-52819D56784E}"/>
+              </a:ext>
+            </a:extLst>
+          </p:cNvPr>
+          <p:cNvPicPr>
+            <a:picLocks noChangeAspect="1"/>
+          </p:cNvPicPr>
+          <p:nvPr/>
+        </p:nvPicPr>
+        <p:blipFill>
+          <a:blip r:embed="rId9" cstate="print">
+            <a:extLst>
+              <a:ext uri="{28A0092B-C50C-407E-A947-70E740481C1C}">
+                <a14:useLocalDpi xmlns:a14="http://schemas.microsoft.com/office/drawing/2010/main" val="0"/>
+              </a:ext>
+            </a:extLst>
+          </a:blip>
+          <a:srcRect l="23270" r="23270"/>
+          <a:stretch/>
+        </p:blipFill>
+        <p:spPr>
+          <a:xfrm>
+            <a:off x="1405172" y="3280163"/>
+            <a:ext cx="741809" cy="693792"/>
+          </a:xfrm>
+          <a:prstGeom prst="rect">
+            <a:avLst/>
+          </a:prstGeom>
+        </p:spPr>
+      </p:pic>
+      <p:pic>
+        <p:nvPicPr>
+          <p:cNvPr id="20" name="Image 6">
+            <a:extLst>
+              <a:ext uri="{FF2B5EF4-FFF2-40B4-BE49-F238E27FC236}">
+                <a16:creationId xmlns:a16="http://schemas.microsoft.com/office/drawing/2014/main" id="{53A27C17-B915-D7AD-20A7-ADC6D4293656}"/>
+              </a:ext>
+            </a:extLst>
+          </p:cNvPr>
+          <p:cNvPicPr>
+            <a:picLocks noChangeAspect="1"/>
+          </p:cNvPicPr>
+          <p:nvPr/>
+        </p:nvPicPr>
+        <p:blipFill>
+          <a:blip r:embed="rId10" cstate="print">
+            <a:extLst>
+              <a:ext uri="{28A0092B-C50C-407E-A947-70E740481C1C}">
+                <a14:useLocalDpi xmlns:a14="http://schemas.microsoft.com/office/drawing/2010/main" val="0"/>
+              </a:ext>
+            </a:extLst>
+          </a:blip>
+          <a:srcRect t="-626" b="-1115"/>
+          <a:stretch/>
+        </p:blipFill>
+        <p:spPr>
+          <a:xfrm>
+            <a:off x="5137251" y="2385334"/>
+            <a:ext cx="2930983" cy="3027343"/>
+          </a:xfrm>
+          <a:prstGeom prst="rect">
+            <a:avLst/>
+          </a:prstGeom>
+        </p:spPr>
+      </p:pic>
+      <p:sp>
+        <p:nvSpPr>
+          <p:cNvPr id="4" name="Rectangle : coins arrondis 31">
+            <a:extLst>
+              <a:ext uri="{FF2B5EF4-FFF2-40B4-BE49-F238E27FC236}">
+                <a16:creationId xmlns:a16="http://schemas.microsoft.com/office/drawing/2014/main" id="{DBC9E5BD-991D-EAAE-221F-BF92BD3F0E09}"/>
+              </a:ext>
+            </a:extLst>
+          </p:cNvPr>
+          <p:cNvSpPr/>
+          <p:nvPr/>
+        </p:nvSpPr>
+        <p:spPr>
+          <a:xfrm>
+            <a:off x="2469675" y="3209873"/>
+            <a:ext cx="815662" cy="825665"/>
+          </a:xfrm>
+          <a:prstGeom prst="roundRect">
+            <a:avLst>
+              <a:gd name="adj" fmla="val 11930"/>
+            </a:avLst>
+          </a:prstGeom>
+          <a:noFill/>
+          <a:ln w="28575">
+            <a:solidFill>
+              <a:schemeClr val="accent5"/>
+            </a:solidFill>
+          </a:ln>
+        </p:spPr>
+        <p:style>
+          <a:lnRef idx="2">
+            <a:schemeClr val="accent1">
+              <a:shade val="50000"/>
+            </a:schemeClr>
+          </a:lnRef>
+          <a:fillRef idx="1">
+            <a:schemeClr val="accent1"/>
+          </a:fillRef>
+          <a:effectRef idx="0">
+            <a:schemeClr val="accent1"/>
+          </a:effectRef>
+          <a:fontRef idx="minor">
+            <a:schemeClr val="lt1"/>
+          </a:fontRef>
+        </p:style>
+        <p:txBody>
+          <a:bodyPr rtlCol="0" anchor="ctr"/>
+          <a:lstStyle/>
+          <a:p>
+            <a:pPr algn="ctr"/>
+            <a:endParaRPr lang="en-US"/>
+          </a:p>
+        </p:txBody>
+      </p:sp>
+      <p:pic>
+        <p:nvPicPr>
+          <p:cNvPr id="5" name="Image 6">
+            <a:extLst>
+              <a:ext uri="{FF2B5EF4-FFF2-40B4-BE49-F238E27FC236}">
+                <a16:creationId xmlns:a16="http://schemas.microsoft.com/office/drawing/2014/main" id="{8501BB6B-E83D-00D3-B969-2ECEE8545F30}"/>
+              </a:ext>
+            </a:extLst>
+          </p:cNvPr>
+          <p:cNvPicPr>
+            <a:picLocks noChangeAspect="1"/>
+          </p:cNvPicPr>
+          <p:nvPr/>
+        </p:nvPicPr>
+        <p:blipFill>
+          <a:blip r:embed="rId11" cstate="print">
+            <a:extLst>
+              <a:ext uri="{28A0092B-C50C-407E-A947-70E740481C1C}">
+                <a14:useLocalDpi xmlns:a14="http://schemas.microsoft.com/office/drawing/2010/main" val="0"/>
+              </a:ext>
+            </a:extLst>
+          </a:blip>
+          <a:srcRect t="3236" b="3236"/>
+          <a:stretch/>
+        </p:blipFill>
+        <p:spPr>
+          <a:xfrm>
+            <a:off x="2516631" y="3280163"/>
+            <a:ext cx="741809" cy="693792"/>
+          </a:xfrm>
+          <a:prstGeom prst="rect">
+            <a:avLst/>
+          </a:prstGeom>
+        </p:spPr>
+      </p:pic>
+      <p:pic>
+        <p:nvPicPr>
+          <p:cNvPr id="18" name="Image 6">
+            <a:extLst>
+              <a:ext uri="{FF2B5EF4-FFF2-40B4-BE49-F238E27FC236}">
+                <a16:creationId xmlns:a16="http://schemas.microsoft.com/office/drawing/2014/main" id="{FCBB22BC-71E2-98E2-0D30-A024B9105562}"/>
+              </a:ext>
+            </a:extLst>
+          </p:cNvPr>
+          <p:cNvPicPr>
+            <a:picLocks noChangeAspect="1"/>
+          </p:cNvPicPr>
+          <p:nvPr/>
+        </p:nvPicPr>
+        <p:blipFill>
+          <a:blip r:embed="rId12">
+            <a:extLst>
+              <a:ext uri="{28A0092B-C50C-407E-A947-70E740481C1C}">
+                <a14:useLocalDpi xmlns:a14="http://schemas.microsoft.com/office/drawing/2010/main" val="0"/>
+              </a:ext>
+            </a:extLst>
+          </a:blip>
+          <a:srcRect l="-3829" r="-5298"/>
+          <a:stretch/>
+        </p:blipFill>
+        <p:spPr>
+          <a:xfrm>
+            <a:off x="8695765" y="2288727"/>
+            <a:ext cx="3254188" cy="3027343"/>
+          </a:xfrm>
+          <a:prstGeom prst="rect">
+            <a:avLst/>
+          </a:prstGeom>
+        </p:spPr>
+      </p:pic>
+    </p:spTree>
+    <p:extLst>
+      <p:ext uri="{BB962C8B-B14F-4D97-AF65-F5344CB8AC3E}">
+        <p14:creationId xmlns:p14="http://schemas.microsoft.com/office/powerpoint/2010/main" val="4290177777"/>
+      </p:ext>
+    </p:extLst>
+  </p:cSld>
+  <p:clrMapOvr>
+    <a:masterClrMapping/>
+  </p:clrMapOvr>
+  <mc:AlternateContent xmlns:mc="http://schemas.openxmlformats.org/markup-compatibility/2006">
+    <mc:Choice xmlns:p14="http://schemas.microsoft.com/office/powerpoint/2010/main" Requires="p14">
+      <p:transition spd="med" p14:dur="700">
+        <p:fade/>
+      </p:transition>
+    </mc:Choice>
+    <mc:Fallback>
+      <p:transition spd="med">
+        <p:fade/>
+      </p:transition>
+    </mc:Fallback>
+  </mc:AlternateContent>
+</p:sld>
+</file>
+
+<file path=ppt/slides/slide12.xml><?xml version="1.0" encoding="utf-8"?>
+<p:sld xmlns:a="http://schemas.openxmlformats.org/drawingml/2006/main" xmlns:r="http://schemas.openxmlformats.org/officeDocument/2006/relationships" xmlns:p="http://schemas.openxmlformats.org/presentationml/2006/main">
+  <p:cSld>
+    <p:spTree>
+      <p:nvGrpSpPr>
+        <p:cNvPr id="1" name="">
+          <a:extLst>
+            <a:ext uri="{FF2B5EF4-FFF2-40B4-BE49-F238E27FC236}">
               <a16:creationId xmlns:a16="http://schemas.microsoft.com/office/drawing/2014/main" id="{9FCBCB9D-8BA7-1A6F-44D2-C8A876985467}"/>
             </a:ext>
           </a:extLst>
@@ -6563,7 +7539,7 @@
             <a:fld id="{D2B4BBCC-EA5B-4A7E-8C0A-AC47B4F5C809}" type="slidenum">
               <a:rPr lang="fr-FR" smtClean="0"/>
               <a:pPr/>
-              <a:t>11</a:t>
+              <a:t>12</a:t>
             </a:fld>
             <a:endParaRPr lang="fr-FR" dirty="0"/>
           </a:p>
@@ -6736,7 +7712,7 @@
 </p:sld>
 </file>
 
-<file path=ppt/slides/slide12.xml><?xml version="1.0" encoding="utf-8"?>
+<file path=ppt/slides/slide13.xml><?xml version="1.0" encoding="utf-8"?>
 <p:sld xmlns:a="http://schemas.openxmlformats.org/drawingml/2006/main" xmlns:r="http://schemas.openxmlformats.org/officeDocument/2006/relationships" xmlns:p="http://schemas.openxmlformats.org/presentationml/2006/main">
   <p:cSld>
     <p:spTree>
@@ -6783,7 +7759,7 @@
             <a:fld id="{D2B4BBCC-EA5B-4A7E-8C0A-AC47B4F5C809}" type="slidenum">
               <a:rPr lang="fr-FR" smtClean="0"/>
               <a:pPr/>
-              <a:t>12</a:t>
+              <a:t>13</a:t>
             </a:fld>
             <a:endParaRPr lang="fr-FR" dirty="0"/>
           </a:p>

--- a/Diapositives de presentation.pptx
+++ b/Diapositives de presentation.pptx
@@ -5,22 +5,24 @@
     <p:sldMasterId id="2147483856" r:id="rId1"/>
   </p:sldMasterIdLst>
   <p:notesMasterIdLst>
-    <p:notesMasterId r:id="rId15"/>
+    <p:notesMasterId r:id="rId17"/>
   </p:notesMasterIdLst>
   <p:sldIdLst>
     <p:sldId id="271" r:id="rId2"/>
     <p:sldId id="485" r:id="rId3"/>
-    <p:sldId id="473" r:id="rId4"/>
-    <p:sldId id="478" r:id="rId5"/>
-    <p:sldId id="479" r:id="rId6"/>
-    <p:sldId id="480" r:id="rId7"/>
-    <p:sldId id="483" r:id="rId8"/>
-    <p:sldId id="481" r:id="rId9"/>
-    <p:sldId id="486" r:id="rId10"/>
-    <p:sldId id="487" r:id="rId11"/>
-    <p:sldId id="488" r:id="rId12"/>
-    <p:sldId id="484" r:id="rId13"/>
-    <p:sldId id="482" r:id="rId14"/>
+    <p:sldId id="489" r:id="rId4"/>
+    <p:sldId id="490" r:id="rId5"/>
+    <p:sldId id="473" r:id="rId6"/>
+    <p:sldId id="478" r:id="rId7"/>
+    <p:sldId id="479" r:id="rId8"/>
+    <p:sldId id="480" r:id="rId9"/>
+    <p:sldId id="483" r:id="rId10"/>
+    <p:sldId id="481" r:id="rId11"/>
+    <p:sldId id="486" r:id="rId12"/>
+    <p:sldId id="487" r:id="rId13"/>
+    <p:sldId id="488" r:id="rId14"/>
+    <p:sldId id="484" r:id="rId15"/>
+    <p:sldId id="482" r:id="rId16"/>
   </p:sldIdLst>
   <p:sldSz cx="12192000" cy="6858000"/>
   <p:notesSz cx="6858000" cy="9144000"/>
@@ -5620,7 +5622,7 @@
         <p:cNvPr id="1" name="">
           <a:extLst>
             <a:ext uri="{FF2B5EF4-FFF2-40B4-BE49-F238E27FC236}">
-              <a16:creationId xmlns:a16="http://schemas.microsoft.com/office/drawing/2014/main" id="{966985BB-29C3-DFD6-92B7-025EECF0747F}"/>
+              <a16:creationId xmlns:a16="http://schemas.microsoft.com/office/drawing/2014/main" id="{CF1C6B4D-4032-5BFB-91A7-74C110AE8255}"/>
             </a:ext>
           </a:extLst>
         </p:cNvPr>
@@ -5640,7 +5642,7 @@
           <p:cNvPr id="2" name="Espace réservé du numéro de diapositive 1">
             <a:extLst>
               <a:ext uri="{FF2B5EF4-FFF2-40B4-BE49-F238E27FC236}">
-                <a16:creationId xmlns:a16="http://schemas.microsoft.com/office/drawing/2014/main" id="{9BA331C6-22B0-54CB-A4C0-E5BFEB0AF59B}"/>
+                <a16:creationId xmlns:a16="http://schemas.microsoft.com/office/drawing/2014/main" id="{C95EEADD-1703-AD46-22C1-286FB32A644D}"/>
               </a:ext>
             </a:extLst>
           </p:cNvPr>
@@ -5675,7 +5677,7 @@
           <p:cNvPr id="3" name="TextBox 6">
             <a:extLst>
               <a:ext uri="{FF2B5EF4-FFF2-40B4-BE49-F238E27FC236}">
-                <a16:creationId xmlns:a16="http://schemas.microsoft.com/office/drawing/2014/main" id="{DF8BC9B7-EA44-B3D0-9821-12DCEC49ED43}"/>
+                <a16:creationId xmlns:a16="http://schemas.microsoft.com/office/drawing/2014/main" id="{63ACB070-53CC-7FE1-0398-0F65031DA4CA}"/>
               </a:ext>
             </a:extLst>
           </p:cNvPr>
@@ -5728,7 +5730,7 @@
           <p:cNvPr id="17" name="Rectangle 13">
             <a:extLst>
               <a:ext uri="{FF2B5EF4-FFF2-40B4-BE49-F238E27FC236}">
-                <a16:creationId xmlns:a16="http://schemas.microsoft.com/office/drawing/2014/main" id="{3A502E62-0CFD-86BD-5236-28C4C21C105A}"/>
+                <a16:creationId xmlns:a16="http://schemas.microsoft.com/office/drawing/2014/main" id="{B784DA87-6EA6-D32D-E9F7-092903152677}"/>
               </a:ext>
             </a:extLst>
           </p:cNvPr>
@@ -5797,7 +5799,7 @@
           <p:cNvPr id="19" name="Rectangle 15">
             <a:extLst>
               <a:ext uri="{FF2B5EF4-FFF2-40B4-BE49-F238E27FC236}">
-                <a16:creationId xmlns:a16="http://schemas.microsoft.com/office/drawing/2014/main" id="{CB65B013-9857-1285-A529-07F99F8C8A71}"/>
+                <a16:creationId xmlns:a16="http://schemas.microsoft.com/office/drawing/2014/main" id="{7A74B6D9-E6DF-7729-A932-11AD35FC52FB}"/>
               </a:ext>
             </a:extLst>
           </p:cNvPr>
@@ -5866,7 +5868,7 @@
           <p:cNvPr id="33" name="Rectangle 32">
             <a:extLst>
               <a:ext uri="{FF2B5EF4-FFF2-40B4-BE49-F238E27FC236}">
-                <a16:creationId xmlns:a16="http://schemas.microsoft.com/office/drawing/2014/main" id="{42DA4A42-BCC7-4202-F5C9-364E65002C4E}"/>
+                <a16:creationId xmlns:a16="http://schemas.microsoft.com/office/drawing/2014/main" id="{38DCF10D-E170-40A1-51F6-F9220130B9B6}"/>
               </a:ext>
             </a:extLst>
           </p:cNvPr>
@@ -5935,7 +5937,7 @@
           <p:cNvPr id="34" name="Rectangle 33">
             <a:extLst>
               <a:ext uri="{FF2B5EF4-FFF2-40B4-BE49-F238E27FC236}">
-                <a16:creationId xmlns:a16="http://schemas.microsoft.com/office/drawing/2014/main" id="{8D77E666-2FD7-610A-A64F-E5BF3641EE71}"/>
+                <a16:creationId xmlns:a16="http://schemas.microsoft.com/office/drawing/2014/main" id="{978EE6B4-6B83-A395-21C1-B8A4022AA396}"/>
               </a:ext>
             </a:extLst>
           </p:cNvPr>
@@ -6004,7 +6006,7 @@
           <p:cNvPr id="7" name="Image 6">
             <a:extLst>
               <a:ext uri="{FF2B5EF4-FFF2-40B4-BE49-F238E27FC236}">
-                <a16:creationId xmlns:a16="http://schemas.microsoft.com/office/drawing/2014/main" id="{60F0A531-F120-5852-88A8-57D6A6DECB6F}"/>
+                <a16:creationId xmlns:a16="http://schemas.microsoft.com/office/drawing/2014/main" id="{F9F3DB7A-DAA3-7FE5-7693-E6099BC48865}"/>
               </a:ext>
             </a:extLst>
           </p:cNvPr>
@@ -6034,12 +6036,47 @@
           </a:prstGeom>
         </p:spPr>
       </p:pic>
+      <p:pic>
+        <p:nvPicPr>
+          <p:cNvPr id="36" name="Image 6">
+            <a:extLst>
+              <a:ext uri="{FF2B5EF4-FFF2-40B4-BE49-F238E27FC236}">
+                <a16:creationId xmlns:a16="http://schemas.microsoft.com/office/drawing/2014/main" id="{C61EEA9E-DA7A-9B24-3090-43FA05D56140}"/>
+              </a:ext>
+            </a:extLst>
+          </p:cNvPr>
+          <p:cNvPicPr>
+            <a:picLocks noChangeAspect="1"/>
+          </p:cNvPicPr>
+          <p:nvPr/>
+        </p:nvPicPr>
+        <p:blipFill>
+          <a:blip r:embed="rId3">
+            <a:extLst>
+              <a:ext uri="{28A0092B-C50C-407E-A947-70E740481C1C}">
+                <a14:useLocalDpi xmlns:a14="http://schemas.microsoft.com/office/drawing/2010/main" val="0"/>
+              </a:ext>
+            </a:extLst>
+          </a:blip>
+          <a:srcRect t="-1627" r="-1649" b="-282"/>
+          <a:stretch/>
+        </p:blipFill>
+        <p:spPr>
+          <a:xfrm>
+            <a:off x="7010402" y="1929468"/>
+            <a:ext cx="4329951" cy="4341064"/>
+          </a:xfrm>
+          <a:prstGeom prst="rect">
+            <a:avLst/>
+          </a:prstGeom>
+        </p:spPr>
+      </p:pic>
       <p:sp>
         <p:nvSpPr>
           <p:cNvPr id="6" name="Rectangle 5">
             <a:extLst>
               <a:ext uri="{FF2B5EF4-FFF2-40B4-BE49-F238E27FC236}">
-                <a16:creationId xmlns:a16="http://schemas.microsoft.com/office/drawing/2014/main" id="{AA444BA4-941B-5E73-C4D0-CDBD21136D38}"/>
+                <a16:creationId xmlns:a16="http://schemas.microsoft.com/office/drawing/2014/main" id="{0B10225E-81AF-E014-6B04-5744D885CBF4}"/>
               </a:ext>
             </a:extLst>
           </p:cNvPr>
@@ -6049,7 +6086,7 @@
         <p:spPr>
           <a:xfrm>
             <a:off x="1352185" y="4692590"/>
-            <a:ext cx="2941909" cy="914400"/>
+            <a:ext cx="5120333" cy="914400"/>
           </a:xfrm>
           <a:prstGeom prst="rect">
             <a:avLst/>
@@ -6081,14 +6118,14 @@
           <a:p>
             <a:pPr algn="ctr"/>
             <a:r>
-              <a:rPr lang="fr-FR" sz="4400" dirty="0">
+              <a:rPr lang="fr-FR" sz="6000" dirty="0">
                 <a:solidFill>
                   <a:schemeClr val="tx1"/>
                 </a:solidFill>
               </a:rPr>
-              <a:t>Web socket</a:t>
+              <a:t>IntelliJ ultimate</a:t>
             </a:r>
-            <a:endParaRPr lang="en-US" sz="4400" dirty="0">
+            <a:endParaRPr lang="en-US" sz="6000" dirty="0">
               <a:solidFill>
                 <a:schemeClr val="tx1"/>
               </a:solidFill>
@@ -6101,7 +6138,7 @@
           <p:cNvPr id="8" name="Image 6">
             <a:extLst>
               <a:ext uri="{FF2B5EF4-FFF2-40B4-BE49-F238E27FC236}">
-                <a16:creationId xmlns:a16="http://schemas.microsoft.com/office/drawing/2014/main" id="{A00FB045-B011-93E7-CD57-EB0A1702343E}"/>
+                <a16:creationId xmlns:a16="http://schemas.microsoft.com/office/drawing/2014/main" id="{DCB8576D-F5AB-D927-D809-65F3BE92D390}"/>
               </a:ext>
             </a:extLst>
           </p:cNvPr>
@@ -6111,7 +6148,7 @@
           <p:nvPr/>
         </p:nvPicPr>
         <p:blipFill>
-          <a:blip r:embed="rId3" cstate="print">
+          <a:blip r:embed="rId4" cstate="print">
             <a:extLst>
               <a:ext uri="{28A0092B-C50C-407E-A947-70E740481C1C}">
                 <a14:useLocalDpi xmlns:a14="http://schemas.microsoft.com/office/drawing/2010/main" val="0"/>
@@ -6136,7 +6173,7 @@
           <p:cNvPr id="10" name="Image 6">
             <a:extLst>
               <a:ext uri="{FF2B5EF4-FFF2-40B4-BE49-F238E27FC236}">
-                <a16:creationId xmlns:a16="http://schemas.microsoft.com/office/drawing/2014/main" id="{3AF849AA-F27D-00A9-198C-8A0AE9A83037}"/>
+                <a16:creationId xmlns:a16="http://schemas.microsoft.com/office/drawing/2014/main" id="{18B12913-C144-4C11-31F2-9F7CA54CEC3A}"/>
               </a:ext>
             </a:extLst>
           </p:cNvPr>
@@ -6146,7 +6183,7 @@
           <p:nvPr/>
         </p:nvPicPr>
         <p:blipFill>
-          <a:blip r:embed="rId4" cstate="print">
+          <a:blip r:embed="rId5" cstate="print">
             <a:extLst>
               <a:ext uri="{28A0092B-C50C-407E-A947-70E740481C1C}">
                 <a14:useLocalDpi xmlns:a14="http://schemas.microsoft.com/office/drawing/2010/main" val="0"/>
@@ -6171,7 +6208,7 @@
           <p:cNvPr id="12" name="Image 6">
             <a:extLst>
               <a:ext uri="{FF2B5EF4-FFF2-40B4-BE49-F238E27FC236}">
-                <a16:creationId xmlns:a16="http://schemas.microsoft.com/office/drawing/2014/main" id="{588E1F48-6690-12C0-35AE-6E99864C120A}"/>
+                <a16:creationId xmlns:a16="http://schemas.microsoft.com/office/drawing/2014/main" id="{0E52747E-7755-F041-6666-1F1051BEB518}"/>
               </a:ext>
             </a:extLst>
           </p:cNvPr>
@@ -6181,7 +6218,7 @@
           <p:nvPr/>
         </p:nvPicPr>
         <p:blipFill>
-          <a:blip r:embed="rId5" cstate="print">
+          <a:blip r:embed="rId6" cstate="print">
             <a:extLst>
               <a:ext uri="{28A0092B-C50C-407E-A947-70E740481C1C}">
                 <a14:useLocalDpi xmlns:a14="http://schemas.microsoft.com/office/drawing/2010/main" val="0"/>
@@ -6206,7 +6243,7 @@
           <p:cNvPr id="14" name="Image 6">
             <a:extLst>
               <a:ext uri="{FF2B5EF4-FFF2-40B4-BE49-F238E27FC236}">
-                <a16:creationId xmlns:a16="http://schemas.microsoft.com/office/drawing/2014/main" id="{7717F036-5203-DF45-2A85-B4D3364E77F0}"/>
+                <a16:creationId xmlns:a16="http://schemas.microsoft.com/office/drawing/2014/main" id="{004EDB8B-9057-6C0A-117A-1818DA8344AD}"/>
               </a:ext>
             </a:extLst>
           </p:cNvPr>
@@ -6216,7 +6253,7 @@
           <p:nvPr/>
         </p:nvPicPr>
         <p:blipFill>
-          <a:blip r:embed="rId6">
+          <a:blip r:embed="rId7">
             <a:extLst>
               <a:ext uri="{28A0092B-C50C-407E-A947-70E740481C1C}">
                 <a14:useLocalDpi xmlns:a14="http://schemas.microsoft.com/office/drawing/2010/main" val="0"/>
@@ -6241,7 +6278,7 @@
           <p:cNvPr id="9" name="Image 6">
             <a:extLst>
               <a:ext uri="{FF2B5EF4-FFF2-40B4-BE49-F238E27FC236}">
-                <a16:creationId xmlns:a16="http://schemas.microsoft.com/office/drawing/2014/main" id="{94B8F9E2-BA7C-682D-7A3B-6CB566F09EF3}"/>
+                <a16:creationId xmlns:a16="http://schemas.microsoft.com/office/drawing/2014/main" id="{3E198654-C9DE-82EE-2EBD-532358577C15}"/>
               </a:ext>
             </a:extLst>
           </p:cNvPr>
@@ -6251,7 +6288,7 @@
           <p:nvPr/>
         </p:nvPicPr>
         <p:blipFill>
-          <a:blip r:embed="rId7" cstate="print">
+          <a:blip r:embed="rId3" cstate="print">
             <a:extLst>
               <a:ext uri="{28A0092B-C50C-407E-A947-70E740481C1C}">
                 <a14:useLocalDpi xmlns:a14="http://schemas.microsoft.com/office/drawing/2010/main" val="0"/>
@@ -6271,47 +6308,12 @@
           </a:prstGeom>
         </p:spPr>
       </p:pic>
-      <p:pic>
-        <p:nvPicPr>
-          <p:cNvPr id="13" name="Picture 12">
-            <a:extLst>
-              <a:ext uri="{FF2B5EF4-FFF2-40B4-BE49-F238E27FC236}">
-                <a16:creationId xmlns:a16="http://schemas.microsoft.com/office/drawing/2014/main" id="{25592885-5FCF-37D2-B42E-2B26EACFDE63}"/>
-              </a:ext>
-            </a:extLst>
-          </p:cNvPr>
-          <p:cNvPicPr>
-            <a:picLocks noChangeAspect="1"/>
-          </p:cNvPicPr>
-          <p:nvPr/>
-        </p:nvPicPr>
-        <p:blipFill>
-          <a:blip r:embed="rId8" cstate="print">
-            <a:extLst>
-              <a:ext uri="{28A0092B-C50C-407E-A947-70E740481C1C}">
-                <a14:useLocalDpi xmlns:a14="http://schemas.microsoft.com/office/drawing/2010/main" val="0"/>
-              </a:ext>
-            </a:extLst>
-          </a:blip>
-          <a:srcRect l="11964" t="37402" b="35660"/>
-          <a:stretch/>
-        </p:blipFill>
-        <p:spPr>
-          <a:xfrm>
-            <a:off x="85407" y="6166600"/>
-            <a:ext cx="2802129" cy="584775"/>
-          </a:xfrm>
-          <a:prstGeom prst="rect">
-            <a:avLst/>
-          </a:prstGeom>
-        </p:spPr>
-      </p:pic>
-      <p:sp>
-        <p:nvSpPr>
-          <p:cNvPr id="15" name="Rectangle : coins arrondis 31">
-            <a:extLst>
-              <a:ext uri="{FF2B5EF4-FFF2-40B4-BE49-F238E27FC236}">
-                <a16:creationId xmlns:a16="http://schemas.microsoft.com/office/drawing/2014/main" id="{4A6A566B-D584-D3F0-9178-7549A6BFD057}"/>
+      <p:sp>
+        <p:nvSpPr>
+          <p:cNvPr id="11" name="Rectangle : coins arrondis 31">
+            <a:extLst>
+              <a:ext uri="{FF2B5EF4-FFF2-40B4-BE49-F238E27FC236}">
+                <a16:creationId xmlns:a16="http://schemas.microsoft.com/office/drawing/2014/main" id="{15E7D684-AEA3-6D7F-769A-F74578F8183E}"/>
               </a:ext>
             </a:extLst>
           </p:cNvPr>
@@ -6320,7 +6322,7 @@
         </p:nvSpPr>
         <p:spPr>
           <a:xfrm>
-            <a:off x="1358216" y="3209873"/>
+            <a:off x="2430500" y="2138469"/>
             <a:ext cx="815662" cy="825665"/>
           </a:xfrm>
           <a:prstGeom prst="roundRect">
@@ -6360,74 +6362,12 @@
           </a:p>
         </p:txBody>
       </p:sp>
-      <p:sp>
-        <p:nvSpPr>
-          <p:cNvPr id="16" name="Rectangle 15">
-            <a:extLst>
-              <a:ext uri="{FF2B5EF4-FFF2-40B4-BE49-F238E27FC236}">
-                <a16:creationId xmlns:a16="http://schemas.microsoft.com/office/drawing/2014/main" id="{064FF37B-A640-3035-B95F-173AC0A302FE}"/>
-              </a:ext>
-            </a:extLst>
-          </p:cNvPr>
-          <p:cNvSpPr/>
-          <p:nvPr/>
-        </p:nvSpPr>
-        <p:spPr>
-          <a:xfrm>
-            <a:off x="480742" y="3361794"/>
-            <a:ext cx="741809" cy="519711"/>
-          </a:xfrm>
-          <a:prstGeom prst="rect">
-            <a:avLst/>
-          </a:prstGeom>
-          <a:noFill/>
-          <a:ln>
-            <a:noFill/>
-          </a:ln>
-        </p:spPr>
-        <p:style>
-          <a:lnRef idx="2">
-            <a:schemeClr val="accent1">
-              <a:shade val="15000"/>
-            </a:schemeClr>
-          </a:lnRef>
-          <a:fillRef idx="1">
-            <a:schemeClr val="accent1"/>
-          </a:fillRef>
-          <a:effectRef idx="0">
-            <a:schemeClr val="accent1"/>
-          </a:effectRef>
-          <a:fontRef idx="minor">
-            <a:schemeClr val="lt1"/>
-          </a:fontRef>
-        </p:style>
-        <p:txBody>
-          <a:bodyPr rtlCol="0" anchor="ctr"/>
-          <a:lstStyle/>
-          <a:p>
-            <a:pPr algn="ctr"/>
-            <a:r>
-              <a:rPr lang="fr-FR" sz="2800" dirty="0">
-                <a:solidFill>
-                  <a:schemeClr val="tx1"/>
-                </a:solidFill>
-              </a:rPr>
-              <a:t>JNA</a:t>
-            </a:r>
-            <a:endParaRPr lang="en-US" sz="2800" dirty="0">
-              <a:solidFill>
-                <a:schemeClr val="tx1"/>
-              </a:solidFill>
-            </a:endParaRPr>
-          </a:p>
-        </p:txBody>
-      </p:sp>
       <p:pic>
         <p:nvPicPr>
-          <p:cNvPr id="11" name="Image 6">
-            <a:extLst>
-              <a:ext uri="{FF2B5EF4-FFF2-40B4-BE49-F238E27FC236}">
-                <a16:creationId xmlns:a16="http://schemas.microsoft.com/office/drawing/2014/main" id="{EB11E8C5-4142-1302-4E53-221300744E23}"/>
+          <p:cNvPr id="13" name="Picture 12">
+            <a:extLst>
+              <a:ext uri="{FF2B5EF4-FFF2-40B4-BE49-F238E27FC236}">
+                <a16:creationId xmlns:a16="http://schemas.microsoft.com/office/drawing/2014/main" id="{DF4D4707-FEAA-0D2E-9FB9-4087A60DBCFB}"/>
               </a:ext>
             </a:extLst>
           </p:cNvPr>
@@ -6437,55 +6377,20 @@
           <p:nvPr/>
         </p:nvPicPr>
         <p:blipFill>
-          <a:blip r:embed="rId9" cstate="print">
+          <a:blip r:embed="rId8" cstate="print">
             <a:extLst>
               <a:ext uri="{28A0092B-C50C-407E-A947-70E740481C1C}">
                 <a14:useLocalDpi xmlns:a14="http://schemas.microsoft.com/office/drawing/2010/main" val="0"/>
               </a:ext>
             </a:extLst>
           </a:blip>
-          <a:srcRect l="23270" r="23270"/>
+          <a:srcRect l="11964" t="37402" b="35660"/>
           <a:stretch/>
         </p:blipFill>
         <p:spPr>
           <a:xfrm>
-            <a:off x="1405172" y="3280163"/>
-            <a:ext cx="741809" cy="693792"/>
-          </a:xfrm>
-          <a:prstGeom prst="rect">
-            <a:avLst/>
-          </a:prstGeom>
-        </p:spPr>
-      </p:pic>
-      <p:pic>
-        <p:nvPicPr>
-          <p:cNvPr id="20" name="Image 6">
-            <a:extLst>
-              <a:ext uri="{FF2B5EF4-FFF2-40B4-BE49-F238E27FC236}">
-                <a16:creationId xmlns:a16="http://schemas.microsoft.com/office/drawing/2014/main" id="{8DD4A496-45AA-A472-05E4-48287FC67776}"/>
-              </a:ext>
-            </a:extLst>
-          </p:cNvPr>
-          <p:cNvPicPr>
-            <a:picLocks noChangeAspect="1"/>
-          </p:cNvPicPr>
-          <p:nvPr/>
-        </p:nvPicPr>
-        <p:blipFill>
-          <a:blip r:embed="rId10">
-            <a:extLst>
-              <a:ext uri="{28A0092B-C50C-407E-A947-70E740481C1C}">
-                <a14:useLocalDpi xmlns:a14="http://schemas.microsoft.com/office/drawing/2010/main" val="0"/>
-              </a:ext>
-            </a:extLst>
-          </a:blip>
-          <a:srcRect l="30296" t="4722" r="27912" b="28405"/>
-          <a:stretch/>
-        </p:blipFill>
-        <p:spPr>
-          <a:xfrm>
-            <a:off x="6947647" y="1937804"/>
-            <a:ext cx="4763611" cy="4228796"/>
+            <a:off x="85407" y="6166600"/>
+            <a:ext cx="2802129" cy="584775"/>
           </a:xfrm>
           <a:prstGeom prst="rect">
             <a:avLst/>
@@ -6495,7 +6400,7 @@
     </p:spTree>
     <p:extLst>
       <p:ext uri="{BB962C8B-B14F-4D97-AF65-F5344CB8AC3E}">
-        <p14:creationId xmlns:p14="http://schemas.microsoft.com/office/powerpoint/2010/main" val="1190928401"/>
+        <p14:creationId xmlns:p14="http://schemas.microsoft.com/office/powerpoint/2010/main" val="2080772990"/>
       </p:ext>
     </p:extLst>
   </p:cSld>
@@ -6525,7 +6430,7 @@
         <p:cNvPr id="1" name="">
           <a:extLst>
             <a:ext uri="{FF2B5EF4-FFF2-40B4-BE49-F238E27FC236}">
-              <a16:creationId xmlns:a16="http://schemas.microsoft.com/office/drawing/2014/main" id="{C185FA75-4F50-7030-B31E-371FB0D70FAD}"/>
+              <a16:creationId xmlns:a16="http://schemas.microsoft.com/office/drawing/2014/main" id="{683FBE0F-E9B6-0DA2-5E94-3F5862BAD25B}"/>
             </a:ext>
           </a:extLst>
         </p:cNvPr>
@@ -6545,7 +6450,7 @@
           <p:cNvPr id="2" name="Espace réservé du numéro de diapositive 1">
             <a:extLst>
               <a:ext uri="{FF2B5EF4-FFF2-40B4-BE49-F238E27FC236}">
-                <a16:creationId xmlns:a16="http://schemas.microsoft.com/office/drawing/2014/main" id="{C23F12F8-0C29-2C2B-4747-11B1C5101C1C}"/>
+                <a16:creationId xmlns:a16="http://schemas.microsoft.com/office/drawing/2014/main" id="{B4C0F3E0-D258-1318-A56C-6F444E6E363F}"/>
               </a:ext>
             </a:extLst>
           </p:cNvPr>
@@ -6580,7 +6485,7 @@
           <p:cNvPr id="3" name="TextBox 6">
             <a:extLst>
               <a:ext uri="{FF2B5EF4-FFF2-40B4-BE49-F238E27FC236}">
-                <a16:creationId xmlns:a16="http://schemas.microsoft.com/office/drawing/2014/main" id="{74BED023-1503-A891-C737-0AED501FCAAA}"/>
+                <a16:creationId xmlns:a16="http://schemas.microsoft.com/office/drawing/2014/main" id="{D2406EF2-127F-3034-1B05-96100446FAEC}"/>
               </a:ext>
             </a:extLst>
           </p:cNvPr>
@@ -6633,7 +6538,7 @@
           <p:cNvPr id="17" name="Rectangle 13">
             <a:extLst>
               <a:ext uri="{FF2B5EF4-FFF2-40B4-BE49-F238E27FC236}">
-                <a16:creationId xmlns:a16="http://schemas.microsoft.com/office/drawing/2014/main" id="{575B6DA5-C157-82B8-8BF0-0CC6B19CF018}"/>
+                <a16:creationId xmlns:a16="http://schemas.microsoft.com/office/drawing/2014/main" id="{2E14FA9B-C62A-EA48-09ED-9BE1B6FA3F47}"/>
               </a:ext>
             </a:extLst>
           </p:cNvPr>
@@ -6702,7 +6607,7 @@
           <p:cNvPr id="19" name="Rectangle 15">
             <a:extLst>
               <a:ext uri="{FF2B5EF4-FFF2-40B4-BE49-F238E27FC236}">
-                <a16:creationId xmlns:a16="http://schemas.microsoft.com/office/drawing/2014/main" id="{2CD32C2B-F1BC-8C97-B036-1C7E25696EB2}"/>
+                <a16:creationId xmlns:a16="http://schemas.microsoft.com/office/drawing/2014/main" id="{4B952018-BF17-30AE-82DF-A744817271FE}"/>
               </a:ext>
             </a:extLst>
           </p:cNvPr>
@@ -6771,7 +6676,7 @@
           <p:cNvPr id="33" name="Rectangle 32">
             <a:extLst>
               <a:ext uri="{FF2B5EF4-FFF2-40B4-BE49-F238E27FC236}">
-                <a16:creationId xmlns:a16="http://schemas.microsoft.com/office/drawing/2014/main" id="{5E4D7580-021E-AAD9-E797-26830924E08E}"/>
+                <a16:creationId xmlns:a16="http://schemas.microsoft.com/office/drawing/2014/main" id="{51EF0336-F52A-0C0D-36ED-653219673271}"/>
               </a:ext>
             </a:extLst>
           </p:cNvPr>
@@ -6840,7 +6745,7 @@
           <p:cNvPr id="34" name="Rectangle 33">
             <a:extLst>
               <a:ext uri="{FF2B5EF4-FFF2-40B4-BE49-F238E27FC236}">
-                <a16:creationId xmlns:a16="http://schemas.microsoft.com/office/drawing/2014/main" id="{C2EC9ECE-0E05-A8D7-2084-8CDB28568372}"/>
+                <a16:creationId xmlns:a16="http://schemas.microsoft.com/office/drawing/2014/main" id="{0CFA9CBC-36A8-CFBE-D32A-C9BDAB255C51}"/>
               </a:ext>
             </a:extLst>
           </p:cNvPr>
@@ -6909,7 +6814,7 @@
           <p:cNvPr id="7" name="Image 6">
             <a:extLst>
               <a:ext uri="{FF2B5EF4-FFF2-40B4-BE49-F238E27FC236}">
-                <a16:creationId xmlns:a16="http://schemas.microsoft.com/office/drawing/2014/main" id="{5414C5DC-3D97-D28C-15DF-AF8D178EF63C}"/>
+                <a16:creationId xmlns:a16="http://schemas.microsoft.com/office/drawing/2014/main" id="{FF546919-8883-43DF-FFEA-83F4A1F8587C}"/>
               </a:ext>
             </a:extLst>
           </p:cNvPr>
@@ -6944,7 +6849,7 @@
           <p:cNvPr id="6" name="Rectangle 5">
             <a:extLst>
               <a:ext uri="{FF2B5EF4-FFF2-40B4-BE49-F238E27FC236}">
-                <a16:creationId xmlns:a16="http://schemas.microsoft.com/office/drawing/2014/main" id="{58619AA3-EA5D-4C75-31AE-F3A98AD830D5}"/>
+                <a16:creationId xmlns:a16="http://schemas.microsoft.com/office/drawing/2014/main" id="{DB0CE34F-DE13-4BF5-9D36-8FB478066557}"/>
               </a:ext>
             </a:extLst>
           </p:cNvPr>
@@ -6953,8 +6858,8 @@
         </p:nvSpPr>
         <p:spPr>
           <a:xfrm>
-            <a:off x="357101" y="4719485"/>
-            <a:ext cx="3542544" cy="914400"/>
+            <a:off x="1352185" y="4692590"/>
+            <a:ext cx="5963015" cy="914400"/>
           </a:xfrm>
           <a:prstGeom prst="rect">
             <a:avLst/>
@@ -6986,14 +6891,14 @@
           <a:p>
             <a:pPr algn="ctr"/>
             <a:r>
-              <a:rPr lang="fr-FR" sz="3600" dirty="0">
+              <a:rPr lang="fr-FR" sz="4400" dirty="0">
                 <a:solidFill>
                   <a:schemeClr val="tx1"/>
                 </a:solidFill>
               </a:rPr>
-              <a:t>Teamcity+ Docker</a:t>
+              <a:t>Java Native Access 3.0.9</a:t>
             </a:r>
-            <a:endParaRPr lang="en-US" sz="3600" dirty="0">
+            <a:endParaRPr lang="en-US" sz="4400" dirty="0">
               <a:solidFill>
                 <a:schemeClr val="tx1"/>
               </a:solidFill>
@@ -7006,7 +6911,7 @@
           <p:cNvPr id="8" name="Image 6">
             <a:extLst>
               <a:ext uri="{FF2B5EF4-FFF2-40B4-BE49-F238E27FC236}">
-                <a16:creationId xmlns:a16="http://schemas.microsoft.com/office/drawing/2014/main" id="{043EF3E7-6B9C-3066-6213-76E035DC43DD}"/>
+                <a16:creationId xmlns:a16="http://schemas.microsoft.com/office/drawing/2014/main" id="{D2C375DA-FEF4-AD4D-AAFB-A971B27FC05E}"/>
               </a:ext>
             </a:extLst>
           </p:cNvPr>
@@ -7041,7 +6946,7 @@
           <p:cNvPr id="10" name="Image 6">
             <a:extLst>
               <a:ext uri="{FF2B5EF4-FFF2-40B4-BE49-F238E27FC236}">
-                <a16:creationId xmlns:a16="http://schemas.microsoft.com/office/drawing/2014/main" id="{6CB2AEE0-13F0-4824-1E0B-3CD14D028377}"/>
+                <a16:creationId xmlns:a16="http://schemas.microsoft.com/office/drawing/2014/main" id="{FE487529-8BEF-7427-C1A2-2B0FB4D17282}"/>
               </a:ext>
             </a:extLst>
           </p:cNvPr>
@@ -7076,7 +6981,7 @@
           <p:cNvPr id="12" name="Image 6">
             <a:extLst>
               <a:ext uri="{FF2B5EF4-FFF2-40B4-BE49-F238E27FC236}">
-                <a16:creationId xmlns:a16="http://schemas.microsoft.com/office/drawing/2014/main" id="{020FFEC4-F12D-6B5F-7A5E-0DED75F2E98F}"/>
+                <a16:creationId xmlns:a16="http://schemas.microsoft.com/office/drawing/2014/main" id="{C6B0ADAA-5FDC-C05F-6D83-C036B5330FDD}"/>
               </a:ext>
             </a:extLst>
           </p:cNvPr>
@@ -7111,7 +7016,7 @@
           <p:cNvPr id="14" name="Image 6">
             <a:extLst>
               <a:ext uri="{FF2B5EF4-FFF2-40B4-BE49-F238E27FC236}">
-                <a16:creationId xmlns:a16="http://schemas.microsoft.com/office/drawing/2014/main" id="{4B85D07A-6DEE-48D7-0A05-C4BE7157DC31}"/>
+                <a16:creationId xmlns:a16="http://schemas.microsoft.com/office/drawing/2014/main" id="{FD19E8DA-CDB6-E9CE-615D-AFA30EF38E2C}"/>
               </a:ext>
             </a:extLst>
           </p:cNvPr>
@@ -7146,7 +7051,7 @@
           <p:cNvPr id="9" name="Image 6">
             <a:extLst>
               <a:ext uri="{FF2B5EF4-FFF2-40B4-BE49-F238E27FC236}">
-                <a16:creationId xmlns:a16="http://schemas.microsoft.com/office/drawing/2014/main" id="{17E9FD00-209E-3FE6-4142-BB3DBA968CFE}"/>
+                <a16:creationId xmlns:a16="http://schemas.microsoft.com/office/drawing/2014/main" id="{D3128227-91A3-572C-9E3A-3549D713F5A0}"/>
               </a:ext>
             </a:extLst>
           </p:cNvPr>
@@ -7181,7 +7086,7 @@
           <p:cNvPr id="13" name="Picture 12">
             <a:extLst>
               <a:ext uri="{FF2B5EF4-FFF2-40B4-BE49-F238E27FC236}">
-                <a16:creationId xmlns:a16="http://schemas.microsoft.com/office/drawing/2014/main" id="{4318237E-5BD0-1E63-5DE3-B5A7942AA4FE}"/>
+                <a16:creationId xmlns:a16="http://schemas.microsoft.com/office/drawing/2014/main" id="{E3D13D3C-24E6-D00D-B8C8-243F18028B52}"/>
               </a:ext>
             </a:extLst>
           </p:cNvPr>
@@ -7213,10 +7118,64 @@
       </p:pic>
       <p:sp>
         <p:nvSpPr>
+          <p:cNvPr id="15" name="Rectangle : coins arrondis 31">
+            <a:extLst>
+              <a:ext uri="{FF2B5EF4-FFF2-40B4-BE49-F238E27FC236}">
+                <a16:creationId xmlns:a16="http://schemas.microsoft.com/office/drawing/2014/main" id="{23201344-4017-8428-35DD-4C0EB7C5A7F6}"/>
+              </a:ext>
+            </a:extLst>
+          </p:cNvPr>
+          <p:cNvSpPr/>
+          <p:nvPr/>
+        </p:nvSpPr>
+        <p:spPr>
+          <a:xfrm>
+            <a:off x="443816" y="3209873"/>
+            <a:ext cx="815662" cy="825665"/>
+          </a:xfrm>
+          <a:prstGeom prst="roundRect">
+            <a:avLst>
+              <a:gd name="adj" fmla="val 11930"/>
+            </a:avLst>
+          </a:prstGeom>
+          <a:noFill/>
+          <a:ln w="28575">
+            <a:solidFill>
+              <a:schemeClr val="accent5"/>
+            </a:solidFill>
+          </a:ln>
+        </p:spPr>
+        <p:style>
+          <a:lnRef idx="2">
+            <a:schemeClr val="accent1">
+              <a:shade val="50000"/>
+            </a:schemeClr>
+          </a:lnRef>
+          <a:fillRef idx="1">
+            <a:schemeClr val="accent1"/>
+          </a:fillRef>
+          <a:effectRef idx="0">
+            <a:schemeClr val="accent1"/>
+          </a:effectRef>
+          <a:fontRef idx="minor">
+            <a:schemeClr val="lt1"/>
+          </a:fontRef>
+        </p:style>
+        <p:txBody>
+          <a:bodyPr rtlCol="0" anchor="ctr"/>
+          <a:lstStyle/>
+          <a:p>
+            <a:pPr algn="ctr"/>
+            <a:endParaRPr lang="en-US"/>
+          </a:p>
+        </p:txBody>
+      </p:sp>
+      <p:sp>
+        <p:nvSpPr>
           <p:cNvPr id="16" name="Rectangle 15">
             <a:extLst>
               <a:ext uri="{FF2B5EF4-FFF2-40B4-BE49-F238E27FC236}">
-                <a16:creationId xmlns:a16="http://schemas.microsoft.com/office/drawing/2014/main" id="{6F8FB23F-E484-0C76-1634-D9DEA8C62CCC}"/>
+                <a16:creationId xmlns:a16="http://schemas.microsoft.com/office/drawing/2014/main" id="{B6115FF3-6308-6894-44AC-996E8BF15563}"/>
               </a:ext>
             </a:extLst>
           </p:cNvPr>
@@ -7273,12 +7232,486 @@
           </a:p>
         </p:txBody>
       </p:sp>
+      <p:sp>
+        <p:nvSpPr>
+          <p:cNvPr id="18" name="Rectangle 17">
+            <a:extLst>
+              <a:ext uri="{FF2B5EF4-FFF2-40B4-BE49-F238E27FC236}">
+                <a16:creationId xmlns:a16="http://schemas.microsoft.com/office/drawing/2014/main" id="{8268EA4E-A528-69C6-86A0-2019141B3ADB}"/>
+              </a:ext>
+            </a:extLst>
+          </p:cNvPr>
+          <p:cNvSpPr/>
+          <p:nvPr/>
+        </p:nvSpPr>
+        <p:spPr>
+          <a:xfrm>
+            <a:off x="7180729" y="2221100"/>
+            <a:ext cx="4350779" cy="3583113"/>
+          </a:xfrm>
+          <a:prstGeom prst="rect">
+            <a:avLst/>
+          </a:prstGeom>
+          <a:noFill/>
+          <a:ln>
+            <a:noFill/>
+          </a:ln>
+        </p:spPr>
+        <p:style>
+          <a:lnRef idx="2">
+            <a:schemeClr val="accent1">
+              <a:shade val="15000"/>
+            </a:schemeClr>
+          </a:lnRef>
+          <a:fillRef idx="1">
+            <a:schemeClr val="accent1"/>
+          </a:fillRef>
+          <a:effectRef idx="0">
+            <a:schemeClr val="accent1"/>
+          </a:effectRef>
+          <a:fontRef idx="minor">
+            <a:schemeClr val="lt1"/>
+          </a:fontRef>
+        </p:style>
+        <p:txBody>
+          <a:bodyPr rtlCol="0" anchor="ctr"/>
+          <a:lstStyle/>
+          <a:p>
+            <a:pPr algn="ctr"/>
+            <a:r>
+              <a:rPr lang="fr-FR" sz="19900" dirty="0">
+                <a:solidFill>
+                  <a:schemeClr val="tx1"/>
+                </a:solidFill>
+              </a:rPr>
+              <a:t>JNA</a:t>
+            </a:r>
+            <a:endParaRPr lang="en-US" sz="19900" dirty="0">
+              <a:solidFill>
+                <a:schemeClr val="tx1"/>
+              </a:solidFill>
+            </a:endParaRPr>
+          </a:p>
+        </p:txBody>
+      </p:sp>
+    </p:spTree>
+    <p:extLst>
+      <p:ext uri="{BB962C8B-B14F-4D97-AF65-F5344CB8AC3E}">
+        <p14:creationId xmlns:p14="http://schemas.microsoft.com/office/powerpoint/2010/main" val="2247276777"/>
+      </p:ext>
+    </p:extLst>
+  </p:cSld>
+  <p:clrMapOvr>
+    <a:masterClrMapping/>
+  </p:clrMapOvr>
+  <mc:AlternateContent xmlns:mc="http://schemas.openxmlformats.org/markup-compatibility/2006" xmlns:p14="http://schemas.microsoft.com/office/powerpoint/2010/main">
+    <mc:Choice Requires="p14">
+      <p:transition spd="med" p14:dur="700">
+        <p:fade/>
+      </p:transition>
+    </mc:Choice>
+    <mc:Fallback xmlns="">
+      <p:transition spd="med">
+        <p:fade/>
+      </p:transition>
+    </mc:Fallback>
+  </mc:AlternateContent>
+</p:sld>
+</file>
+
+<file path=ppt/slides/slide12.xml><?xml version="1.0" encoding="utf-8"?>
+<p:sld xmlns:a="http://schemas.openxmlformats.org/drawingml/2006/main" xmlns:r="http://schemas.openxmlformats.org/officeDocument/2006/relationships" xmlns:p="http://schemas.openxmlformats.org/presentationml/2006/main">
+  <p:cSld>
+    <p:spTree>
+      <p:nvGrpSpPr>
+        <p:cNvPr id="1" name="">
+          <a:extLst>
+            <a:ext uri="{FF2B5EF4-FFF2-40B4-BE49-F238E27FC236}">
+              <a16:creationId xmlns:a16="http://schemas.microsoft.com/office/drawing/2014/main" id="{966985BB-29C3-DFD6-92B7-025EECF0747F}"/>
+            </a:ext>
+          </a:extLst>
+        </p:cNvPr>
+        <p:cNvGrpSpPr/>
+        <p:nvPr/>
+      </p:nvGrpSpPr>
+      <p:grpSpPr>
+        <a:xfrm>
+          <a:off x="0" y="0"/>
+          <a:ext cx="0" cy="0"/>
+          <a:chOff x="0" y="0"/>
+          <a:chExt cx="0" cy="0"/>
+        </a:xfrm>
+      </p:grpSpPr>
+      <p:sp>
+        <p:nvSpPr>
+          <p:cNvPr id="2" name="Espace réservé du numéro de diapositive 1">
+            <a:extLst>
+              <a:ext uri="{FF2B5EF4-FFF2-40B4-BE49-F238E27FC236}">
+                <a16:creationId xmlns:a16="http://schemas.microsoft.com/office/drawing/2014/main" id="{9BA331C6-22B0-54CB-A4C0-E5BFEB0AF59B}"/>
+              </a:ext>
+            </a:extLst>
+          </p:cNvPr>
+          <p:cNvSpPr>
+            <a:spLocks noGrp="1"/>
+          </p:cNvSpPr>
+          <p:nvPr>
+            <p:ph type="sldNum" sz="quarter" idx="12"/>
+          </p:nvPr>
+        </p:nvSpPr>
+        <p:spPr>
+          <a:xfrm>
+            <a:off x="11719250" y="6487122"/>
+            <a:ext cx="454090" cy="365125"/>
+          </a:xfrm>
+        </p:spPr>
+        <p:txBody>
+          <a:bodyPr/>
+          <a:lstStyle/>
+          <a:p>
+            <a:fld id="{D2B4BBCC-EA5B-4A7E-8C0A-AC47B4F5C809}" type="slidenum">
+              <a:rPr lang="fr-FR" smtClean="0"/>
+              <a:pPr/>
+              <a:t>12</a:t>
+            </a:fld>
+            <a:endParaRPr lang="fr-FR" dirty="0"/>
+          </a:p>
+        </p:txBody>
+      </p:sp>
+      <p:sp>
+        <p:nvSpPr>
+          <p:cNvPr id="3" name="TextBox 6">
+            <a:extLst>
+              <a:ext uri="{FF2B5EF4-FFF2-40B4-BE49-F238E27FC236}">
+                <a16:creationId xmlns:a16="http://schemas.microsoft.com/office/drawing/2014/main" id="{DF8BC9B7-EA44-B3D0-9821-12DCEC49ED43}"/>
+              </a:ext>
+            </a:extLst>
+          </p:cNvPr>
+          <p:cNvSpPr txBox="1"/>
+          <p:nvPr/>
+        </p:nvSpPr>
+        <p:spPr>
+          <a:xfrm>
+            <a:off x="1654629" y="-1365"/>
+            <a:ext cx="8882742" cy="523220"/>
+          </a:xfrm>
+          <a:prstGeom prst="rect">
+            <a:avLst/>
+          </a:prstGeom>
+          <a:noFill/>
+        </p:spPr>
+        <p:txBody>
+          <a:bodyPr wrap="square" rtlCol="0">
+            <a:spAutoFit/>
+          </a:bodyPr>
+          <a:lstStyle/>
+          <a:p>
+            <a:pPr algn="ctr"/>
+            <a:r>
+              <a:rPr lang="fr-FR" sz="2800" b="1" spc="300" dirty="0">
+                <a:solidFill>
+                  <a:schemeClr val="tx1">
+                    <a:lumMod val="95000"/>
+                    <a:lumOff val="5000"/>
+                  </a:schemeClr>
+                </a:solidFill>
+                <a:latin typeface="Montserrat SemiBold" panose="00000700000000000000" pitchFamily="2" charset="0"/>
+              </a:rPr>
+              <a:t>ANALYSE ET CONCEPTION</a:t>
+            </a:r>
+            <a:endParaRPr lang="lt-LT" sz="2800" b="1" spc="300" dirty="0">
+              <a:solidFill>
+                <a:schemeClr val="tx1">
+                  <a:lumMod val="95000"/>
+                  <a:lumOff val="5000"/>
+                </a:schemeClr>
+              </a:solidFill>
+              <a:latin typeface="Montserrat SemiBold" panose="00000700000000000000" pitchFamily="2" charset="0"/>
+            </a:endParaRPr>
+          </a:p>
+        </p:txBody>
+      </p:sp>
+      <p:sp>
+        <p:nvSpPr>
+          <p:cNvPr id="17" name="Rectangle 13">
+            <a:extLst>
+              <a:ext uri="{FF2B5EF4-FFF2-40B4-BE49-F238E27FC236}">
+                <a16:creationId xmlns:a16="http://schemas.microsoft.com/office/drawing/2014/main" id="{3A502E62-0CFD-86BD-5236-28C4C21C105A}"/>
+              </a:ext>
+            </a:extLst>
+          </p:cNvPr>
+          <p:cNvSpPr>
+            <a:spLocks noChangeArrowheads="1"/>
+          </p:cNvSpPr>
+          <p:nvPr/>
+        </p:nvSpPr>
+        <p:spPr bwMode="auto">
+          <a:xfrm>
+            <a:off x="0" y="43934"/>
+            <a:ext cx="184731" cy="369332"/>
+          </a:xfrm>
+          <a:prstGeom prst="rect">
+            <a:avLst/>
+          </a:prstGeom>
+          <a:noFill/>
+          <a:ln>
+            <a:noFill/>
+          </a:ln>
+          <a:effectLst/>
+          <a:extLst>
+            <a:ext uri="{909E8E84-426E-40DD-AFC4-6F175D3DCCD1}">
+              <a14:hiddenFill xmlns:a14="http://schemas.microsoft.com/office/drawing/2010/main">
+                <a:solidFill>
+                  <a:schemeClr val="accent1"/>
+                </a:solidFill>
+              </a14:hiddenFill>
+            </a:ext>
+            <a:ext uri="{91240B29-F687-4F45-9708-019B960494DF}">
+              <a14:hiddenLine xmlns:a14="http://schemas.microsoft.com/office/drawing/2010/main" w="9525">
+                <a:solidFill>
+                  <a:schemeClr val="tx1"/>
+                </a:solidFill>
+                <a:miter lim="800000"/>
+                <a:headEnd/>
+                <a:tailEnd/>
+              </a14:hiddenLine>
+            </a:ext>
+            <a:ext uri="{AF507438-7753-43E0-B8FC-AC1667EBCBE1}">
+              <a14:hiddenEffects xmlns:a14="http://schemas.microsoft.com/office/drawing/2010/main">
+                <a:effectLst>
+                  <a:outerShdw dist="35921" dir="2700000" algn="ctr" rotWithShape="0">
+                    <a:schemeClr val="bg2"/>
+                  </a:outerShdw>
+                </a:effectLst>
+              </a14:hiddenEffects>
+            </a:ext>
+          </a:extLst>
+        </p:spPr>
+        <p:txBody>
+          <a:bodyPr vert="horz" wrap="none" lIns="91440" tIns="45720" rIns="91440" bIns="45720" numCol="1" anchor="ctr" anchorCtr="0" compatLnSpc="1">
+            <a:prstTxWarp prst="textNoShape">
+              <a:avLst/>
+            </a:prstTxWarp>
+            <a:spAutoFit/>
+          </a:bodyPr>
+          <a:lstStyle/>
+          <a:p>
+            <a:endParaRPr lang="fr-FR"/>
+          </a:p>
+        </p:txBody>
+      </p:sp>
+      <p:sp>
+        <p:nvSpPr>
+          <p:cNvPr id="19" name="Rectangle 15">
+            <a:extLst>
+              <a:ext uri="{FF2B5EF4-FFF2-40B4-BE49-F238E27FC236}">
+                <a16:creationId xmlns:a16="http://schemas.microsoft.com/office/drawing/2014/main" id="{CB65B013-9857-1285-A529-07F99F8C8A71}"/>
+              </a:ext>
+            </a:extLst>
+          </p:cNvPr>
+          <p:cNvSpPr>
+            <a:spLocks noChangeArrowheads="1"/>
+          </p:cNvSpPr>
+          <p:nvPr/>
+        </p:nvSpPr>
+        <p:spPr bwMode="auto">
+          <a:xfrm>
+            <a:off x="0" y="8761657"/>
+            <a:ext cx="184731" cy="369332"/>
+          </a:xfrm>
+          <a:prstGeom prst="rect">
+            <a:avLst/>
+          </a:prstGeom>
+          <a:noFill/>
+          <a:ln>
+            <a:noFill/>
+          </a:ln>
+          <a:effectLst/>
+          <a:extLst>
+            <a:ext uri="{909E8E84-426E-40DD-AFC4-6F175D3DCCD1}">
+              <a14:hiddenFill xmlns:a14="http://schemas.microsoft.com/office/drawing/2010/main">
+                <a:solidFill>
+                  <a:schemeClr val="accent1"/>
+                </a:solidFill>
+              </a14:hiddenFill>
+            </a:ext>
+            <a:ext uri="{91240B29-F687-4F45-9708-019B960494DF}">
+              <a14:hiddenLine xmlns:a14="http://schemas.microsoft.com/office/drawing/2010/main" w="9525">
+                <a:solidFill>
+                  <a:schemeClr val="tx1"/>
+                </a:solidFill>
+                <a:miter lim="800000"/>
+                <a:headEnd/>
+                <a:tailEnd/>
+              </a14:hiddenLine>
+            </a:ext>
+            <a:ext uri="{AF507438-7753-43E0-B8FC-AC1667EBCBE1}">
+              <a14:hiddenEffects xmlns:a14="http://schemas.microsoft.com/office/drawing/2010/main">
+                <a:effectLst>
+                  <a:outerShdw dist="35921" dir="2700000" algn="ctr" rotWithShape="0">
+                    <a:schemeClr val="bg2"/>
+                  </a:outerShdw>
+                </a:effectLst>
+              </a14:hiddenEffects>
+            </a:ext>
+          </a:extLst>
+        </p:spPr>
+        <p:txBody>
+          <a:bodyPr vert="horz" wrap="none" lIns="91440" tIns="45720" rIns="91440" bIns="45720" numCol="1" anchor="ctr" anchorCtr="0" compatLnSpc="1">
+            <a:prstTxWarp prst="textNoShape">
+              <a:avLst/>
+            </a:prstTxWarp>
+            <a:spAutoFit/>
+          </a:bodyPr>
+          <a:lstStyle/>
+          <a:p>
+            <a:endParaRPr lang="fr-FR"/>
+          </a:p>
+        </p:txBody>
+      </p:sp>
+      <p:sp>
+        <p:nvSpPr>
+          <p:cNvPr id="33" name="Rectangle 32">
+            <a:extLst>
+              <a:ext uri="{FF2B5EF4-FFF2-40B4-BE49-F238E27FC236}">
+                <a16:creationId xmlns:a16="http://schemas.microsoft.com/office/drawing/2014/main" id="{42DA4A42-BCC7-4202-F5C9-364E65002C4E}"/>
+              </a:ext>
+            </a:extLst>
+          </p:cNvPr>
+          <p:cNvSpPr>
+            <a:spLocks noChangeArrowheads="1"/>
+          </p:cNvSpPr>
+          <p:nvPr/>
+        </p:nvSpPr>
+        <p:spPr bwMode="auto">
+          <a:xfrm>
+            <a:off x="0" y="7475782"/>
+            <a:ext cx="184731" cy="369332"/>
+          </a:xfrm>
+          <a:prstGeom prst="rect">
+            <a:avLst/>
+          </a:prstGeom>
+          <a:noFill/>
+          <a:ln>
+            <a:noFill/>
+          </a:ln>
+          <a:effectLst/>
+          <a:extLst>
+            <a:ext uri="{909E8E84-426E-40DD-AFC4-6F175D3DCCD1}">
+              <a14:hiddenFill xmlns:a14="http://schemas.microsoft.com/office/drawing/2010/main">
+                <a:solidFill>
+                  <a:schemeClr val="accent1"/>
+                </a:solidFill>
+              </a14:hiddenFill>
+            </a:ext>
+            <a:ext uri="{91240B29-F687-4F45-9708-019B960494DF}">
+              <a14:hiddenLine xmlns:a14="http://schemas.microsoft.com/office/drawing/2010/main" w="9525">
+                <a:solidFill>
+                  <a:schemeClr val="tx1"/>
+                </a:solidFill>
+                <a:miter lim="800000"/>
+                <a:headEnd/>
+                <a:tailEnd/>
+              </a14:hiddenLine>
+            </a:ext>
+            <a:ext uri="{AF507438-7753-43E0-B8FC-AC1667EBCBE1}">
+              <a14:hiddenEffects xmlns:a14="http://schemas.microsoft.com/office/drawing/2010/main">
+                <a:effectLst>
+                  <a:outerShdw dist="35921" dir="2700000" algn="ctr" rotWithShape="0">
+                    <a:schemeClr val="bg2"/>
+                  </a:outerShdw>
+                </a:effectLst>
+              </a14:hiddenEffects>
+            </a:ext>
+          </a:extLst>
+        </p:spPr>
+        <p:txBody>
+          <a:bodyPr vert="horz" wrap="none" lIns="91440" tIns="45720" rIns="91440" bIns="45720" numCol="1" anchor="ctr" anchorCtr="0" compatLnSpc="1">
+            <a:prstTxWarp prst="textNoShape">
+              <a:avLst/>
+            </a:prstTxWarp>
+            <a:spAutoFit/>
+          </a:bodyPr>
+          <a:lstStyle/>
+          <a:p>
+            <a:endParaRPr lang="fr-FR"/>
+          </a:p>
+        </p:txBody>
+      </p:sp>
+      <p:sp>
+        <p:nvSpPr>
+          <p:cNvPr id="34" name="Rectangle 33">
+            <a:extLst>
+              <a:ext uri="{FF2B5EF4-FFF2-40B4-BE49-F238E27FC236}">
+                <a16:creationId xmlns:a16="http://schemas.microsoft.com/office/drawing/2014/main" id="{8D77E666-2FD7-610A-A64F-E5BF3641EE71}"/>
+              </a:ext>
+            </a:extLst>
+          </p:cNvPr>
+          <p:cNvSpPr>
+            <a:spLocks noChangeArrowheads="1"/>
+          </p:cNvSpPr>
+          <p:nvPr/>
+        </p:nvSpPr>
+        <p:spPr bwMode="auto">
+          <a:xfrm>
+            <a:off x="0" y="10466632"/>
+            <a:ext cx="184731" cy="369332"/>
+          </a:xfrm>
+          <a:prstGeom prst="rect">
+            <a:avLst/>
+          </a:prstGeom>
+          <a:noFill/>
+          <a:ln>
+            <a:noFill/>
+          </a:ln>
+          <a:effectLst/>
+          <a:extLst>
+            <a:ext uri="{909E8E84-426E-40DD-AFC4-6F175D3DCCD1}">
+              <a14:hiddenFill xmlns:a14="http://schemas.microsoft.com/office/drawing/2010/main">
+                <a:solidFill>
+                  <a:schemeClr val="accent1"/>
+                </a:solidFill>
+              </a14:hiddenFill>
+            </a:ext>
+            <a:ext uri="{91240B29-F687-4F45-9708-019B960494DF}">
+              <a14:hiddenLine xmlns:a14="http://schemas.microsoft.com/office/drawing/2010/main" w="9525">
+                <a:solidFill>
+                  <a:schemeClr val="tx1"/>
+                </a:solidFill>
+                <a:miter lim="800000"/>
+                <a:headEnd/>
+                <a:tailEnd/>
+              </a14:hiddenLine>
+            </a:ext>
+            <a:ext uri="{AF507438-7753-43E0-B8FC-AC1667EBCBE1}">
+              <a14:hiddenEffects xmlns:a14="http://schemas.microsoft.com/office/drawing/2010/main">
+                <a:effectLst>
+                  <a:outerShdw dist="35921" dir="2700000" algn="ctr" rotWithShape="0">
+                    <a:schemeClr val="bg2"/>
+                  </a:outerShdw>
+                </a:effectLst>
+              </a14:hiddenEffects>
+            </a:ext>
+          </a:extLst>
+        </p:spPr>
+        <p:txBody>
+          <a:bodyPr vert="horz" wrap="none" lIns="91440" tIns="45720" rIns="91440" bIns="45720" numCol="1" anchor="ctr" anchorCtr="0" compatLnSpc="1">
+            <a:prstTxWarp prst="textNoShape">
+              <a:avLst/>
+            </a:prstTxWarp>
+            <a:spAutoFit/>
+          </a:bodyPr>
+          <a:lstStyle/>
+          <a:p>
+            <a:endParaRPr lang="fr-FR"/>
+          </a:p>
+        </p:txBody>
+      </p:sp>
       <p:pic>
         <p:nvPicPr>
-          <p:cNvPr id="11" name="Image 6">
-            <a:extLst>
-              <a:ext uri="{FF2B5EF4-FFF2-40B4-BE49-F238E27FC236}">
-                <a16:creationId xmlns:a16="http://schemas.microsoft.com/office/drawing/2014/main" id="{B572F2B3-5132-2603-5768-52819D56784E}"/>
+          <p:cNvPr id="7" name="Image 6">
+            <a:extLst>
+              <a:ext uri="{FF2B5EF4-FFF2-40B4-BE49-F238E27FC236}">
+                <a16:creationId xmlns:a16="http://schemas.microsoft.com/office/drawing/2014/main" id="{60F0A531-F120-5852-88A8-57D6A6DECB6F}"/>
               </a:ext>
             </a:extLst>
           </p:cNvPr>
@@ -7288,20 +7721,117 @@
           <p:nvPr/>
         </p:nvPicPr>
         <p:blipFill>
-          <a:blip r:embed="rId9" cstate="print">
+          <a:blip r:embed="rId2" cstate="print">
             <a:extLst>
               <a:ext uri="{28A0092B-C50C-407E-A947-70E740481C1C}">
                 <a14:useLocalDpi xmlns:a14="http://schemas.microsoft.com/office/drawing/2010/main" val="0"/>
               </a:ext>
             </a:extLst>
           </a:blip>
-          <a:srcRect l="23270" r="23270"/>
+          <a:srcRect/>
           <a:stretch/>
         </p:blipFill>
         <p:spPr>
           <a:xfrm>
-            <a:off x="1405172" y="3280163"/>
-            <a:ext cx="741809" cy="693792"/>
+            <a:off x="295835" y="1064653"/>
+            <a:ext cx="959224" cy="959224"/>
+          </a:xfrm>
+          <a:prstGeom prst="rect">
+            <a:avLst/>
+          </a:prstGeom>
+        </p:spPr>
+      </p:pic>
+      <p:sp>
+        <p:nvSpPr>
+          <p:cNvPr id="6" name="Rectangle 5">
+            <a:extLst>
+              <a:ext uri="{FF2B5EF4-FFF2-40B4-BE49-F238E27FC236}">
+                <a16:creationId xmlns:a16="http://schemas.microsoft.com/office/drawing/2014/main" id="{AA444BA4-941B-5E73-C4D0-CDBD21136D38}"/>
+              </a:ext>
+            </a:extLst>
+          </p:cNvPr>
+          <p:cNvSpPr/>
+          <p:nvPr/>
+        </p:nvSpPr>
+        <p:spPr>
+          <a:xfrm>
+            <a:off x="1352185" y="4692590"/>
+            <a:ext cx="2941909" cy="914400"/>
+          </a:xfrm>
+          <a:prstGeom prst="rect">
+            <a:avLst/>
+          </a:prstGeom>
+          <a:noFill/>
+          <a:ln>
+            <a:noFill/>
+          </a:ln>
+        </p:spPr>
+        <p:style>
+          <a:lnRef idx="2">
+            <a:schemeClr val="accent1">
+              <a:shade val="15000"/>
+            </a:schemeClr>
+          </a:lnRef>
+          <a:fillRef idx="1">
+            <a:schemeClr val="accent1"/>
+          </a:fillRef>
+          <a:effectRef idx="0">
+            <a:schemeClr val="accent1"/>
+          </a:effectRef>
+          <a:fontRef idx="minor">
+            <a:schemeClr val="lt1"/>
+          </a:fontRef>
+        </p:style>
+        <p:txBody>
+          <a:bodyPr rtlCol="0" anchor="ctr"/>
+          <a:lstStyle/>
+          <a:p>
+            <a:pPr algn="ctr"/>
+            <a:r>
+              <a:rPr lang="fr-FR" sz="4400" dirty="0">
+                <a:solidFill>
+                  <a:schemeClr val="tx1"/>
+                </a:solidFill>
+              </a:rPr>
+              <a:t>Web socket</a:t>
+            </a:r>
+            <a:endParaRPr lang="en-US" sz="4400" dirty="0">
+              <a:solidFill>
+                <a:schemeClr val="tx1"/>
+              </a:solidFill>
+            </a:endParaRPr>
+          </a:p>
+        </p:txBody>
+      </p:sp>
+      <p:pic>
+        <p:nvPicPr>
+          <p:cNvPr id="8" name="Image 6">
+            <a:extLst>
+              <a:ext uri="{FF2B5EF4-FFF2-40B4-BE49-F238E27FC236}">
+                <a16:creationId xmlns:a16="http://schemas.microsoft.com/office/drawing/2014/main" id="{A00FB045-B011-93E7-CD57-EB0A1702343E}"/>
+              </a:ext>
+            </a:extLst>
+          </p:cNvPr>
+          <p:cNvPicPr>
+            <a:picLocks noChangeAspect="1"/>
+          </p:cNvPicPr>
+          <p:nvPr/>
+        </p:nvPicPr>
+        <p:blipFill>
+          <a:blip r:embed="rId3" cstate="print">
+            <a:extLst>
+              <a:ext uri="{28A0092B-C50C-407E-A947-70E740481C1C}">
+                <a14:useLocalDpi xmlns:a14="http://schemas.microsoft.com/office/drawing/2010/main" val="0"/>
+              </a:ext>
+            </a:extLst>
+          </a:blip>
+          <a:srcRect/>
+          <a:stretch/>
+        </p:blipFill>
+        <p:spPr>
+          <a:xfrm>
+            <a:off x="1398492" y="1270356"/>
+            <a:ext cx="735104" cy="659112"/>
           </a:xfrm>
           <a:prstGeom prst="rect">
             <a:avLst/>
@@ -7310,10 +7840,10 @@
       </p:pic>
       <p:pic>
         <p:nvPicPr>
-          <p:cNvPr id="20" name="Image 6">
-            <a:extLst>
-              <a:ext uri="{FF2B5EF4-FFF2-40B4-BE49-F238E27FC236}">
-                <a16:creationId xmlns:a16="http://schemas.microsoft.com/office/drawing/2014/main" id="{53A27C17-B915-D7AD-20A7-ADC6D4293656}"/>
+          <p:cNvPr id="10" name="Image 6">
+            <a:extLst>
+              <a:ext uri="{FF2B5EF4-FFF2-40B4-BE49-F238E27FC236}">
+                <a16:creationId xmlns:a16="http://schemas.microsoft.com/office/drawing/2014/main" id="{3AF849AA-F27D-00A9-198C-8A0AE9A83037}"/>
               </a:ext>
             </a:extLst>
           </p:cNvPr>
@@ -7323,32 +7853,172 @@
           <p:nvPr/>
         </p:nvPicPr>
         <p:blipFill>
-          <a:blip r:embed="rId10" cstate="print">
+          <a:blip r:embed="rId4" cstate="print">
             <a:extLst>
               <a:ext uri="{28A0092B-C50C-407E-A947-70E740481C1C}">
                 <a14:useLocalDpi xmlns:a14="http://schemas.microsoft.com/office/drawing/2010/main" val="0"/>
               </a:ext>
             </a:extLst>
           </a:blip>
-          <a:srcRect t="-626" b="-1115"/>
+          <a:srcRect r="64569" b="-3443"/>
           <a:stretch/>
         </p:blipFill>
         <p:spPr>
           <a:xfrm>
-            <a:off x="5137251" y="2385334"/>
-            <a:ext cx="2930983" cy="3027343"/>
+            <a:off x="2519082" y="1260513"/>
+            <a:ext cx="561031" cy="731641"/>
           </a:xfrm>
           <a:prstGeom prst="rect">
             <a:avLst/>
           </a:prstGeom>
         </p:spPr>
       </p:pic>
-      <p:sp>
-        <p:nvSpPr>
-          <p:cNvPr id="4" name="Rectangle : coins arrondis 31">
-            <a:extLst>
-              <a:ext uri="{FF2B5EF4-FFF2-40B4-BE49-F238E27FC236}">
-                <a16:creationId xmlns:a16="http://schemas.microsoft.com/office/drawing/2014/main" id="{DBC9E5BD-991D-EAAE-221F-BF92BD3F0E09}"/>
+      <p:pic>
+        <p:nvPicPr>
+          <p:cNvPr id="12" name="Image 6">
+            <a:extLst>
+              <a:ext uri="{FF2B5EF4-FFF2-40B4-BE49-F238E27FC236}">
+                <a16:creationId xmlns:a16="http://schemas.microsoft.com/office/drawing/2014/main" id="{588E1F48-6690-12C0-35AE-6E99864C120A}"/>
+              </a:ext>
+            </a:extLst>
+          </p:cNvPr>
+          <p:cNvPicPr>
+            <a:picLocks noChangeAspect="1"/>
+          </p:cNvPicPr>
+          <p:nvPr/>
+        </p:nvPicPr>
+        <p:blipFill>
+          <a:blip r:embed="rId5" cstate="print">
+            <a:extLst>
+              <a:ext uri="{28A0092B-C50C-407E-A947-70E740481C1C}">
+                <a14:useLocalDpi xmlns:a14="http://schemas.microsoft.com/office/drawing/2010/main" val="0"/>
+              </a:ext>
+            </a:extLst>
+          </a:blip>
+          <a:srcRect l="-317" r="-3210" b="-12852"/>
+          <a:stretch/>
+        </p:blipFill>
+        <p:spPr>
+          <a:xfrm>
+            <a:off x="403411" y="2204732"/>
+            <a:ext cx="741809" cy="825665"/>
+          </a:xfrm>
+          <a:prstGeom prst="rect">
+            <a:avLst/>
+          </a:prstGeom>
+        </p:spPr>
+      </p:pic>
+      <p:pic>
+        <p:nvPicPr>
+          <p:cNvPr id="14" name="Image 6">
+            <a:extLst>
+              <a:ext uri="{FF2B5EF4-FFF2-40B4-BE49-F238E27FC236}">
+                <a16:creationId xmlns:a16="http://schemas.microsoft.com/office/drawing/2014/main" id="{7717F036-5203-DF45-2A85-B4D3364E77F0}"/>
+              </a:ext>
+            </a:extLst>
+          </p:cNvPr>
+          <p:cNvPicPr>
+            <a:picLocks noChangeAspect="1"/>
+          </p:cNvPicPr>
+          <p:nvPr/>
+        </p:nvPicPr>
+        <p:blipFill>
+          <a:blip r:embed="rId6">
+            <a:extLst>
+              <a:ext uri="{28A0092B-C50C-407E-A947-70E740481C1C}">
+                <a14:useLocalDpi xmlns:a14="http://schemas.microsoft.com/office/drawing/2010/main" val="0"/>
+              </a:ext>
+            </a:extLst>
+          </a:blip>
+          <a:srcRect l="4887" r="4887" b="33152"/>
+          <a:stretch/>
+        </p:blipFill>
+        <p:spPr>
+          <a:xfrm>
+            <a:off x="1435418" y="2213416"/>
+            <a:ext cx="741809" cy="693792"/>
+          </a:xfrm>
+          <a:prstGeom prst="rect">
+            <a:avLst/>
+          </a:prstGeom>
+        </p:spPr>
+      </p:pic>
+      <p:pic>
+        <p:nvPicPr>
+          <p:cNvPr id="9" name="Image 6">
+            <a:extLst>
+              <a:ext uri="{FF2B5EF4-FFF2-40B4-BE49-F238E27FC236}">
+                <a16:creationId xmlns:a16="http://schemas.microsoft.com/office/drawing/2014/main" id="{94B8F9E2-BA7C-682D-7A3B-6CB566F09EF3}"/>
+              </a:ext>
+            </a:extLst>
+          </p:cNvPr>
+          <p:cNvPicPr>
+            <a:picLocks noChangeAspect="1"/>
+          </p:cNvPicPr>
+          <p:nvPr/>
+        </p:nvPicPr>
+        <p:blipFill>
+          <a:blip r:embed="rId7" cstate="print">
+            <a:extLst>
+              <a:ext uri="{28A0092B-C50C-407E-A947-70E740481C1C}">
+                <a14:useLocalDpi xmlns:a14="http://schemas.microsoft.com/office/drawing/2010/main" val="0"/>
+              </a:ext>
+            </a:extLst>
+          </a:blip>
+          <a:srcRect t="3236" b="3236"/>
+          <a:stretch/>
+        </p:blipFill>
+        <p:spPr>
+          <a:xfrm>
+            <a:off x="2467426" y="2204405"/>
+            <a:ext cx="741809" cy="693792"/>
+          </a:xfrm>
+          <a:prstGeom prst="rect">
+            <a:avLst/>
+          </a:prstGeom>
+        </p:spPr>
+      </p:pic>
+      <p:pic>
+        <p:nvPicPr>
+          <p:cNvPr id="13" name="Picture 12">
+            <a:extLst>
+              <a:ext uri="{FF2B5EF4-FFF2-40B4-BE49-F238E27FC236}">
+                <a16:creationId xmlns:a16="http://schemas.microsoft.com/office/drawing/2014/main" id="{25592885-5FCF-37D2-B42E-2B26EACFDE63}"/>
+              </a:ext>
+            </a:extLst>
+          </p:cNvPr>
+          <p:cNvPicPr>
+            <a:picLocks noChangeAspect="1"/>
+          </p:cNvPicPr>
+          <p:nvPr/>
+        </p:nvPicPr>
+        <p:blipFill>
+          <a:blip r:embed="rId8" cstate="print">
+            <a:extLst>
+              <a:ext uri="{28A0092B-C50C-407E-A947-70E740481C1C}">
+                <a14:useLocalDpi xmlns:a14="http://schemas.microsoft.com/office/drawing/2010/main" val="0"/>
+              </a:ext>
+            </a:extLst>
+          </a:blip>
+          <a:srcRect l="11964" t="37402" b="35660"/>
+          <a:stretch/>
+        </p:blipFill>
+        <p:spPr>
+          <a:xfrm>
+            <a:off x="85407" y="6166600"/>
+            <a:ext cx="2802129" cy="584775"/>
+          </a:xfrm>
+          <a:prstGeom prst="rect">
+            <a:avLst/>
+          </a:prstGeom>
+        </p:spPr>
+      </p:pic>
+      <p:sp>
+        <p:nvSpPr>
+          <p:cNvPr id="15" name="Rectangle : coins arrondis 31">
+            <a:extLst>
+              <a:ext uri="{FF2B5EF4-FFF2-40B4-BE49-F238E27FC236}">
+                <a16:creationId xmlns:a16="http://schemas.microsoft.com/office/drawing/2014/main" id="{4A6A566B-D584-D3F0-9178-7549A6BFD057}"/>
               </a:ext>
             </a:extLst>
           </p:cNvPr>
@@ -7357,7 +8027,7 @@
         </p:nvSpPr>
         <p:spPr>
           <a:xfrm>
-            <a:off x="2469675" y="3209873"/>
+            <a:off x="1358216" y="3209873"/>
             <a:ext cx="815662" cy="825665"/>
           </a:xfrm>
           <a:prstGeom prst="roundRect">
@@ -7397,6 +8067,1043 @@
           </a:p>
         </p:txBody>
       </p:sp>
+      <p:sp>
+        <p:nvSpPr>
+          <p:cNvPr id="16" name="Rectangle 15">
+            <a:extLst>
+              <a:ext uri="{FF2B5EF4-FFF2-40B4-BE49-F238E27FC236}">
+                <a16:creationId xmlns:a16="http://schemas.microsoft.com/office/drawing/2014/main" id="{064FF37B-A640-3035-B95F-173AC0A302FE}"/>
+              </a:ext>
+            </a:extLst>
+          </p:cNvPr>
+          <p:cNvSpPr/>
+          <p:nvPr/>
+        </p:nvSpPr>
+        <p:spPr>
+          <a:xfrm>
+            <a:off x="480742" y="3361794"/>
+            <a:ext cx="741809" cy="519711"/>
+          </a:xfrm>
+          <a:prstGeom prst="rect">
+            <a:avLst/>
+          </a:prstGeom>
+          <a:noFill/>
+          <a:ln>
+            <a:noFill/>
+          </a:ln>
+        </p:spPr>
+        <p:style>
+          <a:lnRef idx="2">
+            <a:schemeClr val="accent1">
+              <a:shade val="15000"/>
+            </a:schemeClr>
+          </a:lnRef>
+          <a:fillRef idx="1">
+            <a:schemeClr val="accent1"/>
+          </a:fillRef>
+          <a:effectRef idx="0">
+            <a:schemeClr val="accent1"/>
+          </a:effectRef>
+          <a:fontRef idx="minor">
+            <a:schemeClr val="lt1"/>
+          </a:fontRef>
+        </p:style>
+        <p:txBody>
+          <a:bodyPr rtlCol="0" anchor="ctr"/>
+          <a:lstStyle/>
+          <a:p>
+            <a:pPr algn="ctr"/>
+            <a:r>
+              <a:rPr lang="fr-FR" sz="2800" dirty="0">
+                <a:solidFill>
+                  <a:schemeClr val="tx1"/>
+                </a:solidFill>
+              </a:rPr>
+              <a:t>JNA</a:t>
+            </a:r>
+            <a:endParaRPr lang="en-US" sz="2800" dirty="0">
+              <a:solidFill>
+                <a:schemeClr val="tx1"/>
+              </a:solidFill>
+            </a:endParaRPr>
+          </a:p>
+        </p:txBody>
+      </p:sp>
+      <p:pic>
+        <p:nvPicPr>
+          <p:cNvPr id="11" name="Image 6">
+            <a:extLst>
+              <a:ext uri="{FF2B5EF4-FFF2-40B4-BE49-F238E27FC236}">
+                <a16:creationId xmlns:a16="http://schemas.microsoft.com/office/drawing/2014/main" id="{EB11E8C5-4142-1302-4E53-221300744E23}"/>
+              </a:ext>
+            </a:extLst>
+          </p:cNvPr>
+          <p:cNvPicPr>
+            <a:picLocks noChangeAspect="1"/>
+          </p:cNvPicPr>
+          <p:nvPr/>
+        </p:nvPicPr>
+        <p:blipFill>
+          <a:blip r:embed="rId9" cstate="print">
+            <a:extLst>
+              <a:ext uri="{28A0092B-C50C-407E-A947-70E740481C1C}">
+                <a14:useLocalDpi xmlns:a14="http://schemas.microsoft.com/office/drawing/2010/main" val="0"/>
+              </a:ext>
+            </a:extLst>
+          </a:blip>
+          <a:srcRect l="23270" r="23270"/>
+          <a:stretch/>
+        </p:blipFill>
+        <p:spPr>
+          <a:xfrm>
+            <a:off x="1405172" y="3280163"/>
+            <a:ext cx="741809" cy="693792"/>
+          </a:xfrm>
+          <a:prstGeom prst="rect">
+            <a:avLst/>
+          </a:prstGeom>
+        </p:spPr>
+      </p:pic>
+      <p:pic>
+        <p:nvPicPr>
+          <p:cNvPr id="20" name="Image 6">
+            <a:extLst>
+              <a:ext uri="{FF2B5EF4-FFF2-40B4-BE49-F238E27FC236}">
+                <a16:creationId xmlns:a16="http://schemas.microsoft.com/office/drawing/2014/main" id="{8DD4A496-45AA-A472-05E4-48287FC67776}"/>
+              </a:ext>
+            </a:extLst>
+          </p:cNvPr>
+          <p:cNvPicPr>
+            <a:picLocks noChangeAspect="1"/>
+          </p:cNvPicPr>
+          <p:nvPr/>
+        </p:nvPicPr>
+        <p:blipFill>
+          <a:blip r:embed="rId10">
+            <a:extLst>
+              <a:ext uri="{28A0092B-C50C-407E-A947-70E740481C1C}">
+                <a14:useLocalDpi xmlns:a14="http://schemas.microsoft.com/office/drawing/2010/main" val="0"/>
+              </a:ext>
+            </a:extLst>
+          </a:blip>
+          <a:srcRect l="30296" t="4722" r="27912" b="28405"/>
+          <a:stretch/>
+        </p:blipFill>
+        <p:spPr>
+          <a:xfrm>
+            <a:off x="6947647" y="1937804"/>
+            <a:ext cx="4763611" cy="4228796"/>
+          </a:xfrm>
+          <a:prstGeom prst="rect">
+            <a:avLst/>
+          </a:prstGeom>
+        </p:spPr>
+      </p:pic>
+    </p:spTree>
+    <p:extLst>
+      <p:ext uri="{BB962C8B-B14F-4D97-AF65-F5344CB8AC3E}">
+        <p14:creationId xmlns:p14="http://schemas.microsoft.com/office/powerpoint/2010/main" val="1190928401"/>
+      </p:ext>
+    </p:extLst>
+  </p:cSld>
+  <p:clrMapOvr>
+    <a:masterClrMapping/>
+  </p:clrMapOvr>
+  <mc:AlternateContent xmlns:mc="http://schemas.openxmlformats.org/markup-compatibility/2006" xmlns:p14="http://schemas.microsoft.com/office/powerpoint/2010/main">
+    <mc:Choice Requires="p14">
+      <p:transition spd="med" p14:dur="700">
+        <p:fade/>
+      </p:transition>
+    </mc:Choice>
+    <mc:Fallback xmlns="">
+      <p:transition spd="med">
+        <p:fade/>
+      </p:transition>
+    </mc:Fallback>
+  </mc:AlternateContent>
+</p:sld>
+</file>
+
+<file path=ppt/slides/slide13.xml><?xml version="1.0" encoding="utf-8"?>
+<p:sld xmlns:a="http://schemas.openxmlformats.org/drawingml/2006/main" xmlns:r="http://schemas.openxmlformats.org/officeDocument/2006/relationships" xmlns:p="http://schemas.openxmlformats.org/presentationml/2006/main">
+  <p:cSld>
+    <p:spTree>
+      <p:nvGrpSpPr>
+        <p:cNvPr id="1" name="">
+          <a:extLst>
+            <a:ext uri="{FF2B5EF4-FFF2-40B4-BE49-F238E27FC236}">
+              <a16:creationId xmlns:a16="http://schemas.microsoft.com/office/drawing/2014/main" id="{C185FA75-4F50-7030-B31E-371FB0D70FAD}"/>
+            </a:ext>
+          </a:extLst>
+        </p:cNvPr>
+        <p:cNvGrpSpPr/>
+        <p:nvPr/>
+      </p:nvGrpSpPr>
+      <p:grpSpPr>
+        <a:xfrm>
+          <a:off x="0" y="0"/>
+          <a:ext cx="0" cy="0"/>
+          <a:chOff x="0" y="0"/>
+          <a:chExt cx="0" cy="0"/>
+        </a:xfrm>
+      </p:grpSpPr>
+      <p:sp>
+        <p:nvSpPr>
+          <p:cNvPr id="2" name="Espace réservé du numéro de diapositive 1">
+            <a:extLst>
+              <a:ext uri="{FF2B5EF4-FFF2-40B4-BE49-F238E27FC236}">
+                <a16:creationId xmlns:a16="http://schemas.microsoft.com/office/drawing/2014/main" id="{C23F12F8-0C29-2C2B-4747-11B1C5101C1C}"/>
+              </a:ext>
+            </a:extLst>
+          </p:cNvPr>
+          <p:cNvSpPr>
+            <a:spLocks noGrp="1"/>
+          </p:cNvSpPr>
+          <p:nvPr>
+            <p:ph type="sldNum" sz="quarter" idx="12"/>
+          </p:nvPr>
+        </p:nvSpPr>
+        <p:spPr>
+          <a:xfrm>
+            <a:off x="11719250" y="6487122"/>
+            <a:ext cx="454090" cy="365125"/>
+          </a:xfrm>
+        </p:spPr>
+        <p:txBody>
+          <a:bodyPr/>
+          <a:lstStyle/>
+          <a:p>
+            <a:fld id="{D2B4BBCC-EA5B-4A7E-8C0A-AC47B4F5C809}" type="slidenum">
+              <a:rPr lang="fr-FR" smtClean="0"/>
+              <a:pPr/>
+              <a:t>13</a:t>
+            </a:fld>
+            <a:endParaRPr lang="fr-FR" dirty="0"/>
+          </a:p>
+        </p:txBody>
+      </p:sp>
+      <p:sp>
+        <p:nvSpPr>
+          <p:cNvPr id="3" name="TextBox 6">
+            <a:extLst>
+              <a:ext uri="{FF2B5EF4-FFF2-40B4-BE49-F238E27FC236}">
+                <a16:creationId xmlns:a16="http://schemas.microsoft.com/office/drawing/2014/main" id="{74BED023-1503-A891-C737-0AED501FCAAA}"/>
+              </a:ext>
+            </a:extLst>
+          </p:cNvPr>
+          <p:cNvSpPr txBox="1"/>
+          <p:nvPr/>
+        </p:nvSpPr>
+        <p:spPr>
+          <a:xfrm>
+            <a:off x="1654629" y="-1365"/>
+            <a:ext cx="8882742" cy="523220"/>
+          </a:xfrm>
+          <a:prstGeom prst="rect">
+            <a:avLst/>
+          </a:prstGeom>
+          <a:noFill/>
+        </p:spPr>
+        <p:txBody>
+          <a:bodyPr wrap="square" rtlCol="0">
+            <a:spAutoFit/>
+          </a:bodyPr>
+          <a:lstStyle/>
+          <a:p>
+            <a:pPr algn="ctr"/>
+            <a:r>
+              <a:rPr lang="fr-FR" sz="2800" b="1" spc="300" dirty="0">
+                <a:solidFill>
+                  <a:schemeClr val="tx1">
+                    <a:lumMod val="95000"/>
+                    <a:lumOff val="5000"/>
+                  </a:schemeClr>
+                </a:solidFill>
+                <a:latin typeface="Montserrat SemiBold" panose="00000700000000000000" pitchFamily="2" charset="0"/>
+              </a:rPr>
+              <a:t>ANALYSE ET CONCEPTION</a:t>
+            </a:r>
+            <a:endParaRPr lang="lt-LT" sz="2800" b="1" spc="300" dirty="0">
+              <a:solidFill>
+                <a:schemeClr val="tx1">
+                  <a:lumMod val="95000"/>
+                  <a:lumOff val="5000"/>
+                </a:schemeClr>
+              </a:solidFill>
+              <a:latin typeface="Montserrat SemiBold" panose="00000700000000000000" pitchFamily="2" charset="0"/>
+            </a:endParaRPr>
+          </a:p>
+        </p:txBody>
+      </p:sp>
+      <p:sp>
+        <p:nvSpPr>
+          <p:cNvPr id="17" name="Rectangle 13">
+            <a:extLst>
+              <a:ext uri="{FF2B5EF4-FFF2-40B4-BE49-F238E27FC236}">
+                <a16:creationId xmlns:a16="http://schemas.microsoft.com/office/drawing/2014/main" id="{575B6DA5-C157-82B8-8BF0-0CC6B19CF018}"/>
+              </a:ext>
+            </a:extLst>
+          </p:cNvPr>
+          <p:cNvSpPr>
+            <a:spLocks noChangeArrowheads="1"/>
+          </p:cNvSpPr>
+          <p:nvPr/>
+        </p:nvSpPr>
+        <p:spPr bwMode="auto">
+          <a:xfrm>
+            <a:off x="0" y="43934"/>
+            <a:ext cx="184731" cy="369332"/>
+          </a:xfrm>
+          <a:prstGeom prst="rect">
+            <a:avLst/>
+          </a:prstGeom>
+          <a:noFill/>
+          <a:ln>
+            <a:noFill/>
+          </a:ln>
+          <a:effectLst/>
+          <a:extLst>
+            <a:ext uri="{909E8E84-426E-40DD-AFC4-6F175D3DCCD1}">
+              <a14:hiddenFill xmlns:a14="http://schemas.microsoft.com/office/drawing/2010/main">
+                <a:solidFill>
+                  <a:schemeClr val="accent1"/>
+                </a:solidFill>
+              </a14:hiddenFill>
+            </a:ext>
+            <a:ext uri="{91240B29-F687-4F45-9708-019B960494DF}">
+              <a14:hiddenLine xmlns:a14="http://schemas.microsoft.com/office/drawing/2010/main" w="9525">
+                <a:solidFill>
+                  <a:schemeClr val="tx1"/>
+                </a:solidFill>
+                <a:miter lim="800000"/>
+                <a:headEnd/>
+                <a:tailEnd/>
+              </a14:hiddenLine>
+            </a:ext>
+            <a:ext uri="{AF507438-7753-43E0-B8FC-AC1667EBCBE1}">
+              <a14:hiddenEffects xmlns:a14="http://schemas.microsoft.com/office/drawing/2010/main">
+                <a:effectLst>
+                  <a:outerShdw dist="35921" dir="2700000" algn="ctr" rotWithShape="0">
+                    <a:schemeClr val="bg2"/>
+                  </a:outerShdw>
+                </a:effectLst>
+              </a14:hiddenEffects>
+            </a:ext>
+          </a:extLst>
+        </p:spPr>
+        <p:txBody>
+          <a:bodyPr vert="horz" wrap="none" lIns="91440" tIns="45720" rIns="91440" bIns="45720" numCol="1" anchor="ctr" anchorCtr="0" compatLnSpc="1">
+            <a:prstTxWarp prst="textNoShape">
+              <a:avLst/>
+            </a:prstTxWarp>
+            <a:spAutoFit/>
+          </a:bodyPr>
+          <a:lstStyle/>
+          <a:p>
+            <a:endParaRPr lang="fr-FR"/>
+          </a:p>
+        </p:txBody>
+      </p:sp>
+      <p:sp>
+        <p:nvSpPr>
+          <p:cNvPr id="19" name="Rectangle 15">
+            <a:extLst>
+              <a:ext uri="{FF2B5EF4-FFF2-40B4-BE49-F238E27FC236}">
+                <a16:creationId xmlns:a16="http://schemas.microsoft.com/office/drawing/2014/main" id="{2CD32C2B-F1BC-8C97-B036-1C7E25696EB2}"/>
+              </a:ext>
+            </a:extLst>
+          </p:cNvPr>
+          <p:cNvSpPr>
+            <a:spLocks noChangeArrowheads="1"/>
+          </p:cNvSpPr>
+          <p:nvPr/>
+        </p:nvSpPr>
+        <p:spPr bwMode="auto">
+          <a:xfrm>
+            <a:off x="0" y="8761657"/>
+            <a:ext cx="184731" cy="369332"/>
+          </a:xfrm>
+          <a:prstGeom prst="rect">
+            <a:avLst/>
+          </a:prstGeom>
+          <a:noFill/>
+          <a:ln>
+            <a:noFill/>
+          </a:ln>
+          <a:effectLst/>
+          <a:extLst>
+            <a:ext uri="{909E8E84-426E-40DD-AFC4-6F175D3DCCD1}">
+              <a14:hiddenFill xmlns:a14="http://schemas.microsoft.com/office/drawing/2010/main">
+                <a:solidFill>
+                  <a:schemeClr val="accent1"/>
+                </a:solidFill>
+              </a14:hiddenFill>
+            </a:ext>
+            <a:ext uri="{91240B29-F687-4F45-9708-019B960494DF}">
+              <a14:hiddenLine xmlns:a14="http://schemas.microsoft.com/office/drawing/2010/main" w="9525">
+                <a:solidFill>
+                  <a:schemeClr val="tx1"/>
+                </a:solidFill>
+                <a:miter lim="800000"/>
+                <a:headEnd/>
+                <a:tailEnd/>
+              </a14:hiddenLine>
+            </a:ext>
+            <a:ext uri="{AF507438-7753-43E0-B8FC-AC1667EBCBE1}">
+              <a14:hiddenEffects xmlns:a14="http://schemas.microsoft.com/office/drawing/2010/main">
+                <a:effectLst>
+                  <a:outerShdw dist="35921" dir="2700000" algn="ctr" rotWithShape="0">
+                    <a:schemeClr val="bg2"/>
+                  </a:outerShdw>
+                </a:effectLst>
+              </a14:hiddenEffects>
+            </a:ext>
+          </a:extLst>
+        </p:spPr>
+        <p:txBody>
+          <a:bodyPr vert="horz" wrap="none" lIns="91440" tIns="45720" rIns="91440" bIns="45720" numCol="1" anchor="ctr" anchorCtr="0" compatLnSpc="1">
+            <a:prstTxWarp prst="textNoShape">
+              <a:avLst/>
+            </a:prstTxWarp>
+            <a:spAutoFit/>
+          </a:bodyPr>
+          <a:lstStyle/>
+          <a:p>
+            <a:endParaRPr lang="fr-FR"/>
+          </a:p>
+        </p:txBody>
+      </p:sp>
+      <p:sp>
+        <p:nvSpPr>
+          <p:cNvPr id="33" name="Rectangle 32">
+            <a:extLst>
+              <a:ext uri="{FF2B5EF4-FFF2-40B4-BE49-F238E27FC236}">
+                <a16:creationId xmlns:a16="http://schemas.microsoft.com/office/drawing/2014/main" id="{5E4D7580-021E-AAD9-E797-26830924E08E}"/>
+              </a:ext>
+            </a:extLst>
+          </p:cNvPr>
+          <p:cNvSpPr>
+            <a:spLocks noChangeArrowheads="1"/>
+          </p:cNvSpPr>
+          <p:nvPr/>
+        </p:nvSpPr>
+        <p:spPr bwMode="auto">
+          <a:xfrm>
+            <a:off x="0" y="7475782"/>
+            <a:ext cx="184731" cy="369332"/>
+          </a:xfrm>
+          <a:prstGeom prst="rect">
+            <a:avLst/>
+          </a:prstGeom>
+          <a:noFill/>
+          <a:ln>
+            <a:noFill/>
+          </a:ln>
+          <a:effectLst/>
+          <a:extLst>
+            <a:ext uri="{909E8E84-426E-40DD-AFC4-6F175D3DCCD1}">
+              <a14:hiddenFill xmlns:a14="http://schemas.microsoft.com/office/drawing/2010/main">
+                <a:solidFill>
+                  <a:schemeClr val="accent1"/>
+                </a:solidFill>
+              </a14:hiddenFill>
+            </a:ext>
+            <a:ext uri="{91240B29-F687-4F45-9708-019B960494DF}">
+              <a14:hiddenLine xmlns:a14="http://schemas.microsoft.com/office/drawing/2010/main" w="9525">
+                <a:solidFill>
+                  <a:schemeClr val="tx1"/>
+                </a:solidFill>
+                <a:miter lim="800000"/>
+                <a:headEnd/>
+                <a:tailEnd/>
+              </a14:hiddenLine>
+            </a:ext>
+            <a:ext uri="{AF507438-7753-43E0-B8FC-AC1667EBCBE1}">
+              <a14:hiddenEffects xmlns:a14="http://schemas.microsoft.com/office/drawing/2010/main">
+                <a:effectLst>
+                  <a:outerShdw dist="35921" dir="2700000" algn="ctr" rotWithShape="0">
+                    <a:schemeClr val="bg2"/>
+                  </a:outerShdw>
+                </a:effectLst>
+              </a14:hiddenEffects>
+            </a:ext>
+          </a:extLst>
+        </p:spPr>
+        <p:txBody>
+          <a:bodyPr vert="horz" wrap="none" lIns="91440" tIns="45720" rIns="91440" bIns="45720" numCol="1" anchor="ctr" anchorCtr="0" compatLnSpc="1">
+            <a:prstTxWarp prst="textNoShape">
+              <a:avLst/>
+            </a:prstTxWarp>
+            <a:spAutoFit/>
+          </a:bodyPr>
+          <a:lstStyle/>
+          <a:p>
+            <a:endParaRPr lang="fr-FR"/>
+          </a:p>
+        </p:txBody>
+      </p:sp>
+      <p:sp>
+        <p:nvSpPr>
+          <p:cNvPr id="34" name="Rectangle 33">
+            <a:extLst>
+              <a:ext uri="{FF2B5EF4-FFF2-40B4-BE49-F238E27FC236}">
+                <a16:creationId xmlns:a16="http://schemas.microsoft.com/office/drawing/2014/main" id="{C2EC9ECE-0E05-A8D7-2084-8CDB28568372}"/>
+              </a:ext>
+            </a:extLst>
+          </p:cNvPr>
+          <p:cNvSpPr>
+            <a:spLocks noChangeArrowheads="1"/>
+          </p:cNvSpPr>
+          <p:nvPr/>
+        </p:nvSpPr>
+        <p:spPr bwMode="auto">
+          <a:xfrm>
+            <a:off x="0" y="10466632"/>
+            <a:ext cx="184731" cy="369332"/>
+          </a:xfrm>
+          <a:prstGeom prst="rect">
+            <a:avLst/>
+          </a:prstGeom>
+          <a:noFill/>
+          <a:ln>
+            <a:noFill/>
+          </a:ln>
+          <a:effectLst/>
+          <a:extLst>
+            <a:ext uri="{909E8E84-426E-40DD-AFC4-6F175D3DCCD1}">
+              <a14:hiddenFill xmlns:a14="http://schemas.microsoft.com/office/drawing/2010/main">
+                <a:solidFill>
+                  <a:schemeClr val="accent1"/>
+                </a:solidFill>
+              </a14:hiddenFill>
+            </a:ext>
+            <a:ext uri="{91240B29-F687-4F45-9708-019B960494DF}">
+              <a14:hiddenLine xmlns:a14="http://schemas.microsoft.com/office/drawing/2010/main" w="9525">
+                <a:solidFill>
+                  <a:schemeClr val="tx1"/>
+                </a:solidFill>
+                <a:miter lim="800000"/>
+                <a:headEnd/>
+                <a:tailEnd/>
+              </a14:hiddenLine>
+            </a:ext>
+            <a:ext uri="{AF507438-7753-43E0-B8FC-AC1667EBCBE1}">
+              <a14:hiddenEffects xmlns:a14="http://schemas.microsoft.com/office/drawing/2010/main">
+                <a:effectLst>
+                  <a:outerShdw dist="35921" dir="2700000" algn="ctr" rotWithShape="0">
+                    <a:schemeClr val="bg2"/>
+                  </a:outerShdw>
+                </a:effectLst>
+              </a14:hiddenEffects>
+            </a:ext>
+          </a:extLst>
+        </p:spPr>
+        <p:txBody>
+          <a:bodyPr vert="horz" wrap="none" lIns="91440" tIns="45720" rIns="91440" bIns="45720" numCol="1" anchor="ctr" anchorCtr="0" compatLnSpc="1">
+            <a:prstTxWarp prst="textNoShape">
+              <a:avLst/>
+            </a:prstTxWarp>
+            <a:spAutoFit/>
+          </a:bodyPr>
+          <a:lstStyle/>
+          <a:p>
+            <a:endParaRPr lang="fr-FR"/>
+          </a:p>
+        </p:txBody>
+      </p:sp>
+      <p:pic>
+        <p:nvPicPr>
+          <p:cNvPr id="7" name="Image 6">
+            <a:extLst>
+              <a:ext uri="{FF2B5EF4-FFF2-40B4-BE49-F238E27FC236}">
+                <a16:creationId xmlns:a16="http://schemas.microsoft.com/office/drawing/2014/main" id="{5414C5DC-3D97-D28C-15DF-AF8D178EF63C}"/>
+              </a:ext>
+            </a:extLst>
+          </p:cNvPr>
+          <p:cNvPicPr>
+            <a:picLocks noChangeAspect="1"/>
+          </p:cNvPicPr>
+          <p:nvPr/>
+        </p:nvPicPr>
+        <p:blipFill>
+          <a:blip r:embed="rId2" cstate="print">
+            <a:extLst>
+              <a:ext uri="{28A0092B-C50C-407E-A947-70E740481C1C}">
+                <a14:useLocalDpi xmlns:a14="http://schemas.microsoft.com/office/drawing/2010/main" val="0"/>
+              </a:ext>
+            </a:extLst>
+          </a:blip>
+          <a:srcRect/>
+          <a:stretch/>
+        </p:blipFill>
+        <p:spPr>
+          <a:xfrm>
+            <a:off x="295835" y="1064653"/>
+            <a:ext cx="959224" cy="959224"/>
+          </a:xfrm>
+          <a:prstGeom prst="rect">
+            <a:avLst/>
+          </a:prstGeom>
+        </p:spPr>
+      </p:pic>
+      <p:sp>
+        <p:nvSpPr>
+          <p:cNvPr id="6" name="Rectangle 5">
+            <a:extLst>
+              <a:ext uri="{FF2B5EF4-FFF2-40B4-BE49-F238E27FC236}">
+                <a16:creationId xmlns:a16="http://schemas.microsoft.com/office/drawing/2014/main" id="{58619AA3-EA5D-4C75-31AE-F3A98AD830D5}"/>
+              </a:ext>
+            </a:extLst>
+          </p:cNvPr>
+          <p:cNvSpPr/>
+          <p:nvPr/>
+        </p:nvSpPr>
+        <p:spPr>
+          <a:xfrm>
+            <a:off x="357101" y="4719485"/>
+            <a:ext cx="3542544" cy="914400"/>
+          </a:xfrm>
+          <a:prstGeom prst="rect">
+            <a:avLst/>
+          </a:prstGeom>
+          <a:noFill/>
+          <a:ln>
+            <a:noFill/>
+          </a:ln>
+        </p:spPr>
+        <p:style>
+          <a:lnRef idx="2">
+            <a:schemeClr val="accent1">
+              <a:shade val="15000"/>
+            </a:schemeClr>
+          </a:lnRef>
+          <a:fillRef idx="1">
+            <a:schemeClr val="accent1"/>
+          </a:fillRef>
+          <a:effectRef idx="0">
+            <a:schemeClr val="accent1"/>
+          </a:effectRef>
+          <a:fontRef idx="minor">
+            <a:schemeClr val="lt1"/>
+          </a:fontRef>
+        </p:style>
+        <p:txBody>
+          <a:bodyPr rtlCol="0" anchor="ctr"/>
+          <a:lstStyle/>
+          <a:p>
+            <a:pPr algn="ctr"/>
+            <a:r>
+              <a:rPr lang="fr-FR" sz="3600" dirty="0">
+                <a:solidFill>
+                  <a:schemeClr val="tx1"/>
+                </a:solidFill>
+              </a:rPr>
+              <a:t>Teamcity+ Docker</a:t>
+            </a:r>
+            <a:endParaRPr lang="en-US" sz="3600" dirty="0">
+              <a:solidFill>
+                <a:schemeClr val="tx1"/>
+              </a:solidFill>
+            </a:endParaRPr>
+          </a:p>
+        </p:txBody>
+      </p:sp>
+      <p:pic>
+        <p:nvPicPr>
+          <p:cNvPr id="8" name="Image 6">
+            <a:extLst>
+              <a:ext uri="{FF2B5EF4-FFF2-40B4-BE49-F238E27FC236}">
+                <a16:creationId xmlns:a16="http://schemas.microsoft.com/office/drawing/2014/main" id="{043EF3E7-6B9C-3066-6213-76E035DC43DD}"/>
+              </a:ext>
+            </a:extLst>
+          </p:cNvPr>
+          <p:cNvPicPr>
+            <a:picLocks noChangeAspect="1"/>
+          </p:cNvPicPr>
+          <p:nvPr/>
+        </p:nvPicPr>
+        <p:blipFill>
+          <a:blip r:embed="rId3" cstate="print">
+            <a:extLst>
+              <a:ext uri="{28A0092B-C50C-407E-A947-70E740481C1C}">
+                <a14:useLocalDpi xmlns:a14="http://schemas.microsoft.com/office/drawing/2010/main" val="0"/>
+              </a:ext>
+            </a:extLst>
+          </a:blip>
+          <a:srcRect/>
+          <a:stretch/>
+        </p:blipFill>
+        <p:spPr>
+          <a:xfrm>
+            <a:off x="1398492" y="1270356"/>
+            <a:ext cx="735104" cy="659112"/>
+          </a:xfrm>
+          <a:prstGeom prst="rect">
+            <a:avLst/>
+          </a:prstGeom>
+        </p:spPr>
+      </p:pic>
+      <p:pic>
+        <p:nvPicPr>
+          <p:cNvPr id="10" name="Image 6">
+            <a:extLst>
+              <a:ext uri="{FF2B5EF4-FFF2-40B4-BE49-F238E27FC236}">
+                <a16:creationId xmlns:a16="http://schemas.microsoft.com/office/drawing/2014/main" id="{6CB2AEE0-13F0-4824-1E0B-3CD14D028377}"/>
+              </a:ext>
+            </a:extLst>
+          </p:cNvPr>
+          <p:cNvPicPr>
+            <a:picLocks noChangeAspect="1"/>
+          </p:cNvPicPr>
+          <p:nvPr/>
+        </p:nvPicPr>
+        <p:blipFill>
+          <a:blip r:embed="rId4" cstate="print">
+            <a:extLst>
+              <a:ext uri="{28A0092B-C50C-407E-A947-70E740481C1C}">
+                <a14:useLocalDpi xmlns:a14="http://schemas.microsoft.com/office/drawing/2010/main" val="0"/>
+              </a:ext>
+            </a:extLst>
+          </a:blip>
+          <a:srcRect r="64569" b="-3443"/>
+          <a:stretch/>
+        </p:blipFill>
+        <p:spPr>
+          <a:xfrm>
+            <a:off x="2519082" y="1260513"/>
+            <a:ext cx="561031" cy="731641"/>
+          </a:xfrm>
+          <a:prstGeom prst="rect">
+            <a:avLst/>
+          </a:prstGeom>
+        </p:spPr>
+      </p:pic>
+      <p:pic>
+        <p:nvPicPr>
+          <p:cNvPr id="12" name="Image 6">
+            <a:extLst>
+              <a:ext uri="{FF2B5EF4-FFF2-40B4-BE49-F238E27FC236}">
+                <a16:creationId xmlns:a16="http://schemas.microsoft.com/office/drawing/2014/main" id="{020FFEC4-F12D-6B5F-7A5E-0DED75F2E98F}"/>
+              </a:ext>
+            </a:extLst>
+          </p:cNvPr>
+          <p:cNvPicPr>
+            <a:picLocks noChangeAspect="1"/>
+          </p:cNvPicPr>
+          <p:nvPr/>
+        </p:nvPicPr>
+        <p:blipFill>
+          <a:blip r:embed="rId5" cstate="print">
+            <a:extLst>
+              <a:ext uri="{28A0092B-C50C-407E-A947-70E740481C1C}">
+                <a14:useLocalDpi xmlns:a14="http://schemas.microsoft.com/office/drawing/2010/main" val="0"/>
+              </a:ext>
+            </a:extLst>
+          </a:blip>
+          <a:srcRect l="-317" r="-3210" b="-12852"/>
+          <a:stretch/>
+        </p:blipFill>
+        <p:spPr>
+          <a:xfrm>
+            <a:off x="403411" y="2204732"/>
+            <a:ext cx="741809" cy="825665"/>
+          </a:xfrm>
+          <a:prstGeom prst="rect">
+            <a:avLst/>
+          </a:prstGeom>
+        </p:spPr>
+      </p:pic>
+      <p:pic>
+        <p:nvPicPr>
+          <p:cNvPr id="14" name="Image 6">
+            <a:extLst>
+              <a:ext uri="{FF2B5EF4-FFF2-40B4-BE49-F238E27FC236}">
+                <a16:creationId xmlns:a16="http://schemas.microsoft.com/office/drawing/2014/main" id="{4B85D07A-6DEE-48D7-0A05-C4BE7157DC31}"/>
+              </a:ext>
+            </a:extLst>
+          </p:cNvPr>
+          <p:cNvPicPr>
+            <a:picLocks noChangeAspect="1"/>
+          </p:cNvPicPr>
+          <p:nvPr/>
+        </p:nvPicPr>
+        <p:blipFill>
+          <a:blip r:embed="rId6">
+            <a:extLst>
+              <a:ext uri="{28A0092B-C50C-407E-A947-70E740481C1C}">
+                <a14:useLocalDpi xmlns:a14="http://schemas.microsoft.com/office/drawing/2010/main" val="0"/>
+              </a:ext>
+            </a:extLst>
+          </a:blip>
+          <a:srcRect l="4887" r="4887" b="33152"/>
+          <a:stretch/>
+        </p:blipFill>
+        <p:spPr>
+          <a:xfrm>
+            <a:off x="1435418" y="2213416"/>
+            <a:ext cx="741809" cy="693792"/>
+          </a:xfrm>
+          <a:prstGeom prst="rect">
+            <a:avLst/>
+          </a:prstGeom>
+        </p:spPr>
+      </p:pic>
+      <p:pic>
+        <p:nvPicPr>
+          <p:cNvPr id="9" name="Image 6">
+            <a:extLst>
+              <a:ext uri="{FF2B5EF4-FFF2-40B4-BE49-F238E27FC236}">
+                <a16:creationId xmlns:a16="http://schemas.microsoft.com/office/drawing/2014/main" id="{17E9FD00-209E-3FE6-4142-BB3DBA968CFE}"/>
+              </a:ext>
+            </a:extLst>
+          </p:cNvPr>
+          <p:cNvPicPr>
+            <a:picLocks noChangeAspect="1"/>
+          </p:cNvPicPr>
+          <p:nvPr/>
+        </p:nvPicPr>
+        <p:blipFill>
+          <a:blip r:embed="rId7" cstate="print">
+            <a:extLst>
+              <a:ext uri="{28A0092B-C50C-407E-A947-70E740481C1C}">
+                <a14:useLocalDpi xmlns:a14="http://schemas.microsoft.com/office/drawing/2010/main" val="0"/>
+              </a:ext>
+            </a:extLst>
+          </a:blip>
+          <a:srcRect t="3236" b="3236"/>
+          <a:stretch/>
+        </p:blipFill>
+        <p:spPr>
+          <a:xfrm>
+            <a:off x="2467426" y="2204405"/>
+            <a:ext cx="741809" cy="693792"/>
+          </a:xfrm>
+          <a:prstGeom prst="rect">
+            <a:avLst/>
+          </a:prstGeom>
+        </p:spPr>
+      </p:pic>
+      <p:pic>
+        <p:nvPicPr>
+          <p:cNvPr id="13" name="Picture 12">
+            <a:extLst>
+              <a:ext uri="{FF2B5EF4-FFF2-40B4-BE49-F238E27FC236}">
+                <a16:creationId xmlns:a16="http://schemas.microsoft.com/office/drawing/2014/main" id="{4318237E-5BD0-1E63-5DE3-B5A7942AA4FE}"/>
+              </a:ext>
+            </a:extLst>
+          </p:cNvPr>
+          <p:cNvPicPr>
+            <a:picLocks noChangeAspect="1"/>
+          </p:cNvPicPr>
+          <p:nvPr/>
+        </p:nvPicPr>
+        <p:blipFill>
+          <a:blip r:embed="rId8" cstate="print">
+            <a:extLst>
+              <a:ext uri="{28A0092B-C50C-407E-A947-70E740481C1C}">
+                <a14:useLocalDpi xmlns:a14="http://schemas.microsoft.com/office/drawing/2010/main" val="0"/>
+              </a:ext>
+            </a:extLst>
+          </a:blip>
+          <a:srcRect l="11964" t="37402" b="35660"/>
+          <a:stretch/>
+        </p:blipFill>
+        <p:spPr>
+          <a:xfrm>
+            <a:off x="85407" y="6166600"/>
+            <a:ext cx="2802129" cy="584775"/>
+          </a:xfrm>
+          <a:prstGeom prst="rect">
+            <a:avLst/>
+          </a:prstGeom>
+        </p:spPr>
+      </p:pic>
+      <p:sp>
+        <p:nvSpPr>
+          <p:cNvPr id="16" name="Rectangle 15">
+            <a:extLst>
+              <a:ext uri="{FF2B5EF4-FFF2-40B4-BE49-F238E27FC236}">
+                <a16:creationId xmlns:a16="http://schemas.microsoft.com/office/drawing/2014/main" id="{6F8FB23F-E484-0C76-1634-D9DEA8C62CCC}"/>
+              </a:ext>
+            </a:extLst>
+          </p:cNvPr>
+          <p:cNvSpPr/>
+          <p:nvPr/>
+        </p:nvSpPr>
+        <p:spPr>
+          <a:xfrm>
+            <a:off x="480742" y="3361794"/>
+            <a:ext cx="741809" cy="519711"/>
+          </a:xfrm>
+          <a:prstGeom prst="rect">
+            <a:avLst/>
+          </a:prstGeom>
+          <a:noFill/>
+          <a:ln>
+            <a:noFill/>
+          </a:ln>
+        </p:spPr>
+        <p:style>
+          <a:lnRef idx="2">
+            <a:schemeClr val="accent1">
+              <a:shade val="15000"/>
+            </a:schemeClr>
+          </a:lnRef>
+          <a:fillRef idx="1">
+            <a:schemeClr val="accent1"/>
+          </a:fillRef>
+          <a:effectRef idx="0">
+            <a:schemeClr val="accent1"/>
+          </a:effectRef>
+          <a:fontRef idx="minor">
+            <a:schemeClr val="lt1"/>
+          </a:fontRef>
+        </p:style>
+        <p:txBody>
+          <a:bodyPr rtlCol="0" anchor="ctr"/>
+          <a:lstStyle/>
+          <a:p>
+            <a:pPr algn="ctr"/>
+            <a:r>
+              <a:rPr lang="fr-FR" sz="2800" dirty="0">
+                <a:solidFill>
+                  <a:schemeClr val="tx1"/>
+                </a:solidFill>
+              </a:rPr>
+              <a:t>JNA</a:t>
+            </a:r>
+            <a:endParaRPr lang="en-US" sz="2800" dirty="0">
+              <a:solidFill>
+                <a:schemeClr val="tx1"/>
+              </a:solidFill>
+            </a:endParaRPr>
+          </a:p>
+        </p:txBody>
+      </p:sp>
+      <p:pic>
+        <p:nvPicPr>
+          <p:cNvPr id="11" name="Image 6">
+            <a:extLst>
+              <a:ext uri="{FF2B5EF4-FFF2-40B4-BE49-F238E27FC236}">
+                <a16:creationId xmlns:a16="http://schemas.microsoft.com/office/drawing/2014/main" id="{B572F2B3-5132-2603-5768-52819D56784E}"/>
+              </a:ext>
+            </a:extLst>
+          </p:cNvPr>
+          <p:cNvPicPr>
+            <a:picLocks noChangeAspect="1"/>
+          </p:cNvPicPr>
+          <p:nvPr/>
+        </p:nvPicPr>
+        <p:blipFill>
+          <a:blip r:embed="rId9" cstate="print">
+            <a:extLst>
+              <a:ext uri="{28A0092B-C50C-407E-A947-70E740481C1C}">
+                <a14:useLocalDpi xmlns:a14="http://schemas.microsoft.com/office/drawing/2010/main" val="0"/>
+              </a:ext>
+            </a:extLst>
+          </a:blip>
+          <a:srcRect l="23270" r="23270"/>
+          <a:stretch/>
+        </p:blipFill>
+        <p:spPr>
+          <a:xfrm>
+            <a:off x="1405172" y="3280163"/>
+            <a:ext cx="741809" cy="693792"/>
+          </a:xfrm>
+          <a:prstGeom prst="rect">
+            <a:avLst/>
+          </a:prstGeom>
+        </p:spPr>
+      </p:pic>
+      <p:pic>
+        <p:nvPicPr>
+          <p:cNvPr id="20" name="Image 6">
+            <a:extLst>
+              <a:ext uri="{FF2B5EF4-FFF2-40B4-BE49-F238E27FC236}">
+                <a16:creationId xmlns:a16="http://schemas.microsoft.com/office/drawing/2014/main" id="{53A27C17-B915-D7AD-20A7-ADC6D4293656}"/>
+              </a:ext>
+            </a:extLst>
+          </p:cNvPr>
+          <p:cNvPicPr>
+            <a:picLocks noChangeAspect="1"/>
+          </p:cNvPicPr>
+          <p:nvPr/>
+        </p:nvPicPr>
+        <p:blipFill>
+          <a:blip r:embed="rId10" cstate="print">
+            <a:extLst>
+              <a:ext uri="{28A0092B-C50C-407E-A947-70E740481C1C}">
+                <a14:useLocalDpi xmlns:a14="http://schemas.microsoft.com/office/drawing/2010/main" val="0"/>
+              </a:ext>
+            </a:extLst>
+          </a:blip>
+          <a:srcRect t="-626" b="-1115"/>
+          <a:stretch/>
+        </p:blipFill>
+        <p:spPr>
+          <a:xfrm>
+            <a:off x="5137251" y="2385334"/>
+            <a:ext cx="2930983" cy="3027343"/>
+          </a:xfrm>
+          <a:prstGeom prst="rect">
+            <a:avLst/>
+          </a:prstGeom>
+        </p:spPr>
+      </p:pic>
+      <p:sp>
+        <p:nvSpPr>
+          <p:cNvPr id="4" name="Rectangle : coins arrondis 31">
+            <a:extLst>
+              <a:ext uri="{FF2B5EF4-FFF2-40B4-BE49-F238E27FC236}">
+                <a16:creationId xmlns:a16="http://schemas.microsoft.com/office/drawing/2014/main" id="{DBC9E5BD-991D-EAAE-221F-BF92BD3F0E09}"/>
+              </a:ext>
+            </a:extLst>
+          </p:cNvPr>
+          <p:cNvSpPr/>
+          <p:nvPr/>
+        </p:nvSpPr>
+        <p:spPr>
+          <a:xfrm>
+            <a:off x="2469675" y="3209873"/>
+            <a:ext cx="815662" cy="825665"/>
+          </a:xfrm>
+          <a:prstGeom prst="roundRect">
+            <a:avLst>
+              <a:gd name="adj" fmla="val 11930"/>
+            </a:avLst>
+          </a:prstGeom>
+          <a:noFill/>
+          <a:ln w="28575">
+            <a:solidFill>
+              <a:schemeClr val="accent5"/>
+            </a:solidFill>
+          </a:ln>
+        </p:spPr>
+        <p:style>
+          <a:lnRef idx="2">
+            <a:schemeClr val="accent1">
+              <a:shade val="50000"/>
+            </a:schemeClr>
+          </a:lnRef>
+          <a:fillRef idx="1">
+            <a:schemeClr val="accent1"/>
+          </a:fillRef>
+          <a:effectRef idx="0">
+            <a:schemeClr val="accent1"/>
+          </a:effectRef>
+          <a:fontRef idx="minor">
+            <a:schemeClr val="lt1"/>
+          </a:fontRef>
+        </p:style>
+        <p:txBody>
+          <a:bodyPr rtlCol="0" anchor="ctr"/>
+          <a:lstStyle/>
+          <a:p>
+            <a:pPr algn="ctr"/>
+            <a:endParaRPr lang="en-US"/>
+          </a:p>
+        </p:txBody>
+      </p:sp>
       <p:pic>
         <p:nvPicPr>
           <p:cNvPr id="5" name="Image 6">
@@ -7477,13 +9184,13 @@
   <p:clrMapOvr>
     <a:masterClrMapping/>
   </p:clrMapOvr>
-  <mc:AlternateContent xmlns:mc="http://schemas.openxmlformats.org/markup-compatibility/2006">
-    <mc:Choice xmlns:p14="http://schemas.microsoft.com/office/powerpoint/2010/main" Requires="p14">
+  <mc:AlternateContent xmlns:mc="http://schemas.openxmlformats.org/markup-compatibility/2006" xmlns:p14="http://schemas.microsoft.com/office/powerpoint/2010/main">
+    <mc:Choice Requires="p14">
       <p:transition spd="med" p14:dur="700">
         <p:fade/>
       </p:transition>
     </mc:Choice>
-    <mc:Fallback>
+    <mc:Fallback xmlns="">
       <p:transition spd="med">
         <p:fade/>
       </p:transition>
@@ -7492,7 +9199,7 @@
 </p:sld>
 </file>
 
-<file path=ppt/slides/slide12.xml><?xml version="1.0" encoding="utf-8"?>
+<file path=ppt/slides/slide14.xml><?xml version="1.0" encoding="utf-8"?>
 <p:sld xmlns:a="http://schemas.openxmlformats.org/drawingml/2006/main" xmlns:r="http://schemas.openxmlformats.org/officeDocument/2006/relationships" xmlns:p="http://schemas.openxmlformats.org/presentationml/2006/main">
   <p:cSld>
     <p:spTree>
@@ -7539,7 +9246,7 @@
             <a:fld id="{D2B4BBCC-EA5B-4A7E-8C0A-AC47B4F5C809}" type="slidenum">
               <a:rPr lang="fr-FR" smtClean="0"/>
               <a:pPr/>
-              <a:t>12</a:t>
+              <a:t>14</a:t>
             </a:fld>
             <a:endParaRPr lang="fr-FR" dirty="0"/>
           </a:p>
@@ -7712,7 +9419,7 @@
 </p:sld>
 </file>
 
-<file path=ppt/slides/slide13.xml><?xml version="1.0" encoding="utf-8"?>
+<file path=ppt/slides/slide15.xml><?xml version="1.0" encoding="utf-8"?>
 <p:sld xmlns:a="http://schemas.openxmlformats.org/drawingml/2006/main" xmlns:r="http://schemas.openxmlformats.org/officeDocument/2006/relationships" xmlns:p="http://schemas.openxmlformats.org/presentationml/2006/main">
   <p:cSld>
     <p:spTree>
@@ -7759,7 +9466,7 @@
             <a:fld id="{D2B4BBCC-EA5B-4A7E-8C0A-AC47B4F5C809}" type="slidenum">
               <a:rPr lang="fr-FR" smtClean="0"/>
               <a:pPr/>
-              <a:t>13</a:t>
+              <a:t>15</a:t>
             </a:fld>
             <a:endParaRPr lang="fr-FR" dirty="0"/>
           </a:p>
@@ -8015,7 +9722,7 @@
           <a:p>
             <a:pPr algn="ctr"/>
             <a:r>
-              <a:rPr lang="en-US" sz="4400" b="1" spc="300" dirty="0">
+              <a:rPr lang="fr-FR" sz="4400" b="1" spc="300" dirty="0" err="1">
                 <a:solidFill>
                   <a:schemeClr val="tx1">
                     <a:lumMod val="95000"/>
@@ -8024,17 +9731,20 @@
                 </a:solidFill>
                 <a:latin typeface="Montserrat SemiBold" panose="00000700000000000000" pitchFamily="2" charset="0"/>
               </a:rPr>
-              <a:t>Technologies Used</a:t>
+              <a:t>Functional</a:t>
             </a:r>
-            <a:endParaRPr lang="lt-LT" sz="4400" b="1" spc="300" dirty="0">
-              <a:solidFill>
-                <a:schemeClr val="tx1">
-                  <a:lumMod val="95000"/>
-                  <a:lumOff val="5000"/>
-                </a:schemeClr>
-              </a:solidFill>
-              <a:latin typeface="Montserrat SemiBold" panose="00000700000000000000" pitchFamily="2" charset="0"/>
-            </a:endParaRPr>
+            <a:r>
+              <a:rPr lang="fr-FR" sz="4400" b="1" spc="300" dirty="0">
+                <a:solidFill>
+                  <a:schemeClr val="tx1">
+                    <a:lumMod val="95000"/>
+                    <a:lumOff val="5000"/>
+                  </a:schemeClr>
+                </a:solidFill>
+                <a:latin typeface="Montserrat SemiBold" panose="00000700000000000000" pitchFamily="2" charset="0"/>
+              </a:rPr>
+              <a:t> DIAGRAM</a:t>
+            </a:r>
           </a:p>
         </p:txBody>
       </p:sp>
@@ -8298,6 +10008,3380 @@
   <p:cSld>
     <p:spTree>
       <p:nvGrpSpPr>
+        <p:cNvPr id="1" name="">
+          <a:extLst>
+            <a:ext uri="{FF2B5EF4-FFF2-40B4-BE49-F238E27FC236}">
+              <a16:creationId xmlns:a16="http://schemas.microsoft.com/office/drawing/2014/main" id="{2D1576EF-FE84-9ECB-6A54-9AD48E2E84A0}"/>
+            </a:ext>
+          </a:extLst>
+        </p:cNvPr>
+        <p:cNvGrpSpPr/>
+        <p:nvPr/>
+      </p:nvGrpSpPr>
+      <p:grpSpPr>
+        <a:xfrm>
+          <a:off x="0" y="0"/>
+          <a:ext cx="0" cy="0"/>
+          <a:chOff x="0" y="0"/>
+          <a:chExt cx="0" cy="0"/>
+        </a:xfrm>
+      </p:grpSpPr>
+      <p:sp>
+        <p:nvSpPr>
+          <p:cNvPr id="4" name="Espace réservé du numéro de diapositive 3">
+            <a:extLst>
+              <a:ext uri="{FF2B5EF4-FFF2-40B4-BE49-F238E27FC236}">
+                <a16:creationId xmlns:a16="http://schemas.microsoft.com/office/drawing/2014/main" id="{A96AE009-068B-2FAA-9200-C83D2D0140B6}"/>
+              </a:ext>
+            </a:extLst>
+          </p:cNvPr>
+          <p:cNvSpPr>
+            <a:spLocks noGrp="1"/>
+          </p:cNvSpPr>
+          <p:nvPr>
+            <p:ph type="sldNum" sz="quarter" idx="12"/>
+          </p:nvPr>
+        </p:nvSpPr>
+        <p:spPr/>
+        <p:txBody>
+          <a:bodyPr/>
+          <a:lstStyle/>
+          <a:p>
+            <a:fld id="{D2B4BBCC-EA5B-4A7E-8C0A-AC47B4F5C809}" type="slidenum">
+              <a:rPr lang="fr-FR" smtClean="0"/>
+              <a:pPr/>
+              <a:t>3</a:t>
+            </a:fld>
+            <a:endParaRPr lang="fr-FR" dirty="0"/>
+          </a:p>
+        </p:txBody>
+      </p:sp>
+      <p:sp>
+        <p:nvSpPr>
+          <p:cNvPr id="8" name="TextBox 6">
+            <a:extLst>
+              <a:ext uri="{FF2B5EF4-FFF2-40B4-BE49-F238E27FC236}">
+                <a16:creationId xmlns:a16="http://schemas.microsoft.com/office/drawing/2014/main" id="{49C4A668-87EE-B489-547F-C8603286D05B}"/>
+              </a:ext>
+            </a:extLst>
+          </p:cNvPr>
+          <p:cNvSpPr txBox="1"/>
+          <p:nvPr/>
+        </p:nvSpPr>
+        <p:spPr>
+          <a:xfrm>
+            <a:off x="5125159" y="0"/>
+            <a:ext cx="1941681" cy="338554"/>
+          </a:xfrm>
+          <a:prstGeom prst="rect">
+            <a:avLst/>
+          </a:prstGeom>
+          <a:noFill/>
+        </p:spPr>
+        <p:txBody>
+          <a:bodyPr wrap="square" rtlCol="0">
+            <a:spAutoFit/>
+          </a:bodyPr>
+          <a:lstStyle/>
+          <a:p>
+            <a:pPr algn="ctr"/>
+            <a:r>
+              <a:rPr lang="fr-FR" sz="1600" b="1" spc="300" dirty="0">
+                <a:solidFill>
+                  <a:schemeClr val="tx1">
+                    <a:lumMod val="95000"/>
+                    <a:lumOff val="5000"/>
+                  </a:schemeClr>
+                </a:solidFill>
+                <a:latin typeface="Montserrat SemiBold" panose="00000700000000000000" pitchFamily="2" charset="0"/>
+              </a:rPr>
+              <a:t>diagrammes</a:t>
+            </a:r>
+            <a:endParaRPr lang="lt-LT" sz="1600" b="1" spc="300" dirty="0">
+              <a:solidFill>
+                <a:schemeClr val="tx1">
+                  <a:lumMod val="95000"/>
+                  <a:lumOff val="5000"/>
+                </a:schemeClr>
+              </a:solidFill>
+              <a:latin typeface="Montserrat SemiBold" panose="00000700000000000000" pitchFamily="2" charset="0"/>
+            </a:endParaRPr>
+          </a:p>
+        </p:txBody>
+      </p:sp>
+      <p:pic>
+        <p:nvPicPr>
+          <p:cNvPr id="2" name="Image 3">
+            <a:extLst>
+              <a:ext uri="{FF2B5EF4-FFF2-40B4-BE49-F238E27FC236}">
+                <a16:creationId xmlns:a16="http://schemas.microsoft.com/office/drawing/2014/main" id="{B0F1BADE-07A0-2034-F44A-30C1C2EAFC36}"/>
+              </a:ext>
+            </a:extLst>
+          </p:cNvPr>
+          <p:cNvPicPr>
+            <a:picLocks noChangeAspect="1"/>
+          </p:cNvPicPr>
+          <p:nvPr/>
+        </p:nvPicPr>
+        <p:blipFill>
+          <a:blip r:embed="rId2" cstate="print">
+            <a:extLst>
+              <a:ext uri="{28A0092B-C50C-407E-A947-70E740481C1C}">
+                <a14:useLocalDpi xmlns:a14="http://schemas.microsoft.com/office/drawing/2010/main" val="0"/>
+              </a:ext>
+            </a:extLst>
+          </a:blip>
+          <a:srcRect/>
+          <a:stretch>
+            <a:fillRect/>
+          </a:stretch>
+        </p:blipFill>
+        <p:spPr bwMode="auto">
+          <a:xfrm>
+            <a:off x="11492202" y="26323"/>
+            <a:ext cx="454091" cy="495400"/>
+          </a:xfrm>
+          <a:prstGeom prst="rect">
+            <a:avLst/>
+          </a:prstGeom>
+          <a:noFill/>
+          <a:ln>
+            <a:noFill/>
+          </a:ln>
+        </p:spPr>
+      </p:pic>
+      <p:pic>
+        <p:nvPicPr>
+          <p:cNvPr id="11" name="Picture 10">
+            <a:extLst>
+              <a:ext uri="{FF2B5EF4-FFF2-40B4-BE49-F238E27FC236}">
+                <a16:creationId xmlns:a16="http://schemas.microsoft.com/office/drawing/2014/main" id="{29FFF354-0973-3990-4784-7816BEDFF737}"/>
+              </a:ext>
+            </a:extLst>
+          </p:cNvPr>
+          <p:cNvPicPr>
+            <a:picLocks noChangeAspect="1"/>
+          </p:cNvPicPr>
+          <p:nvPr/>
+        </p:nvPicPr>
+        <p:blipFill>
+          <a:blip r:embed="rId3" cstate="print">
+            <a:extLst>
+              <a:ext uri="{28A0092B-C50C-407E-A947-70E740481C1C}">
+                <a14:useLocalDpi xmlns:a14="http://schemas.microsoft.com/office/drawing/2010/main" val="0"/>
+              </a:ext>
+            </a:extLst>
+          </a:blip>
+          <a:srcRect l="11964" t="37402" b="35660"/>
+          <a:stretch/>
+        </p:blipFill>
+        <p:spPr>
+          <a:xfrm>
+            <a:off x="85408" y="6395031"/>
+            <a:ext cx="1707534" cy="356344"/>
+          </a:xfrm>
+          <a:prstGeom prst="rect">
+            <a:avLst/>
+          </a:prstGeom>
+        </p:spPr>
+      </p:pic>
+      <p:pic>
+        <p:nvPicPr>
+          <p:cNvPr id="15" name="Picture 14">
+            <a:extLst>
+              <a:ext uri="{FF2B5EF4-FFF2-40B4-BE49-F238E27FC236}">
+                <a16:creationId xmlns:a16="http://schemas.microsoft.com/office/drawing/2014/main" id="{3434F267-DF79-2C95-F08B-2FB5F3A523AD}"/>
+              </a:ext>
+            </a:extLst>
+          </p:cNvPr>
+          <p:cNvPicPr>
+            <a:picLocks noChangeAspect="1"/>
+          </p:cNvPicPr>
+          <p:nvPr/>
+        </p:nvPicPr>
+        <p:blipFill>
+          <a:blip r:embed="rId4" cstate="print">
+            <a:extLst>
+              <a:ext uri="{28A0092B-C50C-407E-A947-70E740481C1C}">
+                <a14:useLocalDpi xmlns:a14="http://schemas.microsoft.com/office/drawing/2010/main" val="0"/>
+              </a:ext>
+            </a:extLst>
+          </a:blip>
+          <a:srcRect/>
+          <a:stretch/>
+        </p:blipFill>
+        <p:spPr>
+          <a:xfrm>
+            <a:off x="10290085" y="2400754"/>
+            <a:ext cx="1229012" cy="1229012"/>
+          </a:xfrm>
+          <a:prstGeom prst="rect">
+            <a:avLst/>
+          </a:prstGeom>
+        </p:spPr>
+      </p:pic>
+      <p:pic>
+        <p:nvPicPr>
+          <p:cNvPr id="17" name="Picture 16">
+            <a:extLst>
+              <a:ext uri="{FF2B5EF4-FFF2-40B4-BE49-F238E27FC236}">
+                <a16:creationId xmlns:a16="http://schemas.microsoft.com/office/drawing/2014/main" id="{B4CE88A7-B318-EE5A-1998-AB3633A4F588}"/>
+              </a:ext>
+            </a:extLst>
+          </p:cNvPr>
+          <p:cNvPicPr>
+            <a:picLocks noChangeAspect="1"/>
+          </p:cNvPicPr>
+          <p:nvPr/>
+        </p:nvPicPr>
+        <p:blipFill>
+          <a:blip r:embed="rId5" cstate="print">
+            <a:extLst>
+              <a:ext uri="{28A0092B-C50C-407E-A947-70E740481C1C}">
+                <a14:useLocalDpi xmlns:a14="http://schemas.microsoft.com/office/drawing/2010/main" val="0"/>
+              </a:ext>
+            </a:extLst>
+          </a:blip>
+          <a:srcRect/>
+          <a:stretch/>
+        </p:blipFill>
+        <p:spPr>
+          <a:xfrm>
+            <a:off x="10509843" y="3982912"/>
+            <a:ext cx="842963" cy="690761"/>
+          </a:xfrm>
+          <a:prstGeom prst="rect">
+            <a:avLst/>
+          </a:prstGeom>
+        </p:spPr>
+      </p:pic>
+      <p:pic>
+        <p:nvPicPr>
+          <p:cNvPr id="18" name="Picture 17">
+            <a:extLst>
+              <a:ext uri="{FF2B5EF4-FFF2-40B4-BE49-F238E27FC236}">
+                <a16:creationId xmlns:a16="http://schemas.microsoft.com/office/drawing/2014/main" id="{01855FAF-F058-4DB4-B051-F0A33929F7CA}"/>
+              </a:ext>
+            </a:extLst>
+          </p:cNvPr>
+          <p:cNvPicPr>
+            <a:picLocks noChangeAspect="1"/>
+          </p:cNvPicPr>
+          <p:nvPr/>
+        </p:nvPicPr>
+        <p:blipFill>
+          <a:blip r:embed="rId6" cstate="print">
+            <a:extLst>
+              <a:ext uri="{28A0092B-C50C-407E-A947-70E740481C1C}">
+                <a14:useLocalDpi xmlns:a14="http://schemas.microsoft.com/office/drawing/2010/main" val="0"/>
+              </a:ext>
+            </a:extLst>
+          </a:blip>
+          <a:stretch>
+            <a:fillRect/>
+          </a:stretch>
+        </p:blipFill>
+        <p:spPr>
+          <a:xfrm>
+            <a:off x="5844707" y="5355308"/>
+            <a:ext cx="842963" cy="842963"/>
+          </a:xfrm>
+          <a:prstGeom prst="rect">
+            <a:avLst/>
+          </a:prstGeom>
+        </p:spPr>
+      </p:pic>
+      <p:pic>
+        <p:nvPicPr>
+          <p:cNvPr id="20" name="Picture 19">
+            <a:extLst>
+              <a:ext uri="{FF2B5EF4-FFF2-40B4-BE49-F238E27FC236}">
+                <a16:creationId xmlns:a16="http://schemas.microsoft.com/office/drawing/2014/main" id="{CECE01EC-93AB-C98F-FAB5-4FC00C475BF1}"/>
+              </a:ext>
+            </a:extLst>
+          </p:cNvPr>
+          <p:cNvPicPr>
+            <a:picLocks noChangeAspect="1"/>
+          </p:cNvPicPr>
+          <p:nvPr/>
+        </p:nvPicPr>
+        <p:blipFill>
+          <a:blip r:embed="rId7" cstate="print">
+            <a:extLst>
+              <a:ext uri="{28A0092B-C50C-407E-A947-70E740481C1C}">
+                <a14:useLocalDpi xmlns:a14="http://schemas.microsoft.com/office/drawing/2010/main" val="0"/>
+              </a:ext>
+            </a:extLst>
+          </a:blip>
+          <a:stretch>
+            <a:fillRect/>
+          </a:stretch>
+        </p:blipFill>
+        <p:spPr>
+          <a:xfrm>
+            <a:off x="6336933" y="3662544"/>
+            <a:ext cx="915513" cy="915513"/>
+          </a:xfrm>
+          <a:prstGeom prst="rect">
+            <a:avLst/>
+          </a:prstGeom>
+        </p:spPr>
+      </p:pic>
+      <p:grpSp>
+        <p:nvGrpSpPr>
+          <p:cNvPr id="129" name="Group 128">
+            <a:extLst>
+              <a:ext uri="{FF2B5EF4-FFF2-40B4-BE49-F238E27FC236}">
+                <a16:creationId xmlns:a16="http://schemas.microsoft.com/office/drawing/2014/main" id="{0C49B4D9-EC9D-3FAA-3739-A66C069B6898}"/>
+              </a:ext>
+            </a:extLst>
+          </p:cNvPr>
+          <p:cNvGrpSpPr/>
+          <p:nvPr/>
+        </p:nvGrpSpPr>
+        <p:grpSpPr>
+          <a:xfrm>
+            <a:off x="1584631" y="3453515"/>
+            <a:ext cx="3328025" cy="2579731"/>
+            <a:chOff x="1584631" y="3453515"/>
+            <a:chExt cx="3328025" cy="2579731"/>
+          </a:xfrm>
+        </p:grpSpPr>
+        <p:grpSp>
+          <p:nvGrpSpPr>
+            <p:cNvPr id="13" name="Group 12">
+              <a:extLst>
+                <a:ext uri="{FF2B5EF4-FFF2-40B4-BE49-F238E27FC236}">
+                  <a16:creationId xmlns:a16="http://schemas.microsoft.com/office/drawing/2014/main" id="{C04C2A53-B335-3CA9-D56D-985F121956C1}"/>
+                </a:ext>
+              </a:extLst>
+            </p:cNvPr>
+            <p:cNvGrpSpPr/>
+            <p:nvPr/>
+          </p:nvGrpSpPr>
+          <p:grpSpPr>
+            <a:xfrm>
+              <a:off x="1584631" y="3792069"/>
+              <a:ext cx="3328025" cy="2241177"/>
+              <a:chOff x="3738281" y="1927409"/>
+              <a:chExt cx="4858871" cy="2958356"/>
+            </a:xfrm>
+          </p:grpSpPr>
+          <p:grpSp>
+            <p:nvGrpSpPr>
+              <p:cNvPr id="7" name="Group 6">
+                <a:extLst>
+                  <a:ext uri="{FF2B5EF4-FFF2-40B4-BE49-F238E27FC236}">
+                    <a16:creationId xmlns:a16="http://schemas.microsoft.com/office/drawing/2014/main" id="{699B4010-13EB-3919-4B79-0898295F14F4}"/>
+                  </a:ext>
+                </a:extLst>
+              </p:cNvPr>
+              <p:cNvGrpSpPr/>
+              <p:nvPr/>
+            </p:nvGrpSpPr>
+            <p:grpSpPr>
+              <a:xfrm>
+                <a:off x="3738281" y="1927409"/>
+                <a:ext cx="4858871" cy="2958356"/>
+                <a:chOff x="4446494" y="2079812"/>
+                <a:chExt cx="4061012" cy="2348753"/>
+              </a:xfrm>
+            </p:grpSpPr>
+            <p:sp>
+              <p:nvSpPr>
+                <p:cNvPr id="3" name="Rectangle: Rounded Corners 2">
+                  <a:extLst>
+                    <a:ext uri="{FF2B5EF4-FFF2-40B4-BE49-F238E27FC236}">
+                      <a16:creationId xmlns:a16="http://schemas.microsoft.com/office/drawing/2014/main" id="{9F0CC047-2F5C-3162-15E3-1A2869733382}"/>
+                    </a:ext>
+                  </a:extLst>
+                </p:cNvPr>
+                <p:cNvSpPr/>
+                <p:nvPr/>
+              </p:nvSpPr>
+              <p:spPr>
+                <a:xfrm>
+                  <a:off x="4446494" y="2079812"/>
+                  <a:ext cx="4061012" cy="2348753"/>
+                </a:xfrm>
+                <a:prstGeom prst="roundRect">
+                  <a:avLst>
+                    <a:gd name="adj" fmla="val 5980"/>
+                  </a:avLst>
+                </a:prstGeom>
+                <a:noFill/>
+                <a:ln>
+                  <a:solidFill>
+                    <a:schemeClr val="tx1"/>
+                  </a:solidFill>
+                </a:ln>
+              </p:spPr>
+              <p:style>
+                <a:lnRef idx="2">
+                  <a:schemeClr val="accent1">
+                    <a:shade val="15000"/>
+                  </a:schemeClr>
+                </a:lnRef>
+                <a:fillRef idx="1">
+                  <a:schemeClr val="accent1"/>
+                </a:fillRef>
+                <a:effectRef idx="0">
+                  <a:schemeClr val="accent1"/>
+                </a:effectRef>
+                <a:fontRef idx="minor">
+                  <a:schemeClr val="lt1"/>
+                </a:fontRef>
+              </p:style>
+              <p:txBody>
+                <a:bodyPr rtlCol="0" anchor="ctr"/>
+                <a:lstStyle/>
+                <a:p>
+                  <a:pPr algn="ctr"/>
+                  <a:endParaRPr lang="en-US"/>
+                </a:p>
+              </p:txBody>
+            </p:sp>
+            <p:pic>
+              <p:nvPicPr>
+                <p:cNvPr id="6" name="Picture 5">
+                  <a:extLst>
+                    <a:ext uri="{FF2B5EF4-FFF2-40B4-BE49-F238E27FC236}">
+                      <a16:creationId xmlns:a16="http://schemas.microsoft.com/office/drawing/2014/main" id="{127007E6-40C4-3E18-C674-2F37EB538EA5}"/>
+                    </a:ext>
+                  </a:extLst>
+                </p:cNvPr>
+                <p:cNvPicPr>
+                  <a:picLocks noChangeAspect="1"/>
+                </p:cNvPicPr>
+                <p:nvPr/>
+              </p:nvPicPr>
+              <p:blipFill>
+                <a:blip r:embed="rId8" cstate="print">
+                  <a:extLst>
+                    <a:ext uri="{28A0092B-C50C-407E-A947-70E740481C1C}">
+                      <a14:useLocalDpi xmlns:a14="http://schemas.microsoft.com/office/drawing/2010/main" val="0"/>
+                    </a:ext>
+                  </a:extLst>
+                </a:blip>
+                <a:stretch>
+                  <a:fillRect/>
+                </a:stretch>
+              </p:blipFill>
+              <p:spPr>
+                <a:xfrm>
+                  <a:off x="5477650" y="2201750"/>
+                  <a:ext cx="2921929" cy="2097867"/>
+                </a:xfrm>
+                <a:prstGeom prst="rect">
+                  <a:avLst/>
+                </a:prstGeom>
+              </p:spPr>
+            </p:pic>
+          </p:grpSp>
+          <p:sp>
+            <p:nvSpPr>
+              <p:cNvPr id="9" name="TextBox 6">
+                <a:extLst>
+                  <a:ext uri="{FF2B5EF4-FFF2-40B4-BE49-F238E27FC236}">
+                    <a16:creationId xmlns:a16="http://schemas.microsoft.com/office/drawing/2014/main" id="{ED558BD8-E4A6-C9F2-59A4-34CD53262F8F}"/>
+                  </a:ext>
+                </a:extLst>
+              </p:cNvPr>
+              <p:cNvSpPr txBox="1"/>
+              <p:nvPr/>
+            </p:nvSpPr>
+            <p:spPr>
+              <a:xfrm>
+                <a:off x="3886024" y="2323667"/>
+                <a:ext cx="979115" cy="446892"/>
+              </a:xfrm>
+              <a:prstGeom prst="rect">
+                <a:avLst/>
+              </a:prstGeom>
+              <a:noFill/>
+            </p:spPr>
+            <p:txBody>
+              <a:bodyPr wrap="square" rtlCol="0">
+                <a:spAutoFit/>
+              </a:bodyPr>
+              <a:lstStyle/>
+              <a:p>
+                <a:pPr algn="ctr"/>
+                <a:r>
+                  <a:rPr lang="fr-FR" sz="1600" b="1" spc="300" dirty="0">
+                    <a:solidFill>
+                      <a:schemeClr val="tx1">
+                        <a:lumMod val="95000"/>
+                        <a:lumOff val="5000"/>
+                      </a:schemeClr>
+                    </a:solidFill>
+                    <a:latin typeface="Montserrat SemiBold" panose="00000700000000000000" pitchFamily="2" charset="0"/>
+                  </a:rPr>
+                  <a:t>DIS</a:t>
+                </a:r>
+                <a:endParaRPr lang="lt-LT" sz="1600" b="1" spc="300" dirty="0">
+                  <a:solidFill>
+                    <a:schemeClr val="tx1">
+                      <a:lumMod val="95000"/>
+                      <a:lumOff val="5000"/>
+                    </a:schemeClr>
+                  </a:solidFill>
+                  <a:latin typeface="Montserrat SemiBold" panose="00000700000000000000" pitchFamily="2" charset="0"/>
+                </a:endParaRPr>
+              </a:p>
+            </p:txBody>
+          </p:sp>
+          <p:pic>
+            <p:nvPicPr>
+              <p:cNvPr id="12" name="Picture 11">
+                <a:extLst>
+                  <a:ext uri="{FF2B5EF4-FFF2-40B4-BE49-F238E27FC236}">
+                    <a16:creationId xmlns:a16="http://schemas.microsoft.com/office/drawing/2014/main" id="{BCEC18FF-AD80-7099-0635-A97D39E21C7B}"/>
+                  </a:ext>
+                </a:extLst>
+              </p:cNvPr>
+              <p:cNvPicPr>
+                <a:picLocks noChangeAspect="1"/>
+              </p:cNvPicPr>
+              <p:nvPr/>
+            </p:nvPicPr>
+            <p:blipFill>
+              <a:blip r:embed="rId9">
+                <a:extLst>
+                  <a:ext uri="{28A0092B-C50C-407E-A947-70E740481C1C}">
+                    <a14:useLocalDpi xmlns:a14="http://schemas.microsoft.com/office/drawing/2010/main" val="0"/>
+                  </a:ext>
+                </a:extLst>
+              </a:blip>
+              <a:stretch>
+                <a:fillRect/>
+              </a:stretch>
+            </p:blipFill>
+            <p:spPr>
+              <a:xfrm>
+                <a:off x="3886023" y="2662221"/>
+                <a:ext cx="1086002" cy="981212"/>
+              </a:xfrm>
+              <a:prstGeom prst="rect">
+                <a:avLst/>
+              </a:prstGeom>
+            </p:spPr>
+          </p:pic>
+        </p:grpSp>
+        <p:sp>
+          <p:nvSpPr>
+            <p:cNvPr id="21" name="TextBox 6">
+              <a:extLst>
+                <a:ext uri="{FF2B5EF4-FFF2-40B4-BE49-F238E27FC236}">
+                  <a16:creationId xmlns:a16="http://schemas.microsoft.com/office/drawing/2014/main" id="{21C3613A-4A49-9796-971A-25B8C979A536}"/>
+                </a:ext>
+              </a:extLst>
+            </p:cNvPr>
+            <p:cNvSpPr txBox="1"/>
+            <p:nvPr/>
+          </p:nvSpPr>
+          <p:spPr>
+            <a:xfrm>
+              <a:off x="2277802" y="3453515"/>
+              <a:ext cx="1941681" cy="307777"/>
+            </a:xfrm>
+            <a:prstGeom prst="rect">
+              <a:avLst/>
+            </a:prstGeom>
+            <a:noFill/>
+          </p:spPr>
+          <p:txBody>
+            <a:bodyPr wrap="square" rtlCol="0">
+              <a:spAutoFit/>
+            </a:bodyPr>
+            <a:lstStyle/>
+            <a:p>
+              <a:pPr algn="ctr"/>
+              <a:r>
+                <a:rPr lang="fr-FR" sz="1400" b="1" spc="300" dirty="0">
+                  <a:solidFill>
+                    <a:schemeClr val="tx1">
+                      <a:lumMod val="95000"/>
+                      <a:lumOff val="5000"/>
+                    </a:schemeClr>
+                  </a:solidFill>
+                  <a:latin typeface="Montserrat SemiBold" panose="00000700000000000000" pitchFamily="2" charset="0"/>
+                </a:rPr>
+                <a:t>datacenter</a:t>
+              </a:r>
+              <a:endParaRPr lang="lt-LT" sz="1400" b="1" spc="300" dirty="0">
+                <a:solidFill>
+                  <a:schemeClr val="tx1">
+                    <a:lumMod val="95000"/>
+                    <a:lumOff val="5000"/>
+                  </a:schemeClr>
+                </a:solidFill>
+                <a:latin typeface="Montserrat SemiBold" panose="00000700000000000000" pitchFamily="2" charset="0"/>
+              </a:endParaRPr>
+            </a:p>
+          </p:txBody>
+        </p:sp>
+      </p:grpSp>
+      <p:cxnSp>
+        <p:nvCxnSpPr>
+          <p:cNvPr id="27" name="Straight Arrow Connector 26">
+            <a:extLst>
+              <a:ext uri="{FF2B5EF4-FFF2-40B4-BE49-F238E27FC236}">
+                <a16:creationId xmlns:a16="http://schemas.microsoft.com/office/drawing/2014/main" id="{1C57260C-B82E-B3F1-CAF3-35E5676FD28F}"/>
+              </a:ext>
+            </a:extLst>
+          </p:cNvPr>
+          <p:cNvCxnSpPr>
+            <a:cxnSpLocks/>
+          </p:cNvCxnSpPr>
+          <p:nvPr/>
+        </p:nvCxnSpPr>
+        <p:spPr>
+          <a:xfrm flipH="1">
+            <a:off x="5086880" y="5822123"/>
+            <a:ext cx="874651" cy="6299"/>
+          </a:xfrm>
+          <a:prstGeom prst="straightConnector1">
+            <a:avLst/>
+          </a:prstGeom>
+          <a:ln w="38100">
+            <a:solidFill>
+              <a:schemeClr val="tx1">
+                <a:lumMod val="75000"/>
+                <a:lumOff val="25000"/>
+              </a:schemeClr>
+            </a:solidFill>
+            <a:tailEnd type="triangle"/>
+          </a:ln>
+        </p:spPr>
+        <p:style>
+          <a:lnRef idx="1">
+            <a:schemeClr val="accent1"/>
+          </a:lnRef>
+          <a:fillRef idx="0">
+            <a:schemeClr val="accent1"/>
+          </a:fillRef>
+          <a:effectRef idx="0">
+            <a:schemeClr val="accent1"/>
+          </a:effectRef>
+          <a:fontRef idx="minor">
+            <a:schemeClr val="tx1"/>
+          </a:fontRef>
+        </p:style>
+      </p:cxnSp>
+      <p:cxnSp>
+        <p:nvCxnSpPr>
+          <p:cNvPr id="31" name="Connector: Elbow 30">
+            <a:extLst>
+              <a:ext uri="{FF2B5EF4-FFF2-40B4-BE49-F238E27FC236}">
+                <a16:creationId xmlns:a16="http://schemas.microsoft.com/office/drawing/2014/main" id="{D64BB5D8-66AB-A38D-F9B3-E0C79A3DCDC5}"/>
+              </a:ext>
+            </a:extLst>
+          </p:cNvPr>
+          <p:cNvCxnSpPr>
+            <a:cxnSpLocks/>
+          </p:cNvCxnSpPr>
+          <p:nvPr/>
+        </p:nvCxnSpPr>
+        <p:spPr>
+          <a:xfrm rot="10800000">
+            <a:off x="7195680" y="4340093"/>
+            <a:ext cx="3305198" cy="1"/>
+          </a:xfrm>
+          <a:prstGeom prst="bentConnector3">
+            <a:avLst>
+              <a:gd name="adj1" fmla="val 50000"/>
+            </a:avLst>
+          </a:prstGeom>
+          <a:ln w="28575">
+            <a:solidFill>
+              <a:schemeClr val="tx1">
+                <a:lumMod val="65000"/>
+                <a:lumOff val="35000"/>
+              </a:schemeClr>
+            </a:solidFill>
+            <a:tailEnd type="triangle"/>
+          </a:ln>
+        </p:spPr>
+        <p:style>
+          <a:lnRef idx="1">
+            <a:schemeClr val="accent1"/>
+          </a:lnRef>
+          <a:fillRef idx="0">
+            <a:schemeClr val="accent1"/>
+          </a:fillRef>
+          <a:effectRef idx="0">
+            <a:schemeClr val="accent1"/>
+          </a:effectRef>
+          <a:fontRef idx="minor">
+            <a:schemeClr val="tx1"/>
+          </a:fontRef>
+        </p:style>
+      </p:cxnSp>
+      <p:cxnSp>
+        <p:nvCxnSpPr>
+          <p:cNvPr id="36" name="Connector: Elbow 35">
+            <a:extLst>
+              <a:ext uri="{FF2B5EF4-FFF2-40B4-BE49-F238E27FC236}">
+                <a16:creationId xmlns:a16="http://schemas.microsoft.com/office/drawing/2014/main" id="{F8B9FCB6-64F8-41B6-1335-E97376CE3B27}"/>
+              </a:ext>
+            </a:extLst>
+          </p:cNvPr>
+          <p:cNvCxnSpPr>
+            <a:cxnSpLocks/>
+          </p:cNvCxnSpPr>
+          <p:nvPr/>
+        </p:nvCxnSpPr>
+        <p:spPr>
+          <a:xfrm rot="10800000" flipV="1">
+            <a:off x="7195685" y="3015261"/>
+            <a:ext cx="3314159" cy="901326"/>
+          </a:xfrm>
+          <a:prstGeom prst="bentConnector3">
+            <a:avLst/>
+          </a:prstGeom>
+          <a:ln w="28575">
+            <a:solidFill>
+              <a:schemeClr val="tx1">
+                <a:lumMod val="65000"/>
+                <a:lumOff val="35000"/>
+              </a:schemeClr>
+            </a:solidFill>
+            <a:tailEnd type="triangle"/>
+          </a:ln>
+        </p:spPr>
+        <p:style>
+          <a:lnRef idx="1">
+            <a:schemeClr val="accent1"/>
+          </a:lnRef>
+          <a:fillRef idx="0">
+            <a:schemeClr val="accent1"/>
+          </a:fillRef>
+          <a:effectRef idx="0">
+            <a:schemeClr val="accent1"/>
+          </a:effectRef>
+          <a:fontRef idx="minor">
+            <a:schemeClr val="tx1"/>
+          </a:fontRef>
+        </p:style>
+      </p:cxnSp>
+      <p:pic>
+        <p:nvPicPr>
+          <p:cNvPr id="42" name="Picture 41">
+            <a:extLst>
+              <a:ext uri="{FF2B5EF4-FFF2-40B4-BE49-F238E27FC236}">
+                <a16:creationId xmlns:a16="http://schemas.microsoft.com/office/drawing/2014/main" id="{08CA6CAF-E582-1894-78D0-FF3A6B6B9919}"/>
+              </a:ext>
+            </a:extLst>
+          </p:cNvPr>
+          <p:cNvPicPr>
+            <a:picLocks noChangeAspect="1"/>
+          </p:cNvPicPr>
+          <p:nvPr/>
+        </p:nvPicPr>
+        <p:blipFill>
+          <a:blip r:embed="rId10" cstate="print">
+            <a:extLst>
+              <a:ext uri="{28A0092B-C50C-407E-A947-70E740481C1C}">
+                <a14:useLocalDpi xmlns:a14="http://schemas.microsoft.com/office/drawing/2010/main" val="0"/>
+              </a:ext>
+            </a:extLst>
+          </a:blip>
+          <a:stretch>
+            <a:fillRect/>
+          </a:stretch>
+        </p:blipFill>
+        <p:spPr>
+          <a:xfrm flipH="1">
+            <a:off x="7573621" y="4209589"/>
+            <a:ext cx="278309" cy="278309"/>
+          </a:xfrm>
+          <a:prstGeom prst="rect">
+            <a:avLst/>
+          </a:prstGeom>
+        </p:spPr>
+      </p:pic>
+      <p:pic>
+        <p:nvPicPr>
+          <p:cNvPr id="43" name="Picture 42">
+            <a:extLst>
+              <a:ext uri="{FF2B5EF4-FFF2-40B4-BE49-F238E27FC236}">
+                <a16:creationId xmlns:a16="http://schemas.microsoft.com/office/drawing/2014/main" id="{88FDB879-A274-658E-54B1-C83B42A84EAF}"/>
+              </a:ext>
+            </a:extLst>
+          </p:cNvPr>
+          <p:cNvPicPr>
+            <a:picLocks noChangeAspect="1"/>
+          </p:cNvPicPr>
+          <p:nvPr/>
+        </p:nvPicPr>
+        <p:blipFill>
+          <a:blip r:embed="rId10" cstate="print">
+            <a:extLst>
+              <a:ext uri="{28A0092B-C50C-407E-A947-70E740481C1C}">
+                <a14:useLocalDpi xmlns:a14="http://schemas.microsoft.com/office/drawing/2010/main" val="0"/>
+              </a:ext>
+            </a:extLst>
+          </a:blip>
+          <a:stretch>
+            <a:fillRect/>
+          </a:stretch>
+        </p:blipFill>
+        <p:spPr>
+          <a:xfrm flipH="1">
+            <a:off x="8341903" y="3771393"/>
+            <a:ext cx="278309" cy="278309"/>
+          </a:xfrm>
+          <a:prstGeom prst="rect">
+            <a:avLst/>
+          </a:prstGeom>
+        </p:spPr>
+      </p:pic>
+      <p:cxnSp>
+        <p:nvCxnSpPr>
+          <p:cNvPr id="44" name="Straight Arrow Connector 43">
+            <a:extLst>
+              <a:ext uri="{FF2B5EF4-FFF2-40B4-BE49-F238E27FC236}">
+                <a16:creationId xmlns:a16="http://schemas.microsoft.com/office/drawing/2014/main" id="{5819B434-EEF9-C1AF-BF24-1746CBC23AC3}"/>
+              </a:ext>
+            </a:extLst>
+          </p:cNvPr>
+          <p:cNvCxnSpPr>
+            <a:cxnSpLocks/>
+          </p:cNvCxnSpPr>
+          <p:nvPr/>
+        </p:nvCxnSpPr>
+        <p:spPr>
+          <a:xfrm flipH="1">
+            <a:off x="5086880" y="4113435"/>
+            <a:ext cx="1322604" cy="6298"/>
+          </a:xfrm>
+          <a:prstGeom prst="straightConnector1">
+            <a:avLst/>
+          </a:prstGeom>
+          <a:ln w="38100">
+            <a:solidFill>
+              <a:schemeClr val="tx1">
+                <a:lumMod val="75000"/>
+                <a:lumOff val="25000"/>
+              </a:schemeClr>
+            </a:solidFill>
+            <a:tailEnd type="triangle"/>
+          </a:ln>
+        </p:spPr>
+        <p:style>
+          <a:lnRef idx="1">
+            <a:schemeClr val="accent1"/>
+          </a:lnRef>
+          <a:fillRef idx="0">
+            <a:schemeClr val="accent1"/>
+          </a:fillRef>
+          <a:effectRef idx="0">
+            <a:schemeClr val="accent1"/>
+          </a:effectRef>
+          <a:fontRef idx="minor">
+            <a:schemeClr val="tx1"/>
+          </a:fontRef>
+        </p:style>
+      </p:cxnSp>
+      <p:cxnSp>
+        <p:nvCxnSpPr>
+          <p:cNvPr id="63" name="Connector: Elbow 62">
+            <a:extLst>
+              <a:ext uri="{FF2B5EF4-FFF2-40B4-BE49-F238E27FC236}">
+                <a16:creationId xmlns:a16="http://schemas.microsoft.com/office/drawing/2014/main" id="{B67DBF50-8D41-9034-CBB9-384A2286D23F}"/>
+              </a:ext>
+            </a:extLst>
+          </p:cNvPr>
+          <p:cNvCxnSpPr>
+            <a:cxnSpLocks/>
+          </p:cNvCxnSpPr>
+          <p:nvPr/>
+        </p:nvCxnSpPr>
+        <p:spPr>
+          <a:xfrm rot="5400000">
+            <a:off x="6555776" y="4474129"/>
+            <a:ext cx="1288892" cy="1025105"/>
+          </a:xfrm>
+          <a:prstGeom prst="bentConnector2">
+            <a:avLst/>
+          </a:prstGeom>
+          <a:ln>
+            <a:solidFill>
+              <a:schemeClr val="tx1"/>
+            </a:solidFill>
+            <a:tailEnd type="triangle"/>
+          </a:ln>
+        </p:spPr>
+        <p:style>
+          <a:lnRef idx="1">
+            <a:schemeClr val="accent1"/>
+          </a:lnRef>
+          <a:fillRef idx="0">
+            <a:schemeClr val="accent1"/>
+          </a:fillRef>
+          <a:effectRef idx="0">
+            <a:schemeClr val="accent1"/>
+          </a:effectRef>
+          <a:fontRef idx="minor">
+            <a:schemeClr val="tx1"/>
+          </a:fontRef>
+        </p:style>
+      </p:cxnSp>
+      <p:cxnSp>
+        <p:nvCxnSpPr>
+          <p:cNvPr id="64" name="Connector: Elbow 63">
+            <a:extLst>
+              <a:ext uri="{FF2B5EF4-FFF2-40B4-BE49-F238E27FC236}">
+                <a16:creationId xmlns:a16="http://schemas.microsoft.com/office/drawing/2014/main" id="{E97F8733-57F0-462E-6E89-8FE2597141FF}"/>
+              </a:ext>
+            </a:extLst>
+          </p:cNvPr>
+          <p:cNvCxnSpPr>
+            <a:cxnSpLocks/>
+            <a:stCxn id="43" idx="1"/>
+          </p:cNvCxnSpPr>
+          <p:nvPr/>
+        </p:nvCxnSpPr>
+        <p:spPr>
+          <a:xfrm flipH="1">
+            <a:off x="6687669" y="3910548"/>
+            <a:ext cx="1932543" cy="1980821"/>
+          </a:xfrm>
+          <a:prstGeom prst="bentConnector4">
+            <a:avLst>
+              <a:gd name="adj1" fmla="val 5798"/>
+              <a:gd name="adj2" fmla="val 100581"/>
+            </a:avLst>
+          </a:prstGeom>
+          <a:ln>
+            <a:solidFill>
+              <a:schemeClr val="tx1"/>
+            </a:solidFill>
+            <a:tailEnd type="triangle"/>
+          </a:ln>
+        </p:spPr>
+        <p:style>
+          <a:lnRef idx="1">
+            <a:schemeClr val="accent1"/>
+          </a:lnRef>
+          <a:fillRef idx="0">
+            <a:schemeClr val="accent1"/>
+          </a:fillRef>
+          <a:effectRef idx="0">
+            <a:schemeClr val="accent1"/>
+          </a:effectRef>
+          <a:fontRef idx="minor">
+            <a:schemeClr val="tx1"/>
+          </a:fontRef>
+        </p:style>
+      </p:cxnSp>
+      <p:pic>
+        <p:nvPicPr>
+          <p:cNvPr id="78" name="Picture 77">
+            <a:extLst>
+              <a:ext uri="{FF2B5EF4-FFF2-40B4-BE49-F238E27FC236}">
+                <a16:creationId xmlns:a16="http://schemas.microsoft.com/office/drawing/2014/main" id="{75224628-C689-E5EF-ED11-AE1DED8458EB}"/>
+              </a:ext>
+            </a:extLst>
+          </p:cNvPr>
+          <p:cNvPicPr>
+            <a:picLocks noChangeAspect="1"/>
+          </p:cNvPicPr>
+          <p:nvPr/>
+        </p:nvPicPr>
+        <p:blipFill>
+          <a:blip r:embed="rId11" cstate="print">
+            <a:extLst>
+              <a:ext uri="{28A0092B-C50C-407E-A947-70E740481C1C}">
+                <a14:useLocalDpi xmlns:a14="http://schemas.microsoft.com/office/drawing/2010/main" val="0"/>
+              </a:ext>
+            </a:extLst>
+          </a:blip>
+          <a:stretch>
+            <a:fillRect/>
+          </a:stretch>
+        </p:blipFill>
+        <p:spPr>
+          <a:xfrm>
+            <a:off x="5441064" y="3850369"/>
+            <a:ext cx="483789" cy="483789"/>
+          </a:xfrm>
+          <a:prstGeom prst="rect">
+            <a:avLst/>
+          </a:prstGeom>
+        </p:spPr>
+      </p:pic>
+      <p:cxnSp>
+        <p:nvCxnSpPr>
+          <p:cNvPr id="89" name="Straight Arrow Connector 88">
+            <a:extLst>
+              <a:ext uri="{FF2B5EF4-FFF2-40B4-BE49-F238E27FC236}">
+                <a16:creationId xmlns:a16="http://schemas.microsoft.com/office/drawing/2014/main" id="{4EF5FEA4-AF93-30C0-A051-361CEDF52018}"/>
+              </a:ext>
+            </a:extLst>
+          </p:cNvPr>
+          <p:cNvCxnSpPr>
+            <a:cxnSpLocks/>
+          </p:cNvCxnSpPr>
+          <p:nvPr/>
+        </p:nvCxnSpPr>
+        <p:spPr>
+          <a:xfrm flipV="1">
+            <a:off x="5618395" y="2892372"/>
+            <a:ext cx="0" cy="972509"/>
+          </a:xfrm>
+          <a:prstGeom prst="straightConnector1">
+            <a:avLst/>
+          </a:prstGeom>
+          <a:ln w="38100">
+            <a:solidFill>
+              <a:schemeClr val="tx1"/>
+            </a:solidFill>
+            <a:tailEnd type="triangle"/>
+          </a:ln>
+        </p:spPr>
+        <p:style>
+          <a:lnRef idx="1">
+            <a:schemeClr val="accent1"/>
+          </a:lnRef>
+          <a:fillRef idx="0">
+            <a:schemeClr val="accent1"/>
+          </a:fillRef>
+          <a:effectRef idx="0">
+            <a:schemeClr val="accent1"/>
+          </a:effectRef>
+          <a:fontRef idx="minor">
+            <a:schemeClr val="tx1"/>
+          </a:fontRef>
+        </p:style>
+      </p:cxnSp>
+      <p:grpSp>
+        <p:nvGrpSpPr>
+          <p:cNvPr id="134" name="Group 133">
+            <a:extLst>
+              <a:ext uri="{FF2B5EF4-FFF2-40B4-BE49-F238E27FC236}">
+                <a16:creationId xmlns:a16="http://schemas.microsoft.com/office/drawing/2014/main" id="{D88EC0A6-715F-4C7B-E97B-CDA1FB857866}"/>
+              </a:ext>
+            </a:extLst>
+          </p:cNvPr>
+          <p:cNvGrpSpPr/>
+          <p:nvPr/>
+        </p:nvGrpSpPr>
+        <p:grpSpPr>
+          <a:xfrm>
+            <a:off x="4532524" y="2040944"/>
+            <a:ext cx="2155142" cy="797471"/>
+            <a:chOff x="4532524" y="2040944"/>
+            <a:chExt cx="2155142" cy="797471"/>
+          </a:xfrm>
+        </p:grpSpPr>
+        <p:pic>
+          <p:nvPicPr>
+            <p:cNvPr id="92" name="Picture 91">
+              <a:extLst>
+                <a:ext uri="{FF2B5EF4-FFF2-40B4-BE49-F238E27FC236}">
+                  <a16:creationId xmlns:a16="http://schemas.microsoft.com/office/drawing/2014/main" id="{88B6C94A-D8D3-AA49-781D-B7D2AFFC37CB}"/>
+                </a:ext>
+              </a:extLst>
+            </p:cNvPr>
+            <p:cNvPicPr>
+              <a:picLocks noChangeAspect="1"/>
+            </p:cNvPicPr>
+            <p:nvPr/>
+          </p:nvPicPr>
+          <p:blipFill>
+            <a:blip r:embed="rId12">
+              <a:extLst>
+                <a:ext uri="{BEBA8EAE-BF5A-486C-A8C5-ECC9F3942E4B}">
+                  <a14:imgProps xmlns:a14="http://schemas.microsoft.com/office/drawing/2010/main">
+                    <a14:imgLayer r:embed="rId13">
+                      <a14:imgEffect>
+                        <a14:backgroundRemoval t="10000" b="90000" l="10000" r="90000"/>
+                      </a14:imgEffect>
+                    </a14:imgLayer>
+                  </a14:imgProps>
+                </a:ext>
+                <a:ext uri="{28A0092B-C50C-407E-A947-70E740481C1C}">
+                  <a14:useLocalDpi xmlns:a14="http://schemas.microsoft.com/office/drawing/2010/main" val="0"/>
+                </a:ext>
+              </a:extLst>
+            </a:blip>
+            <a:srcRect l="19845" t="29635" r="19501" b="31686"/>
+            <a:stretch/>
+          </p:blipFill>
+          <p:spPr>
+            <a:xfrm>
+              <a:off x="4532524" y="2040944"/>
+              <a:ext cx="2155142" cy="797471"/>
+            </a:xfrm>
+            <a:prstGeom prst="rect">
+              <a:avLst/>
+            </a:prstGeom>
+          </p:spPr>
+        </p:pic>
+        <p:pic>
+          <p:nvPicPr>
+            <p:cNvPr id="94" name="Picture 93">
+              <a:extLst>
+                <a:ext uri="{FF2B5EF4-FFF2-40B4-BE49-F238E27FC236}">
+                  <a16:creationId xmlns:a16="http://schemas.microsoft.com/office/drawing/2014/main" id="{03D012F9-BAC6-B16B-CBF0-81F8BFD01425}"/>
+                </a:ext>
+              </a:extLst>
+            </p:cNvPr>
+            <p:cNvPicPr>
+              <a:picLocks noChangeAspect="1"/>
+            </p:cNvPicPr>
+            <p:nvPr/>
+          </p:nvPicPr>
+          <p:blipFill>
+            <a:blip r:embed="rId14">
+              <a:extLst>
+                <a:ext uri="{BEBA8EAE-BF5A-486C-A8C5-ECC9F3942E4B}">
+                  <a14:imgProps xmlns:a14="http://schemas.microsoft.com/office/drawing/2010/main">
+                    <a14:imgLayer r:embed="rId15">
+                      <a14:imgEffect>
+                        <a14:backgroundRemoval t="10000" b="90000" l="10000" r="90000"/>
+                      </a14:imgEffect>
+                    </a14:imgLayer>
+                  </a14:imgProps>
+                </a:ext>
+                <a:ext uri="{28A0092B-C50C-407E-A947-70E740481C1C}">
+                  <a14:useLocalDpi xmlns:a14="http://schemas.microsoft.com/office/drawing/2010/main" val="0"/>
+                </a:ext>
+              </a:extLst>
+            </a:blip>
+            <a:stretch>
+              <a:fillRect/>
+            </a:stretch>
+          </p:blipFill>
+          <p:spPr>
+            <a:xfrm>
+              <a:off x="5169842" y="2315071"/>
+              <a:ext cx="1026231" cy="479893"/>
+            </a:xfrm>
+            <a:prstGeom prst="rect">
+              <a:avLst/>
+            </a:prstGeom>
+          </p:spPr>
+        </p:pic>
+      </p:grpSp>
+      <p:cxnSp>
+        <p:nvCxnSpPr>
+          <p:cNvPr id="95" name="Straight Arrow Connector 94">
+            <a:extLst>
+              <a:ext uri="{FF2B5EF4-FFF2-40B4-BE49-F238E27FC236}">
+                <a16:creationId xmlns:a16="http://schemas.microsoft.com/office/drawing/2014/main" id="{70BDA31C-2EF0-E109-C49A-94448A191168}"/>
+              </a:ext>
+            </a:extLst>
+          </p:cNvPr>
+          <p:cNvCxnSpPr>
+            <a:cxnSpLocks/>
+          </p:cNvCxnSpPr>
+          <p:nvPr/>
+        </p:nvCxnSpPr>
+        <p:spPr>
+          <a:xfrm>
+            <a:off x="5770018" y="2917475"/>
+            <a:ext cx="0" cy="976027"/>
+          </a:xfrm>
+          <a:prstGeom prst="straightConnector1">
+            <a:avLst/>
+          </a:prstGeom>
+          <a:ln w="38100">
+            <a:solidFill>
+              <a:schemeClr val="tx1"/>
+            </a:solidFill>
+            <a:tailEnd type="triangle"/>
+          </a:ln>
+        </p:spPr>
+        <p:style>
+          <a:lnRef idx="1">
+            <a:schemeClr val="accent1"/>
+          </a:lnRef>
+          <a:fillRef idx="0">
+            <a:schemeClr val="accent1"/>
+          </a:fillRef>
+          <a:effectRef idx="0">
+            <a:schemeClr val="accent1"/>
+          </a:effectRef>
+          <a:fontRef idx="minor">
+            <a:schemeClr val="tx1"/>
+          </a:fontRef>
+        </p:style>
+      </p:cxnSp>
+      <p:cxnSp>
+        <p:nvCxnSpPr>
+          <p:cNvPr id="102" name="Straight Arrow Connector 101">
+            <a:extLst>
+              <a:ext uri="{FF2B5EF4-FFF2-40B4-BE49-F238E27FC236}">
+                <a16:creationId xmlns:a16="http://schemas.microsoft.com/office/drawing/2014/main" id="{1F27244D-8AA6-652F-2948-57E48E798544}"/>
+              </a:ext>
+            </a:extLst>
+          </p:cNvPr>
+          <p:cNvCxnSpPr>
+            <a:cxnSpLocks/>
+          </p:cNvCxnSpPr>
+          <p:nvPr/>
+        </p:nvCxnSpPr>
+        <p:spPr>
+          <a:xfrm flipV="1">
+            <a:off x="6606988" y="1907830"/>
+            <a:ext cx="1640541" cy="742194"/>
+          </a:xfrm>
+          <a:prstGeom prst="straightConnector1">
+            <a:avLst/>
+          </a:prstGeom>
+          <a:ln w="28575">
+            <a:solidFill>
+              <a:schemeClr val="tx1">
+                <a:lumMod val="65000"/>
+                <a:lumOff val="35000"/>
+              </a:schemeClr>
+            </a:solidFill>
+            <a:tailEnd type="triangle"/>
+          </a:ln>
+        </p:spPr>
+        <p:style>
+          <a:lnRef idx="1">
+            <a:schemeClr val="accent1"/>
+          </a:lnRef>
+          <a:fillRef idx="0">
+            <a:schemeClr val="accent1"/>
+          </a:fillRef>
+          <a:effectRef idx="0">
+            <a:schemeClr val="accent1"/>
+          </a:effectRef>
+          <a:fontRef idx="minor">
+            <a:schemeClr val="tx1"/>
+          </a:fontRef>
+        </p:style>
+      </p:cxnSp>
+      <p:cxnSp>
+        <p:nvCxnSpPr>
+          <p:cNvPr id="105" name="Straight Arrow Connector 104">
+            <a:extLst>
+              <a:ext uri="{FF2B5EF4-FFF2-40B4-BE49-F238E27FC236}">
+                <a16:creationId xmlns:a16="http://schemas.microsoft.com/office/drawing/2014/main" id="{79D7E8F9-2DF6-D6F4-1E5F-80C6B0A96026}"/>
+              </a:ext>
+            </a:extLst>
+          </p:cNvPr>
+          <p:cNvCxnSpPr>
+            <a:cxnSpLocks/>
+          </p:cNvCxnSpPr>
+          <p:nvPr/>
+        </p:nvCxnSpPr>
+        <p:spPr>
+          <a:xfrm flipV="1">
+            <a:off x="6336933" y="1351074"/>
+            <a:ext cx="863289" cy="944400"/>
+          </a:xfrm>
+          <a:prstGeom prst="straightConnector1">
+            <a:avLst/>
+          </a:prstGeom>
+          <a:ln w="28575">
+            <a:solidFill>
+              <a:schemeClr val="tx1">
+                <a:lumMod val="65000"/>
+                <a:lumOff val="35000"/>
+              </a:schemeClr>
+            </a:solidFill>
+            <a:tailEnd type="triangle"/>
+          </a:ln>
+        </p:spPr>
+        <p:style>
+          <a:lnRef idx="1">
+            <a:schemeClr val="accent1"/>
+          </a:lnRef>
+          <a:fillRef idx="0">
+            <a:schemeClr val="accent1"/>
+          </a:fillRef>
+          <a:effectRef idx="0">
+            <a:schemeClr val="accent1"/>
+          </a:effectRef>
+          <a:fontRef idx="minor">
+            <a:schemeClr val="tx1"/>
+          </a:fontRef>
+        </p:style>
+      </p:cxnSp>
+      <p:cxnSp>
+        <p:nvCxnSpPr>
+          <p:cNvPr id="107" name="Straight Arrow Connector 106">
+            <a:extLst>
+              <a:ext uri="{FF2B5EF4-FFF2-40B4-BE49-F238E27FC236}">
+                <a16:creationId xmlns:a16="http://schemas.microsoft.com/office/drawing/2014/main" id="{D884BF19-C4B9-E7B8-E8E2-358AB3970221}"/>
+              </a:ext>
+            </a:extLst>
+          </p:cNvPr>
+          <p:cNvCxnSpPr>
+            <a:cxnSpLocks/>
+          </p:cNvCxnSpPr>
+          <p:nvPr/>
+        </p:nvCxnSpPr>
+        <p:spPr>
+          <a:xfrm flipV="1">
+            <a:off x="5691488" y="1361417"/>
+            <a:ext cx="0" cy="786562"/>
+          </a:xfrm>
+          <a:prstGeom prst="straightConnector1">
+            <a:avLst/>
+          </a:prstGeom>
+          <a:ln w="28575">
+            <a:solidFill>
+              <a:schemeClr val="tx1">
+                <a:lumMod val="65000"/>
+                <a:lumOff val="35000"/>
+              </a:schemeClr>
+            </a:solidFill>
+            <a:tailEnd type="triangle"/>
+          </a:ln>
+        </p:spPr>
+        <p:style>
+          <a:lnRef idx="1">
+            <a:schemeClr val="accent1"/>
+          </a:lnRef>
+          <a:fillRef idx="0">
+            <a:schemeClr val="accent1"/>
+          </a:fillRef>
+          <a:effectRef idx="0">
+            <a:schemeClr val="accent1"/>
+          </a:effectRef>
+          <a:fontRef idx="minor">
+            <a:schemeClr val="tx1"/>
+          </a:fontRef>
+        </p:style>
+      </p:cxnSp>
+      <p:cxnSp>
+        <p:nvCxnSpPr>
+          <p:cNvPr id="109" name="Straight Arrow Connector 108">
+            <a:extLst>
+              <a:ext uri="{FF2B5EF4-FFF2-40B4-BE49-F238E27FC236}">
+                <a16:creationId xmlns:a16="http://schemas.microsoft.com/office/drawing/2014/main" id="{714C5454-9E87-C7BA-E912-5257A22F52FB}"/>
+              </a:ext>
+            </a:extLst>
+          </p:cNvPr>
+          <p:cNvCxnSpPr>
+            <a:cxnSpLocks/>
+          </p:cNvCxnSpPr>
+          <p:nvPr/>
+        </p:nvCxnSpPr>
+        <p:spPr>
+          <a:xfrm flipH="1" flipV="1">
+            <a:off x="4303191" y="1514272"/>
+            <a:ext cx="793775" cy="801534"/>
+          </a:xfrm>
+          <a:prstGeom prst="straightConnector1">
+            <a:avLst/>
+          </a:prstGeom>
+          <a:ln w="28575">
+            <a:solidFill>
+              <a:schemeClr val="tx1">
+                <a:lumMod val="65000"/>
+                <a:lumOff val="35000"/>
+              </a:schemeClr>
+            </a:solidFill>
+            <a:tailEnd type="triangle"/>
+          </a:ln>
+        </p:spPr>
+        <p:style>
+          <a:lnRef idx="1">
+            <a:schemeClr val="accent1"/>
+          </a:lnRef>
+          <a:fillRef idx="0">
+            <a:schemeClr val="accent1"/>
+          </a:fillRef>
+          <a:effectRef idx="0">
+            <a:schemeClr val="accent1"/>
+          </a:effectRef>
+          <a:fontRef idx="minor">
+            <a:schemeClr val="tx1"/>
+          </a:fontRef>
+        </p:style>
+      </p:cxnSp>
+      <p:cxnSp>
+        <p:nvCxnSpPr>
+          <p:cNvPr id="111" name="Straight Arrow Connector 110">
+            <a:extLst>
+              <a:ext uri="{FF2B5EF4-FFF2-40B4-BE49-F238E27FC236}">
+                <a16:creationId xmlns:a16="http://schemas.microsoft.com/office/drawing/2014/main" id="{3433E5CA-D412-F9E9-4273-B585A0DC313A}"/>
+              </a:ext>
+            </a:extLst>
+          </p:cNvPr>
+          <p:cNvCxnSpPr>
+            <a:cxnSpLocks/>
+          </p:cNvCxnSpPr>
+          <p:nvPr/>
+        </p:nvCxnSpPr>
+        <p:spPr>
+          <a:xfrm flipH="1" flipV="1">
+            <a:off x="3403474" y="2400754"/>
+            <a:ext cx="1183118" cy="214479"/>
+          </a:xfrm>
+          <a:prstGeom prst="straightConnector1">
+            <a:avLst/>
+          </a:prstGeom>
+          <a:ln w="28575">
+            <a:solidFill>
+              <a:schemeClr val="tx1">
+                <a:lumMod val="65000"/>
+                <a:lumOff val="35000"/>
+              </a:schemeClr>
+            </a:solidFill>
+            <a:tailEnd type="triangle"/>
+          </a:ln>
+        </p:spPr>
+        <p:style>
+          <a:lnRef idx="1">
+            <a:schemeClr val="accent1"/>
+          </a:lnRef>
+          <a:fillRef idx="0">
+            <a:schemeClr val="accent1"/>
+          </a:fillRef>
+          <a:effectRef idx="0">
+            <a:schemeClr val="accent1"/>
+          </a:effectRef>
+          <a:fontRef idx="minor">
+            <a:schemeClr val="tx1"/>
+          </a:fontRef>
+        </p:style>
+      </p:cxnSp>
+      <p:pic>
+        <p:nvPicPr>
+          <p:cNvPr id="120" name="Picture 119">
+            <a:extLst>
+              <a:ext uri="{FF2B5EF4-FFF2-40B4-BE49-F238E27FC236}">
+                <a16:creationId xmlns:a16="http://schemas.microsoft.com/office/drawing/2014/main" id="{014C9D5F-CE9E-6651-888A-1C9A71CAE695}"/>
+              </a:ext>
+            </a:extLst>
+          </p:cNvPr>
+          <p:cNvPicPr>
+            <a:picLocks noChangeAspect="1"/>
+          </p:cNvPicPr>
+          <p:nvPr/>
+        </p:nvPicPr>
+        <p:blipFill>
+          <a:blip r:embed="rId16">
+            <a:extLst>
+              <a:ext uri="{28A0092B-C50C-407E-A947-70E740481C1C}">
+                <a14:useLocalDpi xmlns:a14="http://schemas.microsoft.com/office/drawing/2010/main" val="0"/>
+              </a:ext>
+            </a:extLst>
+          </a:blip>
+          <a:stretch>
+            <a:fillRect/>
+          </a:stretch>
+        </p:blipFill>
+        <p:spPr>
+          <a:xfrm>
+            <a:off x="8368470" y="1233698"/>
+            <a:ext cx="1061776" cy="1061776"/>
+          </a:xfrm>
+          <a:prstGeom prst="rect">
+            <a:avLst/>
+          </a:prstGeom>
+        </p:spPr>
+      </p:pic>
+      <p:pic>
+        <p:nvPicPr>
+          <p:cNvPr id="121" name="Picture 120">
+            <a:extLst>
+              <a:ext uri="{FF2B5EF4-FFF2-40B4-BE49-F238E27FC236}">
+                <a16:creationId xmlns:a16="http://schemas.microsoft.com/office/drawing/2014/main" id="{104346E9-8D13-02AF-BDD0-0E1F32EE37CC}"/>
+              </a:ext>
+            </a:extLst>
+          </p:cNvPr>
+          <p:cNvPicPr>
+            <a:picLocks noChangeAspect="1"/>
+          </p:cNvPicPr>
+          <p:nvPr/>
+        </p:nvPicPr>
+        <p:blipFill>
+          <a:blip r:embed="rId7" cstate="print">
+            <a:extLst>
+              <a:ext uri="{28A0092B-C50C-407E-A947-70E740481C1C}">
+                <a14:useLocalDpi xmlns:a14="http://schemas.microsoft.com/office/drawing/2010/main" val="0"/>
+              </a:ext>
+            </a:extLst>
+          </a:blip>
+          <a:stretch>
+            <a:fillRect/>
+          </a:stretch>
+        </p:blipFill>
+        <p:spPr>
+          <a:xfrm>
+            <a:off x="8716382" y="1514272"/>
+            <a:ext cx="263794" cy="526672"/>
+          </a:xfrm>
+          <a:prstGeom prst="rect">
+            <a:avLst/>
+          </a:prstGeom>
+        </p:spPr>
+      </p:pic>
+      <p:pic>
+        <p:nvPicPr>
+          <p:cNvPr id="123" name="Picture 122">
+            <a:extLst>
+              <a:ext uri="{FF2B5EF4-FFF2-40B4-BE49-F238E27FC236}">
+                <a16:creationId xmlns:a16="http://schemas.microsoft.com/office/drawing/2014/main" id="{16A12BB7-8891-4976-B1B0-03DDC9281117}"/>
+              </a:ext>
+            </a:extLst>
+          </p:cNvPr>
+          <p:cNvPicPr>
+            <a:picLocks noChangeAspect="1"/>
+          </p:cNvPicPr>
+          <p:nvPr/>
+        </p:nvPicPr>
+        <p:blipFill>
+          <a:blip r:embed="rId17">
+            <a:extLst>
+              <a:ext uri="{28A0092B-C50C-407E-A947-70E740481C1C}">
+                <a14:useLocalDpi xmlns:a14="http://schemas.microsoft.com/office/drawing/2010/main" val="0"/>
+              </a:ext>
+            </a:extLst>
+          </a:blip>
+          <a:srcRect l="27268" t="20279" r="26415" b="15252"/>
+          <a:stretch/>
+        </p:blipFill>
+        <p:spPr>
+          <a:xfrm>
+            <a:off x="2063628" y="1898779"/>
+            <a:ext cx="1279376" cy="1068483"/>
+          </a:xfrm>
+          <a:prstGeom prst="rect">
+            <a:avLst/>
+          </a:prstGeom>
+        </p:spPr>
+      </p:pic>
+      <p:pic>
+        <p:nvPicPr>
+          <p:cNvPr id="127" name="Picture 126">
+            <a:extLst>
+              <a:ext uri="{FF2B5EF4-FFF2-40B4-BE49-F238E27FC236}">
+                <a16:creationId xmlns:a16="http://schemas.microsoft.com/office/drawing/2014/main" id="{8ECC9C33-73D4-352C-19BF-7DA2F7247B7C}"/>
+              </a:ext>
+            </a:extLst>
+          </p:cNvPr>
+          <p:cNvPicPr>
+            <a:picLocks noChangeAspect="1"/>
+          </p:cNvPicPr>
+          <p:nvPr/>
+        </p:nvPicPr>
+        <p:blipFill>
+          <a:blip r:embed="rId18">
+            <a:extLst>
+              <a:ext uri="{28A0092B-C50C-407E-A947-70E740481C1C}">
+                <a14:useLocalDpi xmlns:a14="http://schemas.microsoft.com/office/drawing/2010/main" val="0"/>
+              </a:ext>
+            </a:extLst>
+          </a:blip>
+          <a:stretch>
+            <a:fillRect/>
+          </a:stretch>
+        </p:blipFill>
+        <p:spPr>
+          <a:xfrm>
+            <a:off x="3134944" y="854117"/>
+            <a:ext cx="1107778" cy="801535"/>
+          </a:xfrm>
+          <a:prstGeom prst="rect">
+            <a:avLst/>
+          </a:prstGeom>
+        </p:spPr>
+      </p:pic>
+      <p:pic>
+        <p:nvPicPr>
+          <p:cNvPr id="131" name="Picture 130">
+            <a:extLst>
+              <a:ext uri="{FF2B5EF4-FFF2-40B4-BE49-F238E27FC236}">
+                <a16:creationId xmlns:a16="http://schemas.microsoft.com/office/drawing/2014/main" id="{D1442B29-D6BE-05F8-C372-CBD9B3E103FA}"/>
+              </a:ext>
+            </a:extLst>
+          </p:cNvPr>
+          <p:cNvPicPr>
+            <a:picLocks noChangeAspect="1"/>
+          </p:cNvPicPr>
+          <p:nvPr/>
+        </p:nvPicPr>
+        <p:blipFill>
+          <a:blip r:embed="rId19" cstate="print">
+            <a:extLst>
+              <a:ext uri="{28A0092B-C50C-407E-A947-70E740481C1C}">
+                <a14:useLocalDpi xmlns:a14="http://schemas.microsoft.com/office/drawing/2010/main" val="0"/>
+              </a:ext>
+            </a:extLst>
+          </a:blip>
+          <a:stretch>
+            <a:fillRect/>
+          </a:stretch>
+        </p:blipFill>
+        <p:spPr>
+          <a:xfrm>
+            <a:off x="5210624" y="417613"/>
+            <a:ext cx="961728" cy="864743"/>
+          </a:xfrm>
+          <a:prstGeom prst="rect">
+            <a:avLst/>
+          </a:prstGeom>
+        </p:spPr>
+      </p:pic>
+      <p:pic>
+        <p:nvPicPr>
+          <p:cNvPr id="133" name="Picture 132">
+            <a:extLst>
+              <a:ext uri="{FF2B5EF4-FFF2-40B4-BE49-F238E27FC236}">
+                <a16:creationId xmlns:a16="http://schemas.microsoft.com/office/drawing/2014/main" id="{F12D6AD0-486B-C835-47CD-3A768843B1FD}"/>
+              </a:ext>
+            </a:extLst>
+          </p:cNvPr>
+          <p:cNvPicPr>
+            <a:picLocks noChangeAspect="1"/>
+          </p:cNvPicPr>
+          <p:nvPr/>
+        </p:nvPicPr>
+        <p:blipFill>
+          <a:blip r:embed="rId20">
+            <a:extLst>
+              <a:ext uri="{28A0092B-C50C-407E-A947-70E740481C1C}">
+                <a14:useLocalDpi xmlns:a14="http://schemas.microsoft.com/office/drawing/2010/main" val="0"/>
+              </a:ext>
+            </a:extLst>
+          </a:blip>
+          <a:srcRect l="11759" t="18064" r="11692" b="18064"/>
+          <a:stretch/>
+        </p:blipFill>
+        <p:spPr>
+          <a:xfrm>
+            <a:off x="6945721" y="338554"/>
+            <a:ext cx="1246959" cy="992158"/>
+          </a:xfrm>
+          <a:prstGeom prst="rect">
+            <a:avLst/>
+          </a:prstGeom>
+        </p:spPr>
+      </p:pic>
+    </p:spTree>
+    <p:extLst>
+      <p:ext uri="{BB962C8B-B14F-4D97-AF65-F5344CB8AC3E}">
+        <p14:creationId xmlns:p14="http://schemas.microsoft.com/office/powerpoint/2010/main" val="2243289762"/>
+      </p:ext>
+    </p:extLst>
+  </p:cSld>
+  <p:clrMapOvr>
+    <a:masterClrMapping/>
+  </p:clrMapOvr>
+  <mc:AlternateContent xmlns:mc="http://schemas.openxmlformats.org/markup-compatibility/2006">
+    <mc:Choice xmlns:p159="http://schemas.microsoft.com/office/powerpoint/2015/09/main" Requires="p159">
+      <p:transition xmlns:p14="http://schemas.microsoft.com/office/powerpoint/2010/main" p14:dur="250">
+        <p159:morph option="byObject"/>
+      </p:transition>
+    </mc:Choice>
+    <mc:Fallback>
+      <p:transition>
+        <p:fade/>
+      </p:transition>
+    </mc:Fallback>
+  </mc:AlternateContent>
+  <p:timing>
+    <p:tnLst>
+      <p:par>
+        <p:cTn id="1" dur="indefinite" restart="never" nodeType="tmRoot">
+          <p:childTnLst>
+            <p:seq concurrent="1" nextAc="seek">
+              <p:cTn id="2" dur="indefinite" nodeType="mainSeq">
+                <p:childTnLst>
+                  <p:par>
+                    <p:cTn id="3" fill="hold">
+                      <p:stCondLst>
+                        <p:cond delay="indefinite"/>
+                        <p:cond evt="onBegin" delay="0">
+                          <p:tn val="2"/>
+                        </p:cond>
+                      </p:stCondLst>
+                      <p:childTnLst>
+                        <p:par>
+                          <p:cTn id="4" fill="hold">
+                            <p:stCondLst>
+                              <p:cond delay="0"/>
+                            </p:stCondLst>
+                            <p:childTnLst>
+                              <p:par>
+                                <p:cTn id="5" presetID="2" presetClass="entr" presetSubtype="8" fill="hold" grpId="0" nodeType="withEffect">
+                                  <p:stCondLst>
+                                    <p:cond delay="0"/>
+                                  </p:stCondLst>
+                                  <p:childTnLst>
+                                    <p:set>
+                                      <p:cBhvr>
+                                        <p:cTn id="6" dur="1" fill="hold">
+                                          <p:stCondLst>
+                                            <p:cond delay="0"/>
+                                          </p:stCondLst>
+                                        </p:cTn>
+                                        <p:tgtEl>
+                                          <p:spTgt spid="8"/>
+                                        </p:tgtEl>
+                                        <p:attrNameLst>
+                                          <p:attrName>style.visibility</p:attrName>
+                                        </p:attrNameLst>
+                                      </p:cBhvr>
+                                      <p:to>
+                                        <p:strVal val="visible"/>
+                                      </p:to>
+                                    </p:set>
+                                    <p:anim calcmode="lin" valueType="num">
+                                      <p:cBhvr additive="base">
+                                        <p:cTn id="7" dur="500" fill="hold"/>
+                                        <p:tgtEl>
+                                          <p:spTgt spid="8"/>
+                                        </p:tgtEl>
+                                        <p:attrNameLst>
+                                          <p:attrName>ppt_x</p:attrName>
+                                        </p:attrNameLst>
+                                      </p:cBhvr>
+                                      <p:tavLst>
+                                        <p:tav tm="0">
+                                          <p:val>
+                                            <p:strVal val="0-#ppt_w/2"/>
+                                          </p:val>
+                                        </p:tav>
+                                        <p:tav tm="100000">
+                                          <p:val>
+                                            <p:strVal val="#ppt_x"/>
+                                          </p:val>
+                                        </p:tav>
+                                      </p:tavLst>
+                                    </p:anim>
+                                    <p:anim calcmode="lin" valueType="num">
+                                      <p:cBhvr additive="base">
+                                        <p:cTn id="8" dur="500" fill="hold"/>
+                                        <p:tgtEl>
+                                          <p:spTgt spid="8"/>
+                                        </p:tgtEl>
+                                        <p:attrNameLst>
+                                          <p:attrName>ppt_y</p:attrName>
+                                        </p:attrNameLst>
+                                      </p:cBhvr>
+                                      <p:tavLst>
+                                        <p:tav tm="0">
+                                          <p:val>
+                                            <p:strVal val="#ppt_y"/>
+                                          </p:val>
+                                        </p:tav>
+                                        <p:tav tm="100000">
+                                          <p:val>
+                                            <p:strVal val="#ppt_y"/>
+                                          </p:val>
+                                        </p:tav>
+                                      </p:tavLst>
+                                    </p:anim>
+                                  </p:childTnLst>
+                                </p:cTn>
+                              </p:par>
+                              <p:par>
+                                <p:cTn id="9" presetID="1" presetClass="entr" presetSubtype="0" fill="hold" nodeType="withEffect">
+                                  <p:stCondLst>
+                                    <p:cond delay="0"/>
+                                  </p:stCondLst>
+                                  <p:childTnLst>
+                                    <p:set>
+                                      <p:cBhvr>
+                                        <p:cTn id="10" dur="1" fill="hold">
+                                          <p:stCondLst>
+                                            <p:cond delay="0"/>
+                                          </p:stCondLst>
+                                        </p:cTn>
+                                        <p:tgtEl>
+                                          <p:spTgt spid="2"/>
+                                        </p:tgtEl>
+                                        <p:attrNameLst>
+                                          <p:attrName>style.visibility</p:attrName>
+                                        </p:attrNameLst>
+                                      </p:cBhvr>
+                                      <p:to>
+                                        <p:strVal val="visible"/>
+                                      </p:to>
+                                    </p:set>
+                                  </p:childTnLst>
+                                </p:cTn>
+                              </p:par>
+                            </p:childTnLst>
+                          </p:cTn>
+                        </p:par>
+                      </p:childTnLst>
+                    </p:cTn>
+                  </p:par>
+                  <p:par>
+                    <p:cTn id="11" fill="hold">
+                      <p:stCondLst>
+                        <p:cond delay="indefinite"/>
+                      </p:stCondLst>
+                      <p:childTnLst>
+                        <p:par>
+                          <p:cTn id="12" fill="hold">
+                            <p:stCondLst>
+                              <p:cond delay="0"/>
+                            </p:stCondLst>
+                            <p:childTnLst>
+                              <p:par>
+                                <p:cTn id="13" presetID="10" presetClass="entr" presetSubtype="0" fill="hold" nodeType="clickEffect">
+                                  <p:stCondLst>
+                                    <p:cond delay="0"/>
+                                  </p:stCondLst>
+                                  <p:childTnLst>
+                                    <p:set>
+                                      <p:cBhvr>
+                                        <p:cTn id="14" dur="1" fill="hold">
+                                          <p:stCondLst>
+                                            <p:cond delay="0"/>
+                                          </p:stCondLst>
+                                        </p:cTn>
+                                        <p:tgtEl>
+                                          <p:spTgt spid="129"/>
+                                        </p:tgtEl>
+                                        <p:attrNameLst>
+                                          <p:attrName>style.visibility</p:attrName>
+                                        </p:attrNameLst>
+                                      </p:cBhvr>
+                                      <p:to>
+                                        <p:strVal val="visible"/>
+                                      </p:to>
+                                    </p:set>
+                                    <p:animEffect transition="in" filter="fade">
+                                      <p:cBhvr>
+                                        <p:cTn id="15" dur="500"/>
+                                        <p:tgtEl>
+                                          <p:spTgt spid="129"/>
+                                        </p:tgtEl>
+                                      </p:cBhvr>
+                                    </p:animEffect>
+                                  </p:childTnLst>
+                                </p:cTn>
+                              </p:par>
+                            </p:childTnLst>
+                          </p:cTn>
+                        </p:par>
+                      </p:childTnLst>
+                    </p:cTn>
+                  </p:par>
+                  <p:par>
+                    <p:cTn id="16" fill="hold">
+                      <p:stCondLst>
+                        <p:cond delay="indefinite"/>
+                      </p:stCondLst>
+                      <p:childTnLst>
+                        <p:par>
+                          <p:cTn id="17" fill="hold">
+                            <p:stCondLst>
+                              <p:cond delay="0"/>
+                            </p:stCondLst>
+                            <p:childTnLst>
+                              <p:par>
+                                <p:cTn id="18" presetID="10" presetClass="entr" presetSubtype="0" fill="hold" nodeType="clickEffect">
+                                  <p:stCondLst>
+                                    <p:cond delay="0"/>
+                                  </p:stCondLst>
+                                  <p:childTnLst>
+                                    <p:set>
+                                      <p:cBhvr>
+                                        <p:cTn id="19" dur="1" fill="hold">
+                                          <p:stCondLst>
+                                            <p:cond delay="0"/>
+                                          </p:stCondLst>
+                                        </p:cTn>
+                                        <p:tgtEl>
+                                          <p:spTgt spid="20"/>
+                                        </p:tgtEl>
+                                        <p:attrNameLst>
+                                          <p:attrName>style.visibility</p:attrName>
+                                        </p:attrNameLst>
+                                      </p:cBhvr>
+                                      <p:to>
+                                        <p:strVal val="visible"/>
+                                      </p:to>
+                                    </p:set>
+                                    <p:animEffect transition="in" filter="fade">
+                                      <p:cBhvr>
+                                        <p:cTn id="20" dur="500"/>
+                                        <p:tgtEl>
+                                          <p:spTgt spid="20"/>
+                                        </p:tgtEl>
+                                      </p:cBhvr>
+                                    </p:animEffect>
+                                  </p:childTnLst>
+                                </p:cTn>
+                              </p:par>
+                            </p:childTnLst>
+                          </p:cTn>
+                        </p:par>
+                      </p:childTnLst>
+                    </p:cTn>
+                  </p:par>
+                  <p:par>
+                    <p:cTn id="21" fill="hold">
+                      <p:stCondLst>
+                        <p:cond delay="indefinite"/>
+                      </p:stCondLst>
+                      <p:childTnLst>
+                        <p:par>
+                          <p:cTn id="22" fill="hold">
+                            <p:stCondLst>
+                              <p:cond delay="0"/>
+                            </p:stCondLst>
+                            <p:childTnLst>
+                              <p:par>
+                                <p:cTn id="23" presetID="10" presetClass="entr" presetSubtype="0" fill="hold" nodeType="clickEffect">
+                                  <p:stCondLst>
+                                    <p:cond delay="0"/>
+                                  </p:stCondLst>
+                                  <p:childTnLst>
+                                    <p:set>
+                                      <p:cBhvr>
+                                        <p:cTn id="24" dur="1" fill="hold">
+                                          <p:stCondLst>
+                                            <p:cond delay="0"/>
+                                          </p:stCondLst>
+                                        </p:cTn>
+                                        <p:tgtEl>
+                                          <p:spTgt spid="44"/>
+                                        </p:tgtEl>
+                                        <p:attrNameLst>
+                                          <p:attrName>style.visibility</p:attrName>
+                                        </p:attrNameLst>
+                                      </p:cBhvr>
+                                      <p:to>
+                                        <p:strVal val="visible"/>
+                                      </p:to>
+                                    </p:set>
+                                    <p:animEffect transition="in" filter="fade">
+                                      <p:cBhvr>
+                                        <p:cTn id="25" dur="500"/>
+                                        <p:tgtEl>
+                                          <p:spTgt spid="44"/>
+                                        </p:tgtEl>
+                                      </p:cBhvr>
+                                    </p:animEffect>
+                                  </p:childTnLst>
+                                </p:cTn>
+                              </p:par>
+                            </p:childTnLst>
+                          </p:cTn>
+                        </p:par>
+                      </p:childTnLst>
+                    </p:cTn>
+                  </p:par>
+                  <p:par>
+                    <p:cTn id="26" fill="hold">
+                      <p:stCondLst>
+                        <p:cond delay="indefinite"/>
+                      </p:stCondLst>
+                      <p:childTnLst>
+                        <p:par>
+                          <p:cTn id="27" fill="hold">
+                            <p:stCondLst>
+                              <p:cond delay="0"/>
+                            </p:stCondLst>
+                            <p:childTnLst>
+                              <p:par>
+                                <p:cTn id="28" presetID="10" presetClass="entr" presetSubtype="0" fill="hold" nodeType="clickEffect">
+                                  <p:stCondLst>
+                                    <p:cond delay="0"/>
+                                  </p:stCondLst>
+                                  <p:childTnLst>
+                                    <p:set>
+                                      <p:cBhvr>
+                                        <p:cTn id="29" dur="1" fill="hold">
+                                          <p:stCondLst>
+                                            <p:cond delay="0"/>
+                                          </p:stCondLst>
+                                        </p:cTn>
+                                        <p:tgtEl>
+                                          <p:spTgt spid="36"/>
+                                        </p:tgtEl>
+                                        <p:attrNameLst>
+                                          <p:attrName>style.visibility</p:attrName>
+                                        </p:attrNameLst>
+                                      </p:cBhvr>
+                                      <p:to>
+                                        <p:strVal val="visible"/>
+                                      </p:to>
+                                    </p:set>
+                                    <p:animEffect transition="in" filter="fade">
+                                      <p:cBhvr>
+                                        <p:cTn id="30" dur="500"/>
+                                        <p:tgtEl>
+                                          <p:spTgt spid="36"/>
+                                        </p:tgtEl>
+                                      </p:cBhvr>
+                                    </p:animEffect>
+                                  </p:childTnLst>
+                                </p:cTn>
+                              </p:par>
+                              <p:par>
+                                <p:cTn id="31" presetID="10" presetClass="entr" presetSubtype="0" fill="hold" nodeType="withEffect">
+                                  <p:stCondLst>
+                                    <p:cond delay="0"/>
+                                  </p:stCondLst>
+                                  <p:childTnLst>
+                                    <p:set>
+                                      <p:cBhvr>
+                                        <p:cTn id="32" dur="1" fill="hold">
+                                          <p:stCondLst>
+                                            <p:cond delay="0"/>
+                                          </p:stCondLst>
+                                        </p:cTn>
+                                        <p:tgtEl>
+                                          <p:spTgt spid="31"/>
+                                        </p:tgtEl>
+                                        <p:attrNameLst>
+                                          <p:attrName>style.visibility</p:attrName>
+                                        </p:attrNameLst>
+                                      </p:cBhvr>
+                                      <p:to>
+                                        <p:strVal val="visible"/>
+                                      </p:to>
+                                    </p:set>
+                                    <p:animEffect transition="in" filter="fade">
+                                      <p:cBhvr>
+                                        <p:cTn id="33" dur="500"/>
+                                        <p:tgtEl>
+                                          <p:spTgt spid="31"/>
+                                        </p:tgtEl>
+                                      </p:cBhvr>
+                                    </p:animEffect>
+                                  </p:childTnLst>
+                                </p:cTn>
+                              </p:par>
+                              <p:par>
+                                <p:cTn id="34" presetID="10" presetClass="entr" presetSubtype="0" fill="hold" nodeType="withEffect">
+                                  <p:stCondLst>
+                                    <p:cond delay="0"/>
+                                  </p:stCondLst>
+                                  <p:childTnLst>
+                                    <p:set>
+                                      <p:cBhvr>
+                                        <p:cTn id="35" dur="1" fill="hold">
+                                          <p:stCondLst>
+                                            <p:cond delay="0"/>
+                                          </p:stCondLst>
+                                        </p:cTn>
+                                        <p:tgtEl>
+                                          <p:spTgt spid="17"/>
+                                        </p:tgtEl>
+                                        <p:attrNameLst>
+                                          <p:attrName>style.visibility</p:attrName>
+                                        </p:attrNameLst>
+                                      </p:cBhvr>
+                                      <p:to>
+                                        <p:strVal val="visible"/>
+                                      </p:to>
+                                    </p:set>
+                                    <p:animEffect transition="in" filter="fade">
+                                      <p:cBhvr>
+                                        <p:cTn id="36" dur="500"/>
+                                        <p:tgtEl>
+                                          <p:spTgt spid="17"/>
+                                        </p:tgtEl>
+                                      </p:cBhvr>
+                                    </p:animEffect>
+                                  </p:childTnLst>
+                                </p:cTn>
+                              </p:par>
+                              <p:par>
+                                <p:cTn id="37" presetID="10" presetClass="entr" presetSubtype="0" fill="hold" nodeType="withEffect">
+                                  <p:stCondLst>
+                                    <p:cond delay="0"/>
+                                  </p:stCondLst>
+                                  <p:childTnLst>
+                                    <p:set>
+                                      <p:cBhvr>
+                                        <p:cTn id="38" dur="1" fill="hold">
+                                          <p:stCondLst>
+                                            <p:cond delay="0"/>
+                                          </p:stCondLst>
+                                        </p:cTn>
+                                        <p:tgtEl>
+                                          <p:spTgt spid="15"/>
+                                        </p:tgtEl>
+                                        <p:attrNameLst>
+                                          <p:attrName>style.visibility</p:attrName>
+                                        </p:attrNameLst>
+                                      </p:cBhvr>
+                                      <p:to>
+                                        <p:strVal val="visible"/>
+                                      </p:to>
+                                    </p:set>
+                                    <p:animEffect transition="in" filter="fade">
+                                      <p:cBhvr>
+                                        <p:cTn id="39" dur="500"/>
+                                        <p:tgtEl>
+                                          <p:spTgt spid="15"/>
+                                        </p:tgtEl>
+                                      </p:cBhvr>
+                                    </p:animEffect>
+                                  </p:childTnLst>
+                                </p:cTn>
+                              </p:par>
+                            </p:childTnLst>
+                          </p:cTn>
+                        </p:par>
+                      </p:childTnLst>
+                    </p:cTn>
+                  </p:par>
+                  <p:par>
+                    <p:cTn id="40" fill="hold">
+                      <p:stCondLst>
+                        <p:cond delay="indefinite"/>
+                      </p:stCondLst>
+                      <p:childTnLst>
+                        <p:par>
+                          <p:cTn id="41" fill="hold">
+                            <p:stCondLst>
+                              <p:cond delay="0"/>
+                            </p:stCondLst>
+                            <p:childTnLst>
+                              <p:par>
+                                <p:cTn id="42" presetID="10" presetClass="entr" presetSubtype="0" fill="hold" nodeType="clickEffect">
+                                  <p:stCondLst>
+                                    <p:cond delay="0"/>
+                                  </p:stCondLst>
+                                  <p:childTnLst>
+                                    <p:set>
+                                      <p:cBhvr>
+                                        <p:cTn id="43" dur="1" fill="hold">
+                                          <p:stCondLst>
+                                            <p:cond delay="0"/>
+                                          </p:stCondLst>
+                                        </p:cTn>
+                                        <p:tgtEl>
+                                          <p:spTgt spid="42"/>
+                                        </p:tgtEl>
+                                        <p:attrNameLst>
+                                          <p:attrName>style.visibility</p:attrName>
+                                        </p:attrNameLst>
+                                      </p:cBhvr>
+                                      <p:to>
+                                        <p:strVal val="visible"/>
+                                      </p:to>
+                                    </p:set>
+                                    <p:animEffect transition="in" filter="fade">
+                                      <p:cBhvr>
+                                        <p:cTn id="44" dur="500"/>
+                                        <p:tgtEl>
+                                          <p:spTgt spid="42"/>
+                                        </p:tgtEl>
+                                      </p:cBhvr>
+                                    </p:animEffect>
+                                  </p:childTnLst>
+                                </p:cTn>
+                              </p:par>
+                              <p:par>
+                                <p:cTn id="45" presetID="10" presetClass="entr" presetSubtype="0" fill="hold" nodeType="withEffect">
+                                  <p:stCondLst>
+                                    <p:cond delay="0"/>
+                                  </p:stCondLst>
+                                  <p:childTnLst>
+                                    <p:set>
+                                      <p:cBhvr>
+                                        <p:cTn id="46" dur="1" fill="hold">
+                                          <p:stCondLst>
+                                            <p:cond delay="0"/>
+                                          </p:stCondLst>
+                                        </p:cTn>
+                                        <p:tgtEl>
+                                          <p:spTgt spid="43"/>
+                                        </p:tgtEl>
+                                        <p:attrNameLst>
+                                          <p:attrName>style.visibility</p:attrName>
+                                        </p:attrNameLst>
+                                      </p:cBhvr>
+                                      <p:to>
+                                        <p:strVal val="visible"/>
+                                      </p:to>
+                                    </p:set>
+                                    <p:animEffect transition="in" filter="fade">
+                                      <p:cBhvr>
+                                        <p:cTn id="47" dur="500"/>
+                                        <p:tgtEl>
+                                          <p:spTgt spid="43"/>
+                                        </p:tgtEl>
+                                      </p:cBhvr>
+                                    </p:animEffect>
+                                  </p:childTnLst>
+                                </p:cTn>
+                              </p:par>
+                            </p:childTnLst>
+                          </p:cTn>
+                        </p:par>
+                      </p:childTnLst>
+                    </p:cTn>
+                  </p:par>
+                  <p:par>
+                    <p:cTn id="48" fill="hold">
+                      <p:stCondLst>
+                        <p:cond delay="indefinite"/>
+                      </p:stCondLst>
+                      <p:childTnLst>
+                        <p:par>
+                          <p:cTn id="49" fill="hold">
+                            <p:stCondLst>
+                              <p:cond delay="0"/>
+                            </p:stCondLst>
+                            <p:childTnLst>
+                              <p:par>
+                                <p:cTn id="50" presetID="10" presetClass="entr" presetSubtype="0" fill="hold" nodeType="clickEffect">
+                                  <p:stCondLst>
+                                    <p:cond delay="0"/>
+                                  </p:stCondLst>
+                                  <p:childTnLst>
+                                    <p:set>
+                                      <p:cBhvr>
+                                        <p:cTn id="51" dur="1" fill="hold">
+                                          <p:stCondLst>
+                                            <p:cond delay="0"/>
+                                          </p:stCondLst>
+                                        </p:cTn>
+                                        <p:tgtEl>
+                                          <p:spTgt spid="63"/>
+                                        </p:tgtEl>
+                                        <p:attrNameLst>
+                                          <p:attrName>style.visibility</p:attrName>
+                                        </p:attrNameLst>
+                                      </p:cBhvr>
+                                      <p:to>
+                                        <p:strVal val="visible"/>
+                                      </p:to>
+                                    </p:set>
+                                    <p:animEffect transition="in" filter="fade">
+                                      <p:cBhvr>
+                                        <p:cTn id="52" dur="500"/>
+                                        <p:tgtEl>
+                                          <p:spTgt spid="63"/>
+                                        </p:tgtEl>
+                                      </p:cBhvr>
+                                    </p:animEffect>
+                                  </p:childTnLst>
+                                </p:cTn>
+                              </p:par>
+                              <p:par>
+                                <p:cTn id="53" presetID="10" presetClass="entr" presetSubtype="0" fill="hold" nodeType="withEffect">
+                                  <p:stCondLst>
+                                    <p:cond delay="0"/>
+                                  </p:stCondLst>
+                                  <p:childTnLst>
+                                    <p:set>
+                                      <p:cBhvr>
+                                        <p:cTn id="54" dur="1" fill="hold">
+                                          <p:stCondLst>
+                                            <p:cond delay="0"/>
+                                          </p:stCondLst>
+                                        </p:cTn>
+                                        <p:tgtEl>
+                                          <p:spTgt spid="64"/>
+                                        </p:tgtEl>
+                                        <p:attrNameLst>
+                                          <p:attrName>style.visibility</p:attrName>
+                                        </p:attrNameLst>
+                                      </p:cBhvr>
+                                      <p:to>
+                                        <p:strVal val="visible"/>
+                                      </p:to>
+                                    </p:set>
+                                    <p:animEffect transition="in" filter="fade">
+                                      <p:cBhvr>
+                                        <p:cTn id="55" dur="500"/>
+                                        <p:tgtEl>
+                                          <p:spTgt spid="64"/>
+                                        </p:tgtEl>
+                                      </p:cBhvr>
+                                    </p:animEffect>
+                                  </p:childTnLst>
+                                </p:cTn>
+                              </p:par>
+                            </p:childTnLst>
+                          </p:cTn>
+                        </p:par>
+                      </p:childTnLst>
+                    </p:cTn>
+                  </p:par>
+                  <p:par>
+                    <p:cTn id="56" fill="hold">
+                      <p:stCondLst>
+                        <p:cond delay="indefinite"/>
+                      </p:stCondLst>
+                      <p:childTnLst>
+                        <p:par>
+                          <p:cTn id="57" fill="hold">
+                            <p:stCondLst>
+                              <p:cond delay="0"/>
+                            </p:stCondLst>
+                            <p:childTnLst>
+                              <p:par>
+                                <p:cTn id="58" presetID="10" presetClass="entr" presetSubtype="0" fill="hold" nodeType="clickEffect">
+                                  <p:stCondLst>
+                                    <p:cond delay="0"/>
+                                  </p:stCondLst>
+                                  <p:childTnLst>
+                                    <p:set>
+                                      <p:cBhvr>
+                                        <p:cTn id="59" dur="1" fill="hold">
+                                          <p:stCondLst>
+                                            <p:cond delay="0"/>
+                                          </p:stCondLst>
+                                        </p:cTn>
+                                        <p:tgtEl>
+                                          <p:spTgt spid="18"/>
+                                        </p:tgtEl>
+                                        <p:attrNameLst>
+                                          <p:attrName>style.visibility</p:attrName>
+                                        </p:attrNameLst>
+                                      </p:cBhvr>
+                                      <p:to>
+                                        <p:strVal val="visible"/>
+                                      </p:to>
+                                    </p:set>
+                                    <p:animEffect transition="in" filter="fade">
+                                      <p:cBhvr>
+                                        <p:cTn id="60" dur="500"/>
+                                        <p:tgtEl>
+                                          <p:spTgt spid="18"/>
+                                        </p:tgtEl>
+                                      </p:cBhvr>
+                                    </p:animEffect>
+                                  </p:childTnLst>
+                                </p:cTn>
+                              </p:par>
+                              <p:par>
+                                <p:cTn id="61" presetID="10" presetClass="entr" presetSubtype="0" fill="hold" nodeType="withEffect">
+                                  <p:stCondLst>
+                                    <p:cond delay="0"/>
+                                  </p:stCondLst>
+                                  <p:childTnLst>
+                                    <p:set>
+                                      <p:cBhvr>
+                                        <p:cTn id="62" dur="1" fill="hold">
+                                          <p:stCondLst>
+                                            <p:cond delay="0"/>
+                                          </p:stCondLst>
+                                        </p:cTn>
+                                        <p:tgtEl>
+                                          <p:spTgt spid="27"/>
+                                        </p:tgtEl>
+                                        <p:attrNameLst>
+                                          <p:attrName>style.visibility</p:attrName>
+                                        </p:attrNameLst>
+                                      </p:cBhvr>
+                                      <p:to>
+                                        <p:strVal val="visible"/>
+                                      </p:to>
+                                    </p:set>
+                                    <p:animEffect transition="in" filter="fade">
+                                      <p:cBhvr>
+                                        <p:cTn id="63" dur="500"/>
+                                        <p:tgtEl>
+                                          <p:spTgt spid="27"/>
+                                        </p:tgtEl>
+                                      </p:cBhvr>
+                                    </p:animEffect>
+                                  </p:childTnLst>
+                                </p:cTn>
+                              </p:par>
+                            </p:childTnLst>
+                          </p:cTn>
+                        </p:par>
+                      </p:childTnLst>
+                    </p:cTn>
+                  </p:par>
+                  <p:par>
+                    <p:cTn id="64" fill="hold">
+                      <p:stCondLst>
+                        <p:cond delay="indefinite"/>
+                      </p:stCondLst>
+                      <p:childTnLst>
+                        <p:par>
+                          <p:cTn id="65" fill="hold">
+                            <p:stCondLst>
+                              <p:cond delay="0"/>
+                            </p:stCondLst>
+                            <p:childTnLst>
+                              <p:par>
+                                <p:cTn id="66" presetID="10" presetClass="entr" presetSubtype="0" fill="hold" nodeType="clickEffect">
+                                  <p:stCondLst>
+                                    <p:cond delay="0"/>
+                                  </p:stCondLst>
+                                  <p:childTnLst>
+                                    <p:set>
+                                      <p:cBhvr>
+                                        <p:cTn id="67" dur="1" fill="hold">
+                                          <p:stCondLst>
+                                            <p:cond delay="0"/>
+                                          </p:stCondLst>
+                                        </p:cTn>
+                                        <p:tgtEl>
+                                          <p:spTgt spid="78"/>
+                                        </p:tgtEl>
+                                        <p:attrNameLst>
+                                          <p:attrName>style.visibility</p:attrName>
+                                        </p:attrNameLst>
+                                      </p:cBhvr>
+                                      <p:to>
+                                        <p:strVal val="visible"/>
+                                      </p:to>
+                                    </p:set>
+                                    <p:animEffect transition="in" filter="fade">
+                                      <p:cBhvr>
+                                        <p:cTn id="68" dur="500"/>
+                                        <p:tgtEl>
+                                          <p:spTgt spid="78"/>
+                                        </p:tgtEl>
+                                      </p:cBhvr>
+                                    </p:animEffect>
+                                  </p:childTnLst>
+                                </p:cTn>
+                              </p:par>
+                            </p:childTnLst>
+                          </p:cTn>
+                        </p:par>
+                      </p:childTnLst>
+                    </p:cTn>
+                  </p:par>
+                  <p:par>
+                    <p:cTn id="69" fill="hold">
+                      <p:stCondLst>
+                        <p:cond delay="indefinite"/>
+                      </p:stCondLst>
+                      <p:childTnLst>
+                        <p:par>
+                          <p:cTn id="70" fill="hold">
+                            <p:stCondLst>
+                              <p:cond delay="0"/>
+                            </p:stCondLst>
+                            <p:childTnLst>
+                              <p:par>
+                                <p:cTn id="71" presetID="10" presetClass="entr" presetSubtype="0" fill="hold" nodeType="clickEffect">
+                                  <p:stCondLst>
+                                    <p:cond delay="0"/>
+                                  </p:stCondLst>
+                                  <p:childTnLst>
+                                    <p:set>
+                                      <p:cBhvr>
+                                        <p:cTn id="72" dur="1" fill="hold">
+                                          <p:stCondLst>
+                                            <p:cond delay="0"/>
+                                          </p:stCondLst>
+                                        </p:cTn>
+                                        <p:tgtEl>
+                                          <p:spTgt spid="134"/>
+                                        </p:tgtEl>
+                                        <p:attrNameLst>
+                                          <p:attrName>style.visibility</p:attrName>
+                                        </p:attrNameLst>
+                                      </p:cBhvr>
+                                      <p:to>
+                                        <p:strVal val="visible"/>
+                                      </p:to>
+                                    </p:set>
+                                    <p:animEffect transition="in" filter="fade">
+                                      <p:cBhvr>
+                                        <p:cTn id="73" dur="500"/>
+                                        <p:tgtEl>
+                                          <p:spTgt spid="134"/>
+                                        </p:tgtEl>
+                                      </p:cBhvr>
+                                    </p:animEffect>
+                                  </p:childTnLst>
+                                </p:cTn>
+                              </p:par>
+                            </p:childTnLst>
+                          </p:cTn>
+                        </p:par>
+                      </p:childTnLst>
+                    </p:cTn>
+                  </p:par>
+                  <p:par>
+                    <p:cTn id="74" fill="hold">
+                      <p:stCondLst>
+                        <p:cond delay="indefinite"/>
+                      </p:stCondLst>
+                      <p:childTnLst>
+                        <p:par>
+                          <p:cTn id="75" fill="hold">
+                            <p:stCondLst>
+                              <p:cond delay="0"/>
+                            </p:stCondLst>
+                            <p:childTnLst>
+                              <p:par>
+                                <p:cTn id="76" presetID="10" presetClass="entr" presetSubtype="0" fill="hold" nodeType="clickEffect">
+                                  <p:stCondLst>
+                                    <p:cond delay="0"/>
+                                  </p:stCondLst>
+                                  <p:childTnLst>
+                                    <p:set>
+                                      <p:cBhvr>
+                                        <p:cTn id="77" dur="1" fill="hold">
+                                          <p:stCondLst>
+                                            <p:cond delay="0"/>
+                                          </p:stCondLst>
+                                        </p:cTn>
+                                        <p:tgtEl>
+                                          <p:spTgt spid="95"/>
+                                        </p:tgtEl>
+                                        <p:attrNameLst>
+                                          <p:attrName>style.visibility</p:attrName>
+                                        </p:attrNameLst>
+                                      </p:cBhvr>
+                                      <p:to>
+                                        <p:strVal val="visible"/>
+                                      </p:to>
+                                    </p:set>
+                                    <p:animEffect transition="in" filter="fade">
+                                      <p:cBhvr>
+                                        <p:cTn id="78" dur="500"/>
+                                        <p:tgtEl>
+                                          <p:spTgt spid="95"/>
+                                        </p:tgtEl>
+                                      </p:cBhvr>
+                                    </p:animEffect>
+                                  </p:childTnLst>
+                                </p:cTn>
+                              </p:par>
+                              <p:par>
+                                <p:cTn id="79" presetID="10" presetClass="entr" presetSubtype="0" fill="hold" nodeType="withEffect">
+                                  <p:stCondLst>
+                                    <p:cond delay="0"/>
+                                  </p:stCondLst>
+                                  <p:childTnLst>
+                                    <p:set>
+                                      <p:cBhvr>
+                                        <p:cTn id="80" dur="1" fill="hold">
+                                          <p:stCondLst>
+                                            <p:cond delay="0"/>
+                                          </p:stCondLst>
+                                        </p:cTn>
+                                        <p:tgtEl>
+                                          <p:spTgt spid="89"/>
+                                        </p:tgtEl>
+                                        <p:attrNameLst>
+                                          <p:attrName>style.visibility</p:attrName>
+                                        </p:attrNameLst>
+                                      </p:cBhvr>
+                                      <p:to>
+                                        <p:strVal val="visible"/>
+                                      </p:to>
+                                    </p:set>
+                                    <p:animEffect transition="in" filter="fade">
+                                      <p:cBhvr>
+                                        <p:cTn id="81" dur="500"/>
+                                        <p:tgtEl>
+                                          <p:spTgt spid="89"/>
+                                        </p:tgtEl>
+                                      </p:cBhvr>
+                                    </p:animEffect>
+                                  </p:childTnLst>
+                                </p:cTn>
+                              </p:par>
+                            </p:childTnLst>
+                          </p:cTn>
+                        </p:par>
+                      </p:childTnLst>
+                    </p:cTn>
+                  </p:par>
+                  <p:par>
+                    <p:cTn id="82" fill="hold">
+                      <p:stCondLst>
+                        <p:cond delay="indefinite"/>
+                      </p:stCondLst>
+                      <p:childTnLst>
+                        <p:par>
+                          <p:cTn id="83" fill="hold">
+                            <p:stCondLst>
+                              <p:cond delay="0"/>
+                            </p:stCondLst>
+                            <p:childTnLst>
+                              <p:par>
+                                <p:cTn id="84" presetID="10" presetClass="entr" presetSubtype="0" fill="hold" nodeType="clickEffect">
+                                  <p:stCondLst>
+                                    <p:cond delay="0"/>
+                                  </p:stCondLst>
+                                  <p:childTnLst>
+                                    <p:set>
+                                      <p:cBhvr>
+                                        <p:cTn id="85" dur="1" fill="hold">
+                                          <p:stCondLst>
+                                            <p:cond delay="0"/>
+                                          </p:stCondLst>
+                                        </p:cTn>
+                                        <p:tgtEl>
+                                          <p:spTgt spid="123"/>
+                                        </p:tgtEl>
+                                        <p:attrNameLst>
+                                          <p:attrName>style.visibility</p:attrName>
+                                        </p:attrNameLst>
+                                      </p:cBhvr>
+                                      <p:to>
+                                        <p:strVal val="visible"/>
+                                      </p:to>
+                                    </p:set>
+                                    <p:animEffect transition="in" filter="fade">
+                                      <p:cBhvr>
+                                        <p:cTn id="86" dur="500"/>
+                                        <p:tgtEl>
+                                          <p:spTgt spid="123"/>
+                                        </p:tgtEl>
+                                      </p:cBhvr>
+                                    </p:animEffect>
+                                  </p:childTnLst>
+                                </p:cTn>
+                              </p:par>
+                              <p:par>
+                                <p:cTn id="87" presetID="10" presetClass="entr" presetSubtype="0" fill="hold" nodeType="withEffect">
+                                  <p:stCondLst>
+                                    <p:cond delay="0"/>
+                                  </p:stCondLst>
+                                  <p:childTnLst>
+                                    <p:set>
+                                      <p:cBhvr>
+                                        <p:cTn id="88" dur="1" fill="hold">
+                                          <p:stCondLst>
+                                            <p:cond delay="0"/>
+                                          </p:stCondLst>
+                                        </p:cTn>
+                                        <p:tgtEl>
+                                          <p:spTgt spid="127"/>
+                                        </p:tgtEl>
+                                        <p:attrNameLst>
+                                          <p:attrName>style.visibility</p:attrName>
+                                        </p:attrNameLst>
+                                      </p:cBhvr>
+                                      <p:to>
+                                        <p:strVal val="visible"/>
+                                      </p:to>
+                                    </p:set>
+                                    <p:animEffect transition="in" filter="fade">
+                                      <p:cBhvr>
+                                        <p:cTn id="89" dur="500"/>
+                                        <p:tgtEl>
+                                          <p:spTgt spid="127"/>
+                                        </p:tgtEl>
+                                      </p:cBhvr>
+                                    </p:animEffect>
+                                  </p:childTnLst>
+                                </p:cTn>
+                              </p:par>
+                              <p:par>
+                                <p:cTn id="90" presetID="10" presetClass="entr" presetSubtype="0" fill="hold" nodeType="withEffect">
+                                  <p:stCondLst>
+                                    <p:cond delay="0"/>
+                                  </p:stCondLst>
+                                  <p:childTnLst>
+                                    <p:set>
+                                      <p:cBhvr>
+                                        <p:cTn id="91" dur="1" fill="hold">
+                                          <p:stCondLst>
+                                            <p:cond delay="0"/>
+                                          </p:stCondLst>
+                                        </p:cTn>
+                                        <p:tgtEl>
+                                          <p:spTgt spid="131"/>
+                                        </p:tgtEl>
+                                        <p:attrNameLst>
+                                          <p:attrName>style.visibility</p:attrName>
+                                        </p:attrNameLst>
+                                      </p:cBhvr>
+                                      <p:to>
+                                        <p:strVal val="visible"/>
+                                      </p:to>
+                                    </p:set>
+                                    <p:animEffect transition="in" filter="fade">
+                                      <p:cBhvr>
+                                        <p:cTn id="92" dur="500"/>
+                                        <p:tgtEl>
+                                          <p:spTgt spid="131"/>
+                                        </p:tgtEl>
+                                      </p:cBhvr>
+                                    </p:animEffect>
+                                  </p:childTnLst>
+                                </p:cTn>
+                              </p:par>
+                              <p:par>
+                                <p:cTn id="93" presetID="10" presetClass="entr" presetSubtype="0" fill="hold" nodeType="withEffect">
+                                  <p:stCondLst>
+                                    <p:cond delay="0"/>
+                                  </p:stCondLst>
+                                  <p:childTnLst>
+                                    <p:set>
+                                      <p:cBhvr>
+                                        <p:cTn id="94" dur="1" fill="hold">
+                                          <p:stCondLst>
+                                            <p:cond delay="0"/>
+                                          </p:stCondLst>
+                                        </p:cTn>
+                                        <p:tgtEl>
+                                          <p:spTgt spid="133"/>
+                                        </p:tgtEl>
+                                        <p:attrNameLst>
+                                          <p:attrName>style.visibility</p:attrName>
+                                        </p:attrNameLst>
+                                      </p:cBhvr>
+                                      <p:to>
+                                        <p:strVal val="visible"/>
+                                      </p:to>
+                                    </p:set>
+                                    <p:animEffect transition="in" filter="fade">
+                                      <p:cBhvr>
+                                        <p:cTn id="95" dur="500"/>
+                                        <p:tgtEl>
+                                          <p:spTgt spid="133"/>
+                                        </p:tgtEl>
+                                      </p:cBhvr>
+                                    </p:animEffect>
+                                  </p:childTnLst>
+                                </p:cTn>
+                              </p:par>
+                              <p:par>
+                                <p:cTn id="96" presetID="10" presetClass="entr" presetSubtype="0" fill="hold" nodeType="withEffect">
+                                  <p:stCondLst>
+                                    <p:cond delay="0"/>
+                                  </p:stCondLst>
+                                  <p:childTnLst>
+                                    <p:set>
+                                      <p:cBhvr>
+                                        <p:cTn id="97" dur="1" fill="hold">
+                                          <p:stCondLst>
+                                            <p:cond delay="0"/>
+                                          </p:stCondLst>
+                                        </p:cTn>
+                                        <p:tgtEl>
+                                          <p:spTgt spid="120"/>
+                                        </p:tgtEl>
+                                        <p:attrNameLst>
+                                          <p:attrName>style.visibility</p:attrName>
+                                        </p:attrNameLst>
+                                      </p:cBhvr>
+                                      <p:to>
+                                        <p:strVal val="visible"/>
+                                      </p:to>
+                                    </p:set>
+                                    <p:animEffect transition="in" filter="fade">
+                                      <p:cBhvr>
+                                        <p:cTn id="98" dur="500"/>
+                                        <p:tgtEl>
+                                          <p:spTgt spid="120"/>
+                                        </p:tgtEl>
+                                      </p:cBhvr>
+                                    </p:animEffect>
+                                  </p:childTnLst>
+                                </p:cTn>
+                              </p:par>
+                              <p:par>
+                                <p:cTn id="99" presetID="10" presetClass="entr" presetSubtype="0" fill="hold" nodeType="withEffect">
+                                  <p:stCondLst>
+                                    <p:cond delay="0"/>
+                                  </p:stCondLst>
+                                  <p:childTnLst>
+                                    <p:set>
+                                      <p:cBhvr>
+                                        <p:cTn id="100" dur="1" fill="hold">
+                                          <p:stCondLst>
+                                            <p:cond delay="0"/>
+                                          </p:stCondLst>
+                                        </p:cTn>
+                                        <p:tgtEl>
+                                          <p:spTgt spid="121"/>
+                                        </p:tgtEl>
+                                        <p:attrNameLst>
+                                          <p:attrName>style.visibility</p:attrName>
+                                        </p:attrNameLst>
+                                      </p:cBhvr>
+                                      <p:to>
+                                        <p:strVal val="visible"/>
+                                      </p:to>
+                                    </p:set>
+                                    <p:animEffect transition="in" filter="fade">
+                                      <p:cBhvr>
+                                        <p:cTn id="101" dur="500"/>
+                                        <p:tgtEl>
+                                          <p:spTgt spid="121"/>
+                                        </p:tgtEl>
+                                      </p:cBhvr>
+                                    </p:animEffect>
+                                  </p:childTnLst>
+                                </p:cTn>
+                              </p:par>
+                              <p:par>
+                                <p:cTn id="102" presetID="10" presetClass="entr" presetSubtype="0" fill="hold" nodeType="withEffect">
+                                  <p:stCondLst>
+                                    <p:cond delay="0"/>
+                                  </p:stCondLst>
+                                  <p:childTnLst>
+                                    <p:set>
+                                      <p:cBhvr>
+                                        <p:cTn id="103" dur="1" fill="hold">
+                                          <p:stCondLst>
+                                            <p:cond delay="0"/>
+                                          </p:stCondLst>
+                                        </p:cTn>
+                                        <p:tgtEl>
+                                          <p:spTgt spid="111"/>
+                                        </p:tgtEl>
+                                        <p:attrNameLst>
+                                          <p:attrName>style.visibility</p:attrName>
+                                        </p:attrNameLst>
+                                      </p:cBhvr>
+                                      <p:to>
+                                        <p:strVal val="visible"/>
+                                      </p:to>
+                                    </p:set>
+                                    <p:animEffect transition="in" filter="fade">
+                                      <p:cBhvr>
+                                        <p:cTn id="104" dur="500"/>
+                                        <p:tgtEl>
+                                          <p:spTgt spid="111"/>
+                                        </p:tgtEl>
+                                      </p:cBhvr>
+                                    </p:animEffect>
+                                  </p:childTnLst>
+                                </p:cTn>
+                              </p:par>
+                              <p:par>
+                                <p:cTn id="105" presetID="10" presetClass="entr" presetSubtype="0" fill="hold" nodeType="withEffect">
+                                  <p:stCondLst>
+                                    <p:cond delay="0"/>
+                                  </p:stCondLst>
+                                  <p:childTnLst>
+                                    <p:set>
+                                      <p:cBhvr>
+                                        <p:cTn id="106" dur="1" fill="hold">
+                                          <p:stCondLst>
+                                            <p:cond delay="0"/>
+                                          </p:stCondLst>
+                                        </p:cTn>
+                                        <p:tgtEl>
+                                          <p:spTgt spid="109"/>
+                                        </p:tgtEl>
+                                        <p:attrNameLst>
+                                          <p:attrName>style.visibility</p:attrName>
+                                        </p:attrNameLst>
+                                      </p:cBhvr>
+                                      <p:to>
+                                        <p:strVal val="visible"/>
+                                      </p:to>
+                                    </p:set>
+                                    <p:animEffect transition="in" filter="fade">
+                                      <p:cBhvr>
+                                        <p:cTn id="107" dur="500"/>
+                                        <p:tgtEl>
+                                          <p:spTgt spid="109"/>
+                                        </p:tgtEl>
+                                      </p:cBhvr>
+                                    </p:animEffect>
+                                  </p:childTnLst>
+                                </p:cTn>
+                              </p:par>
+                              <p:par>
+                                <p:cTn id="108" presetID="10" presetClass="entr" presetSubtype="0" fill="hold" nodeType="withEffect">
+                                  <p:stCondLst>
+                                    <p:cond delay="0"/>
+                                  </p:stCondLst>
+                                  <p:childTnLst>
+                                    <p:set>
+                                      <p:cBhvr>
+                                        <p:cTn id="109" dur="1" fill="hold">
+                                          <p:stCondLst>
+                                            <p:cond delay="0"/>
+                                          </p:stCondLst>
+                                        </p:cTn>
+                                        <p:tgtEl>
+                                          <p:spTgt spid="107"/>
+                                        </p:tgtEl>
+                                        <p:attrNameLst>
+                                          <p:attrName>style.visibility</p:attrName>
+                                        </p:attrNameLst>
+                                      </p:cBhvr>
+                                      <p:to>
+                                        <p:strVal val="visible"/>
+                                      </p:to>
+                                    </p:set>
+                                    <p:animEffect transition="in" filter="fade">
+                                      <p:cBhvr>
+                                        <p:cTn id="110" dur="500"/>
+                                        <p:tgtEl>
+                                          <p:spTgt spid="107"/>
+                                        </p:tgtEl>
+                                      </p:cBhvr>
+                                    </p:animEffect>
+                                  </p:childTnLst>
+                                </p:cTn>
+                              </p:par>
+                              <p:par>
+                                <p:cTn id="111" presetID="10" presetClass="entr" presetSubtype="0" fill="hold" nodeType="withEffect">
+                                  <p:stCondLst>
+                                    <p:cond delay="0"/>
+                                  </p:stCondLst>
+                                  <p:childTnLst>
+                                    <p:set>
+                                      <p:cBhvr>
+                                        <p:cTn id="112" dur="1" fill="hold">
+                                          <p:stCondLst>
+                                            <p:cond delay="0"/>
+                                          </p:stCondLst>
+                                        </p:cTn>
+                                        <p:tgtEl>
+                                          <p:spTgt spid="105"/>
+                                        </p:tgtEl>
+                                        <p:attrNameLst>
+                                          <p:attrName>style.visibility</p:attrName>
+                                        </p:attrNameLst>
+                                      </p:cBhvr>
+                                      <p:to>
+                                        <p:strVal val="visible"/>
+                                      </p:to>
+                                    </p:set>
+                                    <p:animEffect transition="in" filter="fade">
+                                      <p:cBhvr>
+                                        <p:cTn id="113" dur="500"/>
+                                        <p:tgtEl>
+                                          <p:spTgt spid="105"/>
+                                        </p:tgtEl>
+                                      </p:cBhvr>
+                                    </p:animEffect>
+                                  </p:childTnLst>
+                                </p:cTn>
+                              </p:par>
+                              <p:par>
+                                <p:cTn id="114" presetID="10" presetClass="entr" presetSubtype="0" fill="hold" nodeType="withEffect">
+                                  <p:stCondLst>
+                                    <p:cond delay="0"/>
+                                  </p:stCondLst>
+                                  <p:childTnLst>
+                                    <p:set>
+                                      <p:cBhvr>
+                                        <p:cTn id="115" dur="1" fill="hold">
+                                          <p:stCondLst>
+                                            <p:cond delay="0"/>
+                                          </p:stCondLst>
+                                        </p:cTn>
+                                        <p:tgtEl>
+                                          <p:spTgt spid="102"/>
+                                        </p:tgtEl>
+                                        <p:attrNameLst>
+                                          <p:attrName>style.visibility</p:attrName>
+                                        </p:attrNameLst>
+                                      </p:cBhvr>
+                                      <p:to>
+                                        <p:strVal val="visible"/>
+                                      </p:to>
+                                    </p:set>
+                                    <p:animEffect transition="in" filter="fade">
+                                      <p:cBhvr>
+                                        <p:cTn id="116" dur="500"/>
+                                        <p:tgtEl>
+                                          <p:spTgt spid="102"/>
+                                        </p:tgtEl>
+                                      </p:cBhvr>
+                                    </p:animEffect>
+                                  </p:childTnLst>
+                                </p:cTn>
+                              </p:par>
+                            </p:childTnLst>
+                          </p:cTn>
+                        </p:par>
+                      </p:childTnLst>
+                    </p:cTn>
+                  </p:par>
+                </p:childTnLst>
+              </p:cTn>
+              <p:prevCondLst>
+                <p:cond evt="onPrev" delay="0">
+                  <p:tgtEl>
+                    <p:sldTgt/>
+                  </p:tgtEl>
+                </p:cond>
+              </p:prevCondLst>
+              <p:nextCondLst>
+                <p:cond evt="onNext" delay="0">
+                  <p:tgtEl>
+                    <p:sldTgt/>
+                  </p:tgtEl>
+                </p:cond>
+              </p:nextCondLst>
+            </p:seq>
+          </p:childTnLst>
+        </p:cTn>
+      </p:par>
+    </p:tnLst>
+    <p:bldLst>
+      <p:bldP spid="8" grpId="0"/>
+    </p:bldLst>
+  </p:timing>
+</p:sld>
+</file>
+
+<file path=ppt/slides/slide4.xml><?xml version="1.0" encoding="utf-8"?>
+<p:sld xmlns:a="http://schemas.openxmlformats.org/drawingml/2006/main" xmlns:r="http://schemas.openxmlformats.org/officeDocument/2006/relationships" xmlns:p="http://schemas.openxmlformats.org/presentationml/2006/main">
+  <p:cSld>
+    <p:spTree>
+      <p:nvGrpSpPr>
+        <p:cNvPr id="1" name="">
+          <a:extLst>
+            <a:ext uri="{FF2B5EF4-FFF2-40B4-BE49-F238E27FC236}">
+              <a16:creationId xmlns:a16="http://schemas.microsoft.com/office/drawing/2014/main" id="{7DA66DBD-58D1-A618-9B54-93286D494E3F}"/>
+            </a:ext>
+          </a:extLst>
+        </p:cNvPr>
+        <p:cNvGrpSpPr/>
+        <p:nvPr/>
+      </p:nvGrpSpPr>
+      <p:grpSpPr>
+        <a:xfrm>
+          <a:off x="0" y="0"/>
+          <a:ext cx="0" cy="0"/>
+          <a:chOff x="0" y="0"/>
+          <a:chExt cx="0" cy="0"/>
+        </a:xfrm>
+      </p:grpSpPr>
+      <p:sp>
+        <p:nvSpPr>
+          <p:cNvPr id="4" name="Espace réservé du numéro de diapositive 3">
+            <a:extLst>
+              <a:ext uri="{FF2B5EF4-FFF2-40B4-BE49-F238E27FC236}">
+                <a16:creationId xmlns:a16="http://schemas.microsoft.com/office/drawing/2014/main" id="{1757EE00-F228-6B4C-C865-D181AFBEC684}"/>
+              </a:ext>
+            </a:extLst>
+          </p:cNvPr>
+          <p:cNvSpPr>
+            <a:spLocks noGrp="1"/>
+          </p:cNvSpPr>
+          <p:nvPr>
+            <p:ph type="sldNum" sz="quarter" idx="12"/>
+          </p:nvPr>
+        </p:nvSpPr>
+        <p:spPr/>
+        <p:txBody>
+          <a:bodyPr/>
+          <a:lstStyle/>
+          <a:p>
+            <a:fld id="{D2B4BBCC-EA5B-4A7E-8C0A-AC47B4F5C809}" type="slidenum">
+              <a:rPr lang="fr-FR" smtClean="0"/>
+              <a:pPr/>
+              <a:t>4</a:t>
+            </a:fld>
+            <a:endParaRPr lang="fr-FR" dirty="0"/>
+          </a:p>
+        </p:txBody>
+      </p:sp>
+      <p:sp>
+        <p:nvSpPr>
+          <p:cNvPr id="8" name="TextBox 6">
+            <a:extLst>
+              <a:ext uri="{FF2B5EF4-FFF2-40B4-BE49-F238E27FC236}">
+                <a16:creationId xmlns:a16="http://schemas.microsoft.com/office/drawing/2014/main" id="{0667BB2C-BC3F-6C1A-66A8-6D43574F4699}"/>
+              </a:ext>
+            </a:extLst>
+          </p:cNvPr>
+          <p:cNvSpPr txBox="1"/>
+          <p:nvPr/>
+        </p:nvSpPr>
+        <p:spPr>
+          <a:xfrm>
+            <a:off x="303108" y="2818632"/>
+            <a:ext cx="11416139" cy="769441"/>
+          </a:xfrm>
+          <a:prstGeom prst="rect">
+            <a:avLst/>
+          </a:prstGeom>
+          <a:noFill/>
+        </p:spPr>
+        <p:txBody>
+          <a:bodyPr wrap="square" rtlCol="0">
+            <a:spAutoFit/>
+          </a:bodyPr>
+          <a:lstStyle/>
+          <a:p>
+            <a:pPr algn="ctr"/>
+            <a:r>
+              <a:rPr lang="en-US" sz="4400" b="1" spc="300" dirty="0">
+                <a:solidFill>
+                  <a:schemeClr val="tx1">
+                    <a:lumMod val="95000"/>
+                    <a:lumOff val="5000"/>
+                  </a:schemeClr>
+                </a:solidFill>
+                <a:latin typeface="Montserrat SemiBold" panose="00000700000000000000" pitchFamily="2" charset="0"/>
+              </a:rPr>
+              <a:t>Technologies Used</a:t>
+            </a:r>
+            <a:endParaRPr lang="lt-LT" sz="4400" b="1" spc="300" dirty="0">
+              <a:solidFill>
+                <a:schemeClr val="tx1">
+                  <a:lumMod val="95000"/>
+                  <a:lumOff val="5000"/>
+                </a:schemeClr>
+              </a:solidFill>
+              <a:latin typeface="Montserrat SemiBold" panose="00000700000000000000" pitchFamily="2" charset="0"/>
+            </a:endParaRPr>
+          </a:p>
+        </p:txBody>
+      </p:sp>
+      <p:pic>
+        <p:nvPicPr>
+          <p:cNvPr id="2" name="Image 3">
+            <a:extLst>
+              <a:ext uri="{FF2B5EF4-FFF2-40B4-BE49-F238E27FC236}">
+                <a16:creationId xmlns:a16="http://schemas.microsoft.com/office/drawing/2014/main" id="{42F2F171-7E06-884F-7649-00A9123EF451}"/>
+              </a:ext>
+            </a:extLst>
+          </p:cNvPr>
+          <p:cNvPicPr>
+            <a:picLocks noChangeAspect="1"/>
+          </p:cNvPicPr>
+          <p:nvPr/>
+        </p:nvPicPr>
+        <p:blipFill>
+          <a:blip r:embed="rId2" cstate="print">
+            <a:extLst>
+              <a:ext uri="{28A0092B-C50C-407E-A947-70E740481C1C}">
+                <a14:useLocalDpi xmlns:a14="http://schemas.microsoft.com/office/drawing/2010/main" val="0"/>
+              </a:ext>
+            </a:extLst>
+          </a:blip>
+          <a:srcRect/>
+          <a:stretch>
+            <a:fillRect/>
+          </a:stretch>
+        </p:blipFill>
+        <p:spPr bwMode="auto">
+          <a:xfrm>
+            <a:off x="11492202" y="26323"/>
+            <a:ext cx="454091" cy="495400"/>
+          </a:xfrm>
+          <a:prstGeom prst="rect">
+            <a:avLst/>
+          </a:prstGeom>
+          <a:noFill/>
+          <a:ln>
+            <a:noFill/>
+          </a:ln>
+        </p:spPr>
+      </p:pic>
+      <p:pic>
+        <p:nvPicPr>
+          <p:cNvPr id="11" name="Picture 10">
+            <a:extLst>
+              <a:ext uri="{FF2B5EF4-FFF2-40B4-BE49-F238E27FC236}">
+                <a16:creationId xmlns:a16="http://schemas.microsoft.com/office/drawing/2014/main" id="{70F90DF8-AD8C-3225-4A54-1FF2AA694A29}"/>
+              </a:ext>
+            </a:extLst>
+          </p:cNvPr>
+          <p:cNvPicPr>
+            <a:picLocks noChangeAspect="1"/>
+          </p:cNvPicPr>
+          <p:nvPr/>
+        </p:nvPicPr>
+        <p:blipFill>
+          <a:blip r:embed="rId3" cstate="print">
+            <a:extLst>
+              <a:ext uri="{28A0092B-C50C-407E-A947-70E740481C1C}">
+                <a14:useLocalDpi xmlns:a14="http://schemas.microsoft.com/office/drawing/2010/main" val="0"/>
+              </a:ext>
+            </a:extLst>
+          </a:blip>
+          <a:srcRect l="11964" t="37402" b="35660"/>
+          <a:stretch/>
+        </p:blipFill>
+        <p:spPr>
+          <a:xfrm>
+            <a:off x="85407" y="6166600"/>
+            <a:ext cx="2802129" cy="584775"/>
+          </a:xfrm>
+          <a:prstGeom prst="rect">
+            <a:avLst/>
+          </a:prstGeom>
+        </p:spPr>
+      </p:pic>
+    </p:spTree>
+    <p:extLst>
+      <p:ext uri="{BB962C8B-B14F-4D97-AF65-F5344CB8AC3E}">
+        <p14:creationId xmlns:p14="http://schemas.microsoft.com/office/powerpoint/2010/main" val="972672653"/>
+      </p:ext>
+    </p:extLst>
+  </p:cSld>
+  <p:clrMapOvr>
+    <a:masterClrMapping/>
+  </p:clrMapOvr>
+  <mc:AlternateContent xmlns:mc="http://schemas.openxmlformats.org/markup-compatibility/2006">
+    <mc:Choice xmlns:p159="http://schemas.microsoft.com/office/powerpoint/2015/09/main" Requires="p159">
+      <p:transition xmlns:p14="http://schemas.microsoft.com/office/powerpoint/2010/main" p14:dur="250">
+        <p159:morph option="byObject"/>
+      </p:transition>
+    </mc:Choice>
+    <mc:Fallback>
+      <p:transition>
+        <p:fade/>
+      </p:transition>
+    </mc:Fallback>
+  </mc:AlternateContent>
+  <p:timing>
+    <p:tnLst>
+      <p:par>
+        <p:cTn id="1" dur="indefinite" restart="never" nodeType="tmRoot">
+          <p:childTnLst>
+            <p:seq concurrent="1" nextAc="seek">
+              <p:cTn id="2" dur="indefinite" nodeType="mainSeq">
+                <p:childTnLst>
+                  <p:par>
+                    <p:cTn id="3" fill="hold">
+                      <p:stCondLst>
+                        <p:cond delay="indefinite"/>
+                        <p:cond evt="onBegin" delay="0">
+                          <p:tn val="2"/>
+                        </p:cond>
+                      </p:stCondLst>
+                      <p:childTnLst>
+                        <p:par>
+                          <p:cTn id="4" fill="hold">
+                            <p:stCondLst>
+                              <p:cond delay="0"/>
+                            </p:stCondLst>
+                            <p:childTnLst>
+                              <p:par>
+                                <p:cTn id="5" presetID="2" presetClass="entr" presetSubtype="8" fill="hold" grpId="0" nodeType="withEffect">
+                                  <p:stCondLst>
+                                    <p:cond delay="0"/>
+                                  </p:stCondLst>
+                                  <p:childTnLst>
+                                    <p:set>
+                                      <p:cBhvr>
+                                        <p:cTn id="6" dur="1" fill="hold">
+                                          <p:stCondLst>
+                                            <p:cond delay="0"/>
+                                          </p:stCondLst>
+                                        </p:cTn>
+                                        <p:tgtEl>
+                                          <p:spTgt spid="8"/>
+                                        </p:tgtEl>
+                                        <p:attrNameLst>
+                                          <p:attrName>style.visibility</p:attrName>
+                                        </p:attrNameLst>
+                                      </p:cBhvr>
+                                      <p:to>
+                                        <p:strVal val="visible"/>
+                                      </p:to>
+                                    </p:set>
+                                    <p:anim calcmode="lin" valueType="num">
+                                      <p:cBhvr additive="base">
+                                        <p:cTn id="7" dur="500" fill="hold"/>
+                                        <p:tgtEl>
+                                          <p:spTgt spid="8"/>
+                                        </p:tgtEl>
+                                        <p:attrNameLst>
+                                          <p:attrName>ppt_x</p:attrName>
+                                        </p:attrNameLst>
+                                      </p:cBhvr>
+                                      <p:tavLst>
+                                        <p:tav tm="0">
+                                          <p:val>
+                                            <p:strVal val="0-#ppt_w/2"/>
+                                          </p:val>
+                                        </p:tav>
+                                        <p:tav tm="100000">
+                                          <p:val>
+                                            <p:strVal val="#ppt_x"/>
+                                          </p:val>
+                                        </p:tav>
+                                      </p:tavLst>
+                                    </p:anim>
+                                    <p:anim calcmode="lin" valueType="num">
+                                      <p:cBhvr additive="base">
+                                        <p:cTn id="8" dur="500" fill="hold"/>
+                                        <p:tgtEl>
+                                          <p:spTgt spid="8"/>
+                                        </p:tgtEl>
+                                        <p:attrNameLst>
+                                          <p:attrName>ppt_y</p:attrName>
+                                        </p:attrNameLst>
+                                      </p:cBhvr>
+                                      <p:tavLst>
+                                        <p:tav tm="0">
+                                          <p:val>
+                                            <p:strVal val="#ppt_y"/>
+                                          </p:val>
+                                        </p:tav>
+                                        <p:tav tm="100000">
+                                          <p:val>
+                                            <p:strVal val="#ppt_y"/>
+                                          </p:val>
+                                        </p:tav>
+                                      </p:tavLst>
+                                    </p:anim>
+                                  </p:childTnLst>
+                                </p:cTn>
+                              </p:par>
+                              <p:par>
+                                <p:cTn id="9" presetID="1" presetClass="entr" presetSubtype="0" fill="hold" nodeType="withEffect">
+                                  <p:stCondLst>
+                                    <p:cond delay="0"/>
+                                  </p:stCondLst>
+                                  <p:childTnLst>
+                                    <p:set>
+                                      <p:cBhvr>
+                                        <p:cTn id="10" dur="1" fill="hold">
+                                          <p:stCondLst>
+                                            <p:cond delay="0"/>
+                                          </p:stCondLst>
+                                        </p:cTn>
+                                        <p:tgtEl>
+                                          <p:spTgt spid="2"/>
+                                        </p:tgtEl>
+                                        <p:attrNameLst>
+                                          <p:attrName>style.visibility</p:attrName>
+                                        </p:attrNameLst>
+                                      </p:cBhvr>
+                                      <p:to>
+                                        <p:strVal val="visible"/>
+                                      </p:to>
+                                    </p:set>
+                                  </p:childTnLst>
+                                </p:cTn>
+                              </p:par>
+                            </p:childTnLst>
+                          </p:cTn>
+                        </p:par>
+                      </p:childTnLst>
+                    </p:cTn>
+                  </p:par>
+                </p:childTnLst>
+              </p:cTn>
+              <p:prevCondLst>
+                <p:cond evt="onPrev" delay="0">
+                  <p:tgtEl>
+                    <p:sldTgt/>
+                  </p:tgtEl>
+                </p:cond>
+              </p:prevCondLst>
+              <p:nextCondLst>
+                <p:cond evt="onNext" delay="0">
+                  <p:tgtEl>
+                    <p:sldTgt/>
+                  </p:tgtEl>
+                </p:cond>
+              </p:nextCondLst>
+            </p:seq>
+          </p:childTnLst>
+        </p:cTn>
+      </p:par>
+    </p:tnLst>
+    <p:bldLst>
+      <p:bldP spid="8" grpId="0"/>
+    </p:bldLst>
+  </p:timing>
+</p:sld>
+</file>
+
+<file path=ppt/slides/slide5.xml><?xml version="1.0" encoding="utf-8"?>
+<p:sld xmlns:a="http://schemas.openxmlformats.org/drawingml/2006/main" xmlns:r="http://schemas.openxmlformats.org/officeDocument/2006/relationships" xmlns:p="http://schemas.openxmlformats.org/presentationml/2006/main">
+  <p:cSld>
+    <p:spTree>
+      <p:nvGrpSpPr>
         <p:cNvPr id="1" name=""/>
         <p:cNvGrpSpPr/>
         <p:nvPr/>
@@ -8333,7 +13417,7 @@
             <a:fld id="{D2B4BBCC-EA5B-4A7E-8C0A-AC47B4F5C809}" type="slidenum">
               <a:rPr lang="fr-FR" smtClean="0"/>
               <a:pPr/>
-              <a:t>3</a:t>
+              <a:t>5</a:t>
             </a:fld>
             <a:endParaRPr lang="fr-FR" dirty="0"/>
           </a:p>
@@ -8890,7 +13974,7 @@
 </p:sld>
 </file>
 
-<file path=ppt/slides/slide4.xml><?xml version="1.0" encoding="utf-8"?>
+<file path=ppt/slides/slide6.xml><?xml version="1.0" encoding="utf-8"?>
 <p:sld xmlns:a="http://schemas.openxmlformats.org/drawingml/2006/main" xmlns:r="http://schemas.openxmlformats.org/officeDocument/2006/relationships" xmlns:p="http://schemas.openxmlformats.org/presentationml/2006/main">
   <p:cSld>
     <p:spTree>
@@ -8942,7 +14026,7 @@
             <a:fld id="{D2B4BBCC-EA5B-4A7E-8C0A-AC47B4F5C809}" type="slidenum">
               <a:rPr lang="fr-FR" smtClean="0"/>
               <a:pPr/>
-              <a:t>4</a:t>
+              <a:t>6</a:t>
             </a:fld>
             <a:endParaRPr lang="fr-FR" dirty="0"/>
           </a:p>
@@ -9558,7 +14642,7 @@
 </p:sld>
 </file>
 
-<file path=ppt/slides/slide5.xml><?xml version="1.0" encoding="utf-8"?>
+<file path=ppt/slides/slide7.xml><?xml version="1.0" encoding="utf-8"?>
 <p:sld xmlns:a="http://schemas.openxmlformats.org/drawingml/2006/main" xmlns:r="http://schemas.openxmlformats.org/officeDocument/2006/relationships" xmlns:p="http://schemas.openxmlformats.org/presentationml/2006/main">
   <p:cSld>
     <p:spTree>
@@ -9610,7 +14694,7 @@
             <a:fld id="{D2B4BBCC-EA5B-4A7E-8C0A-AC47B4F5C809}" type="slidenum">
               <a:rPr lang="fr-FR" smtClean="0"/>
               <a:pPr/>
-              <a:t>5</a:t>
+              <a:t>7</a:t>
             </a:fld>
             <a:endParaRPr lang="fr-FR" dirty="0"/>
           </a:p>
@@ -10261,7 +15345,7 @@
 </p:sld>
 </file>
 
-<file path=ppt/slides/slide6.xml><?xml version="1.0" encoding="utf-8"?>
+<file path=ppt/slides/slide8.xml><?xml version="1.0" encoding="utf-8"?>
 <p:sld xmlns:a="http://schemas.openxmlformats.org/drawingml/2006/main" xmlns:r="http://schemas.openxmlformats.org/officeDocument/2006/relationships" xmlns:p="http://schemas.openxmlformats.org/presentationml/2006/main">
   <p:cSld>
     <p:spTree>
@@ -10313,7 +15397,7 @@
             <a:fld id="{D2B4BBCC-EA5B-4A7E-8C0A-AC47B4F5C809}" type="slidenum">
               <a:rPr lang="fr-FR" smtClean="0"/>
               <a:pPr/>
-              <a:t>6</a:t>
+              <a:t>8</a:t>
             </a:fld>
             <a:endParaRPr lang="fr-FR" dirty="0"/>
           </a:p>
@@ -10999,7 +16083,7 @@
 </p:sld>
 </file>
 
-<file path=ppt/slides/slide7.xml><?xml version="1.0" encoding="utf-8"?>
+<file path=ppt/slides/slide9.xml><?xml version="1.0" encoding="utf-8"?>
 <p:sld xmlns:a="http://schemas.openxmlformats.org/drawingml/2006/main" xmlns:r="http://schemas.openxmlformats.org/officeDocument/2006/relationships" xmlns:p="http://schemas.openxmlformats.org/presentationml/2006/main">
   <p:cSld>
     <p:spTree>
@@ -11051,7 +16135,7 @@
             <a:fld id="{D2B4BBCC-EA5B-4A7E-8C0A-AC47B4F5C809}" type="slidenum">
               <a:rPr lang="fr-FR" smtClean="0"/>
               <a:pPr/>
-              <a:t>7</a:t>
+              <a:t>9</a:t>
             </a:fld>
             <a:endParaRPr lang="fr-FR" dirty="0"/>
           </a:p>
@@ -11751,1711 +16835,6 @@
     <p:extLst>
       <p:ext uri="{BB962C8B-B14F-4D97-AF65-F5344CB8AC3E}">
         <p14:creationId xmlns:p14="http://schemas.microsoft.com/office/powerpoint/2010/main" val="4294870303"/>
-      </p:ext>
-    </p:extLst>
-  </p:cSld>
-  <p:clrMapOvr>
-    <a:masterClrMapping/>
-  </p:clrMapOvr>
-  <mc:AlternateContent xmlns:mc="http://schemas.openxmlformats.org/markup-compatibility/2006" xmlns:p14="http://schemas.microsoft.com/office/powerpoint/2010/main">
-    <mc:Choice Requires="p14">
-      <p:transition spd="med" p14:dur="700">
-        <p:fade/>
-      </p:transition>
-    </mc:Choice>
-    <mc:Fallback xmlns="">
-      <p:transition spd="med">
-        <p:fade/>
-      </p:transition>
-    </mc:Fallback>
-  </mc:AlternateContent>
-</p:sld>
-</file>
-
-<file path=ppt/slides/slide8.xml><?xml version="1.0" encoding="utf-8"?>
-<p:sld xmlns:a="http://schemas.openxmlformats.org/drawingml/2006/main" xmlns:r="http://schemas.openxmlformats.org/officeDocument/2006/relationships" xmlns:p="http://schemas.openxmlformats.org/presentationml/2006/main">
-  <p:cSld>
-    <p:spTree>
-      <p:nvGrpSpPr>
-        <p:cNvPr id="1" name="">
-          <a:extLst>
-            <a:ext uri="{FF2B5EF4-FFF2-40B4-BE49-F238E27FC236}">
-              <a16:creationId xmlns:a16="http://schemas.microsoft.com/office/drawing/2014/main" id="{CF1C6B4D-4032-5BFB-91A7-74C110AE8255}"/>
-            </a:ext>
-          </a:extLst>
-        </p:cNvPr>
-        <p:cNvGrpSpPr/>
-        <p:nvPr/>
-      </p:nvGrpSpPr>
-      <p:grpSpPr>
-        <a:xfrm>
-          <a:off x="0" y="0"/>
-          <a:ext cx="0" cy="0"/>
-          <a:chOff x="0" y="0"/>
-          <a:chExt cx="0" cy="0"/>
-        </a:xfrm>
-      </p:grpSpPr>
-      <p:sp>
-        <p:nvSpPr>
-          <p:cNvPr id="2" name="Espace réservé du numéro de diapositive 1">
-            <a:extLst>
-              <a:ext uri="{FF2B5EF4-FFF2-40B4-BE49-F238E27FC236}">
-                <a16:creationId xmlns:a16="http://schemas.microsoft.com/office/drawing/2014/main" id="{C95EEADD-1703-AD46-22C1-286FB32A644D}"/>
-              </a:ext>
-            </a:extLst>
-          </p:cNvPr>
-          <p:cNvSpPr>
-            <a:spLocks noGrp="1"/>
-          </p:cNvSpPr>
-          <p:nvPr>
-            <p:ph type="sldNum" sz="quarter" idx="12"/>
-          </p:nvPr>
-        </p:nvSpPr>
-        <p:spPr>
-          <a:xfrm>
-            <a:off x="11719250" y="6487122"/>
-            <a:ext cx="454090" cy="365125"/>
-          </a:xfrm>
-        </p:spPr>
-        <p:txBody>
-          <a:bodyPr/>
-          <a:lstStyle/>
-          <a:p>
-            <a:fld id="{D2B4BBCC-EA5B-4A7E-8C0A-AC47B4F5C809}" type="slidenum">
-              <a:rPr lang="fr-FR" smtClean="0"/>
-              <a:pPr/>
-              <a:t>8</a:t>
-            </a:fld>
-            <a:endParaRPr lang="fr-FR" dirty="0"/>
-          </a:p>
-        </p:txBody>
-      </p:sp>
-      <p:sp>
-        <p:nvSpPr>
-          <p:cNvPr id="3" name="TextBox 6">
-            <a:extLst>
-              <a:ext uri="{FF2B5EF4-FFF2-40B4-BE49-F238E27FC236}">
-                <a16:creationId xmlns:a16="http://schemas.microsoft.com/office/drawing/2014/main" id="{63ACB070-53CC-7FE1-0398-0F65031DA4CA}"/>
-              </a:ext>
-            </a:extLst>
-          </p:cNvPr>
-          <p:cNvSpPr txBox="1"/>
-          <p:nvPr/>
-        </p:nvSpPr>
-        <p:spPr>
-          <a:xfrm>
-            <a:off x="1654629" y="-1365"/>
-            <a:ext cx="8882742" cy="523220"/>
-          </a:xfrm>
-          <a:prstGeom prst="rect">
-            <a:avLst/>
-          </a:prstGeom>
-          <a:noFill/>
-        </p:spPr>
-        <p:txBody>
-          <a:bodyPr wrap="square" rtlCol="0">
-            <a:spAutoFit/>
-          </a:bodyPr>
-          <a:lstStyle/>
-          <a:p>
-            <a:pPr algn="ctr"/>
-            <a:r>
-              <a:rPr lang="fr-FR" sz="2800" b="1" spc="300" dirty="0">
-                <a:solidFill>
-                  <a:schemeClr val="tx1">
-                    <a:lumMod val="95000"/>
-                    <a:lumOff val="5000"/>
-                  </a:schemeClr>
-                </a:solidFill>
-                <a:latin typeface="Montserrat SemiBold" panose="00000700000000000000" pitchFamily="2" charset="0"/>
-              </a:rPr>
-              <a:t>ANALYSE ET CONCEPTION</a:t>
-            </a:r>
-            <a:endParaRPr lang="lt-LT" sz="2800" b="1" spc="300" dirty="0">
-              <a:solidFill>
-                <a:schemeClr val="tx1">
-                  <a:lumMod val="95000"/>
-                  <a:lumOff val="5000"/>
-                </a:schemeClr>
-              </a:solidFill>
-              <a:latin typeface="Montserrat SemiBold" panose="00000700000000000000" pitchFamily="2" charset="0"/>
-            </a:endParaRPr>
-          </a:p>
-        </p:txBody>
-      </p:sp>
-      <p:sp>
-        <p:nvSpPr>
-          <p:cNvPr id="17" name="Rectangle 13">
-            <a:extLst>
-              <a:ext uri="{FF2B5EF4-FFF2-40B4-BE49-F238E27FC236}">
-                <a16:creationId xmlns:a16="http://schemas.microsoft.com/office/drawing/2014/main" id="{B784DA87-6EA6-D32D-E9F7-092903152677}"/>
-              </a:ext>
-            </a:extLst>
-          </p:cNvPr>
-          <p:cNvSpPr>
-            <a:spLocks noChangeArrowheads="1"/>
-          </p:cNvSpPr>
-          <p:nvPr/>
-        </p:nvSpPr>
-        <p:spPr bwMode="auto">
-          <a:xfrm>
-            <a:off x="0" y="43934"/>
-            <a:ext cx="184731" cy="369332"/>
-          </a:xfrm>
-          <a:prstGeom prst="rect">
-            <a:avLst/>
-          </a:prstGeom>
-          <a:noFill/>
-          <a:ln>
-            <a:noFill/>
-          </a:ln>
-          <a:effectLst/>
-          <a:extLst>
-            <a:ext uri="{909E8E84-426E-40DD-AFC4-6F175D3DCCD1}">
-              <a14:hiddenFill xmlns:a14="http://schemas.microsoft.com/office/drawing/2010/main">
-                <a:solidFill>
-                  <a:schemeClr val="accent1"/>
-                </a:solidFill>
-              </a14:hiddenFill>
-            </a:ext>
-            <a:ext uri="{91240B29-F687-4F45-9708-019B960494DF}">
-              <a14:hiddenLine xmlns:a14="http://schemas.microsoft.com/office/drawing/2010/main" w="9525">
-                <a:solidFill>
-                  <a:schemeClr val="tx1"/>
-                </a:solidFill>
-                <a:miter lim="800000"/>
-                <a:headEnd/>
-                <a:tailEnd/>
-              </a14:hiddenLine>
-            </a:ext>
-            <a:ext uri="{AF507438-7753-43E0-B8FC-AC1667EBCBE1}">
-              <a14:hiddenEffects xmlns:a14="http://schemas.microsoft.com/office/drawing/2010/main">
-                <a:effectLst>
-                  <a:outerShdw dist="35921" dir="2700000" algn="ctr" rotWithShape="0">
-                    <a:schemeClr val="bg2"/>
-                  </a:outerShdw>
-                </a:effectLst>
-              </a14:hiddenEffects>
-            </a:ext>
-          </a:extLst>
-        </p:spPr>
-        <p:txBody>
-          <a:bodyPr vert="horz" wrap="none" lIns="91440" tIns="45720" rIns="91440" bIns="45720" numCol="1" anchor="ctr" anchorCtr="0" compatLnSpc="1">
-            <a:prstTxWarp prst="textNoShape">
-              <a:avLst/>
-            </a:prstTxWarp>
-            <a:spAutoFit/>
-          </a:bodyPr>
-          <a:lstStyle/>
-          <a:p>
-            <a:endParaRPr lang="fr-FR"/>
-          </a:p>
-        </p:txBody>
-      </p:sp>
-      <p:sp>
-        <p:nvSpPr>
-          <p:cNvPr id="19" name="Rectangle 15">
-            <a:extLst>
-              <a:ext uri="{FF2B5EF4-FFF2-40B4-BE49-F238E27FC236}">
-                <a16:creationId xmlns:a16="http://schemas.microsoft.com/office/drawing/2014/main" id="{7A74B6D9-E6DF-7729-A932-11AD35FC52FB}"/>
-              </a:ext>
-            </a:extLst>
-          </p:cNvPr>
-          <p:cNvSpPr>
-            <a:spLocks noChangeArrowheads="1"/>
-          </p:cNvSpPr>
-          <p:nvPr/>
-        </p:nvSpPr>
-        <p:spPr bwMode="auto">
-          <a:xfrm>
-            <a:off x="0" y="8761657"/>
-            <a:ext cx="184731" cy="369332"/>
-          </a:xfrm>
-          <a:prstGeom prst="rect">
-            <a:avLst/>
-          </a:prstGeom>
-          <a:noFill/>
-          <a:ln>
-            <a:noFill/>
-          </a:ln>
-          <a:effectLst/>
-          <a:extLst>
-            <a:ext uri="{909E8E84-426E-40DD-AFC4-6F175D3DCCD1}">
-              <a14:hiddenFill xmlns:a14="http://schemas.microsoft.com/office/drawing/2010/main">
-                <a:solidFill>
-                  <a:schemeClr val="accent1"/>
-                </a:solidFill>
-              </a14:hiddenFill>
-            </a:ext>
-            <a:ext uri="{91240B29-F687-4F45-9708-019B960494DF}">
-              <a14:hiddenLine xmlns:a14="http://schemas.microsoft.com/office/drawing/2010/main" w="9525">
-                <a:solidFill>
-                  <a:schemeClr val="tx1"/>
-                </a:solidFill>
-                <a:miter lim="800000"/>
-                <a:headEnd/>
-                <a:tailEnd/>
-              </a14:hiddenLine>
-            </a:ext>
-            <a:ext uri="{AF507438-7753-43E0-B8FC-AC1667EBCBE1}">
-              <a14:hiddenEffects xmlns:a14="http://schemas.microsoft.com/office/drawing/2010/main">
-                <a:effectLst>
-                  <a:outerShdw dist="35921" dir="2700000" algn="ctr" rotWithShape="0">
-                    <a:schemeClr val="bg2"/>
-                  </a:outerShdw>
-                </a:effectLst>
-              </a14:hiddenEffects>
-            </a:ext>
-          </a:extLst>
-        </p:spPr>
-        <p:txBody>
-          <a:bodyPr vert="horz" wrap="none" lIns="91440" tIns="45720" rIns="91440" bIns="45720" numCol="1" anchor="ctr" anchorCtr="0" compatLnSpc="1">
-            <a:prstTxWarp prst="textNoShape">
-              <a:avLst/>
-            </a:prstTxWarp>
-            <a:spAutoFit/>
-          </a:bodyPr>
-          <a:lstStyle/>
-          <a:p>
-            <a:endParaRPr lang="fr-FR"/>
-          </a:p>
-        </p:txBody>
-      </p:sp>
-      <p:sp>
-        <p:nvSpPr>
-          <p:cNvPr id="33" name="Rectangle 32">
-            <a:extLst>
-              <a:ext uri="{FF2B5EF4-FFF2-40B4-BE49-F238E27FC236}">
-                <a16:creationId xmlns:a16="http://schemas.microsoft.com/office/drawing/2014/main" id="{38DCF10D-E170-40A1-51F6-F9220130B9B6}"/>
-              </a:ext>
-            </a:extLst>
-          </p:cNvPr>
-          <p:cNvSpPr>
-            <a:spLocks noChangeArrowheads="1"/>
-          </p:cNvSpPr>
-          <p:nvPr/>
-        </p:nvSpPr>
-        <p:spPr bwMode="auto">
-          <a:xfrm>
-            <a:off x="0" y="7475782"/>
-            <a:ext cx="184731" cy="369332"/>
-          </a:xfrm>
-          <a:prstGeom prst="rect">
-            <a:avLst/>
-          </a:prstGeom>
-          <a:noFill/>
-          <a:ln>
-            <a:noFill/>
-          </a:ln>
-          <a:effectLst/>
-          <a:extLst>
-            <a:ext uri="{909E8E84-426E-40DD-AFC4-6F175D3DCCD1}">
-              <a14:hiddenFill xmlns:a14="http://schemas.microsoft.com/office/drawing/2010/main">
-                <a:solidFill>
-                  <a:schemeClr val="accent1"/>
-                </a:solidFill>
-              </a14:hiddenFill>
-            </a:ext>
-            <a:ext uri="{91240B29-F687-4F45-9708-019B960494DF}">
-              <a14:hiddenLine xmlns:a14="http://schemas.microsoft.com/office/drawing/2010/main" w="9525">
-                <a:solidFill>
-                  <a:schemeClr val="tx1"/>
-                </a:solidFill>
-                <a:miter lim="800000"/>
-                <a:headEnd/>
-                <a:tailEnd/>
-              </a14:hiddenLine>
-            </a:ext>
-            <a:ext uri="{AF507438-7753-43E0-B8FC-AC1667EBCBE1}">
-              <a14:hiddenEffects xmlns:a14="http://schemas.microsoft.com/office/drawing/2010/main">
-                <a:effectLst>
-                  <a:outerShdw dist="35921" dir="2700000" algn="ctr" rotWithShape="0">
-                    <a:schemeClr val="bg2"/>
-                  </a:outerShdw>
-                </a:effectLst>
-              </a14:hiddenEffects>
-            </a:ext>
-          </a:extLst>
-        </p:spPr>
-        <p:txBody>
-          <a:bodyPr vert="horz" wrap="none" lIns="91440" tIns="45720" rIns="91440" bIns="45720" numCol="1" anchor="ctr" anchorCtr="0" compatLnSpc="1">
-            <a:prstTxWarp prst="textNoShape">
-              <a:avLst/>
-            </a:prstTxWarp>
-            <a:spAutoFit/>
-          </a:bodyPr>
-          <a:lstStyle/>
-          <a:p>
-            <a:endParaRPr lang="fr-FR"/>
-          </a:p>
-        </p:txBody>
-      </p:sp>
-      <p:sp>
-        <p:nvSpPr>
-          <p:cNvPr id="34" name="Rectangle 33">
-            <a:extLst>
-              <a:ext uri="{FF2B5EF4-FFF2-40B4-BE49-F238E27FC236}">
-                <a16:creationId xmlns:a16="http://schemas.microsoft.com/office/drawing/2014/main" id="{978EE6B4-6B83-A395-21C1-B8A4022AA396}"/>
-              </a:ext>
-            </a:extLst>
-          </p:cNvPr>
-          <p:cNvSpPr>
-            <a:spLocks noChangeArrowheads="1"/>
-          </p:cNvSpPr>
-          <p:nvPr/>
-        </p:nvSpPr>
-        <p:spPr bwMode="auto">
-          <a:xfrm>
-            <a:off x="0" y="10466632"/>
-            <a:ext cx="184731" cy="369332"/>
-          </a:xfrm>
-          <a:prstGeom prst="rect">
-            <a:avLst/>
-          </a:prstGeom>
-          <a:noFill/>
-          <a:ln>
-            <a:noFill/>
-          </a:ln>
-          <a:effectLst/>
-          <a:extLst>
-            <a:ext uri="{909E8E84-426E-40DD-AFC4-6F175D3DCCD1}">
-              <a14:hiddenFill xmlns:a14="http://schemas.microsoft.com/office/drawing/2010/main">
-                <a:solidFill>
-                  <a:schemeClr val="accent1"/>
-                </a:solidFill>
-              </a14:hiddenFill>
-            </a:ext>
-            <a:ext uri="{91240B29-F687-4F45-9708-019B960494DF}">
-              <a14:hiddenLine xmlns:a14="http://schemas.microsoft.com/office/drawing/2010/main" w="9525">
-                <a:solidFill>
-                  <a:schemeClr val="tx1"/>
-                </a:solidFill>
-                <a:miter lim="800000"/>
-                <a:headEnd/>
-                <a:tailEnd/>
-              </a14:hiddenLine>
-            </a:ext>
-            <a:ext uri="{AF507438-7753-43E0-B8FC-AC1667EBCBE1}">
-              <a14:hiddenEffects xmlns:a14="http://schemas.microsoft.com/office/drawing/2010/main">
-                <a:effectLst>
-                  <a:outerShdw dist="35921" dir="2700000" algn="ctr" rotWithShape="0">
-                    <a:schemeClr val="bg2"/>
-                  </a:outerShdw>
-                </a:effectLst>
-              </a14:hiddenEffects>
-            </a:ext>
-          </a:extLst>
-        </p:spPr>
-        <p:txBody>
-          <a:bodyPr vert="horz" wrap="none" lIns="91440" tIns="45720" rIns="91440" bIns="45720" numCol="1" anchor="ctr" anchorCtr="0" compatLnSpc="1">
-            <a:prstTxWarp prst="textNoShape">
-              <a:avLst/>
-            </a:prstTxWarp>
-            <a:spAutoFit/>
-          </a:bodyPr>
-          <a:lstStyle/>
-          <a:p>
-            <a:endParaRPr lang="fr-FR"/>
-          </a:p>
-        </p:txBody>
-      </p:sp>
-      <p:pic>
-        <p:nvPicPr>
-          <p:cNvPr id="7" name="Image 6">
-            <a:extLst>
-              <a:ext uri="{FF2B5EF4-FFF2-40B4-BE49-F238E27FC236}">
-                <a16:creationId xmlns:a16="http://schemas.microsoft.com/office/drawing/2014/main" id="{F9F3DB7A-DAA3-7FE5-7693-E6099BC48865}"/>
-              </a:ext>
-            </a:extLst>
-          </p:cNvPr>
-          <p:cNvPicPr>
-            <a:picLocks noChangeAspect="1"/>
-          </p:cNvPicPr>
-          <p:nvPr/>
-        </p:nvPicPr>
-        <p:blipFill>
-          <a:blip r:embed="rId2" cstate="print">
-            <a:extLst>
-              <a:ext uri="{28A0092B-C50C-407E-A947-70E740481C1C}">
-                <a14:useLocalDpi xmlns:a14="http://schemas.microsoft.com/office/drawing/2010/main" val="0"/>
-              </a:ext>
-            </a:extLst>
-          </a:blip>
-          <a:srcRect/>
-          <a:stretch/>
-        </p:blipFill>
-        <p:spPr>
-          <a:xfrm>
-            <a:off x="295835" y="1064653"/>
-            <a:ext cx="959224" cy="959224"/>
-          </a:xfrm>
-          <a:prstGeom prst="rect">
-            <a:avLst/>
-          </a:prstGeom>
-        </p:spPr>
-      </p:pic>
-      <p:pic>
-        <p:nvPicPr>
-          <p:cNvPr id="36" name="Image 6">
-            <a:extLst>
-              <a:ext uri="{FF2B5EF4-FFF2-40B4-BE49-F238E27FC236}">
-                <a16:creationId xmlns:a16="http://schemas.microsoft.com/office/drawing/2014/main" id="{C61EEA9E-DA7A-9B24-3090-43FA05D56140}"/>
-              </a:ext>
-            </a:extLst>
-          </p:cNvPr>
-          <p:cNvPicPr>
-            <a:picLocks noChangeAspect="1"/>
-          </p:cNvPicPr>
-          <p:nvPr/>
-        </p:nvPicPr>
-        <p:blipFill>
-          <a:blip r:embed="rId3">
-            <a:extLst>
-              <a:ext uri="{28A0092B-C50C-407E-A947-70E740481C1C}">
-                <a14:useLocalDpi xmlns:a14="http://schemas.microsoft.com/office/drawing/2010/main" val="0"/>
-              </a:ext>
-            </a:extLst>
-          </a:blip>
-          <a:srcRect t="-1627" r="-1649" b="-282"/>
-          <a:stretch/>
-        </p:blipFill>
-        <p:spPr>
-          <a:xfrm>
-            <a:off x="7010402" y="1929468"/>
-            <a:ext cx="4329951" cy="4341064"/>
-          </a:xfrm>
-          <a:prstGeom prst="rect">
-            <a:avLst/>
-          </a:prstGeom>
-        </p:spPr>
-      </p:pic>
-      <p:sp>
-        <p:nvSpPr>
-          <p:cNvPr id="6" name="Rectangle 5">
-            <a:extLst>
-              <a:ext uri="{FF2B5EF4-FFF2-40B4-BE49-F238E27FC236}">
-                <a16:creationId xmlns:a16="http://schemas.microsoft.com/office/drawing/2014/main" id="{0B10225E-81AF-E014-6B04-5744D885CBF4}"/>
-              </a:ext>
-            </a:extLst>
-          </p:cNvPr>
-          <p:cNvSpPr/>
-          <p:nvPr/>
-        </p:nvSpPr>
-        <p:spPr>
-          <a:xfrm>
-            <a:off x="1352185" y="4692590"/>
-            <a:ext cx="5120333" cy="914400"/>
-          </a:xfrm>
-          <a:prstGeom prst="rect">
-            <a:avLst/>
-          </a:prstGeom>
-          <a:noFill/>
-          <a:ln>
-            <a:noFill/>
-          </a:ln>
-        </p:spPr>
-        <p:style>
-          <a:lnRef idx="2">
-            <a:schemeClr val="accent1">
-              <a:shade val="15000"/>
-            </a:schemeClr>
-          </a:lnRef>
-          <a:fillRef idx="1">
-            <a:schemeClr val="accent1"/>
-          </a:fillRef>
-          <a:effectRef idx="0">
-            <a:schemeClr val="accent1"/>
-          </a:effectRef>
-          <a:fontRef idx="minor">
-            <a:schemeClr val="lt1"/>
-          </a:fontRef>
-        </p:style>
-        <p:txBody>
-          <a:bodyPr rtlCol="0" anchor="ctr"/>
-          <a:lstStyle/>
-          <a:p>
-            <a:pPr algn="ctr"/>
-            <a:r>
-              <a:rPr lang="fr-FR" sz="6000" dirty="0">
-                <a:solidFill>
-                  <a:schemeClr val="tx1"/>
-                </a:solidFill>
-              </a:rPr>
-              <a:t>IntelliJ ultimate</a:t>
-            </a:r>
-            <a:endParaRPr lang="en-US" sz="6000" dirty="0">
-              <a:solidFill>
-                <a:schemeClr val="tx1"/>
-              </a:solidFill>
-            </a:endParaRPr>
-          </a:p>
-        </p:txBody>
-      </p:sp>
-      <p:pic>
-        <p:nvPicPr>
-          <p:cNvPr id="8" name="Image 6">
-            <a:extLst>
-              <a:ext uri="{FF2B5EF4-FFF2-40B4-BE49-F238E27FC236}">
-                <a16:creationId xmlns:a16="http://schemas.microsoft.com/office/drawing/2014/main" id="{DCB8576D-F5AB-D927-D809-65F3BE92D390}"/>
-              </a:ext>
-            </a:extLst>
-          </p:cNvPr>
-          <p:cNvPicPr>
-            <a:picLocks noChangeAspect="1"/>
-          </p:cNvPicPr>
-          <p:nvPr/>
-        </p:nvPicPr>
-        <p:blipFill>
-          <a:blip r:embed="rId4" cstate="print">
-            <a:extLst>
-              <a:ext uri="{28A0092B-C50C-407E-A947-70E740481C1C}">
-                <a14:useLocalDpi xmlns:a14="http://schemas.microsoft.com/office/drawing/2010/main" val="0"/>
-              </a:ext>
-            </a:extLst>
-          </a:blip>
-          <a:srcRect/>
-          <a:stretch/>
-        </p:blipFill>
-        <p:spPr>
-          <a:xfrm>
-            <a:off x="1398492" y="1270356"/>
-            <a:ext cx="735104" cy="659112"/>
-          </a:xfrm>
-          <a:prstGeom prst="rect">
-            <a:avLst/>
-          </a:prstGeom>
-        </p:spPr>
-      </p:pic>
-      <p:pic>
-        <p:nvPicPr>
-          <p:cNvPr id="10" name="Image 6">
-            <a:extLst>
-              <a:ext uri="{FF2B5EF4-FFF2-40B4-BE49-F238E27FC236}">
-                <a16:creationId xmlns:a16="http://schemas.microsoft.com/office/drawing/2014/main" id="{18B12913-C144-4C11-31F2-9F7CA54CEC3A}"/>
-              </a:ext>
-            </a:extLst>
-          </p:cNvPr>
-          <p:cNvPicPr>
-            <a:picLocks noChangeAspect="1"/>
-          </p:cNvPicPr>
-          <p:nvPr/>
-        </p:nvPicPr>
-        <p:blipFill>
-          <a:blip r:embed="rId5" cstate="print">
-            <a:extLst>
-              <a:ext uri="{28A0092B-C50C-407E-A947-70E740481C1C}">
-                <a14:useLocalDpi xmlns:a14="http://schemas.microsoft.com/office/drawing/2010/main" val="0"/>
-              </a:ext>
-            </a:extLst>
-          </a:blip>
-          <a:srcRect r="64569" b="-3443"/>
-          <a:stretch/>
-        </p:blipFill>
-        <p:spPr>
-          <a:xfrm>
-            <a:off x="2519082" y="1260513"/>
-            <a:ext cx="561031" cy="731641"/>
-          </a:xfrm>
-          <a:prstGeom prst="rect">
-            <a:avLst/>
-          </a:prstGeom>
-        </p:spPr>
-      </p:pic>
-      <p:pic>
-        <p:nvPicPr>
-          <p:cNvPr id="12" name="Image 6">
-            <a:extLst>
-              <a:ext uri="{FF2B5EF4-FFF2-40B4-BE49-F238E27FC236}">
-                <a16:creationId xmlns:a16="http://schemas.microsoft.com/office/drawing/2014/main" id="{0E52747E-7755-F041-6666-1F1051BEB518}"/>
-              </a:ext>
-            </a:extLst>
-          </p:cNvPr>
-          <p:cNvPicPr>
-            <a:picLocks noChangeAspect="1"/>
-          </p:cNvPicPr>
-          <p:nvPr/>
-        </p:nvPicPr>
-        <p:blipFill>
-          <a:blip r:embed="rId6" cstate="print">
-            <a:extLst>
-              <a:ext uri="{28A0092B-C50C-407E-A947-70E740481C1C}">
-                <a14:useLocalDpi xmlns:a14="http://schemas.microsoft.com/office/drawing/2010/main" val="0"/>
-              </a:ext>
-            </a:extLst>
-          </a:blip>
-          <a:srcRect l="-317" r="-3210" b="-12852"/>
-          <a:stretch/>
-        </p:blipFill>
-        <p:spPr>
-          <a:xfrm>
-            <a:off x="403411" y="2204732"/>
-            <a:ext cx="741809" cy="825665"/>
-          </a:xfrm>
-          <a:prstGeom prst="rect">
-            <a:avLst/>
-          </a:prstGeom>
-        </p:spPr>
-      </p:pic>
-      <p:pic>
-        <p:nvPicPr>
-          <p:cNvPr id="14" name="Image 6">
-            <a:extLst>
-              <a:ext uri="{FF2B5EF4-FFF2-40B4-BE49-F238E27FC236}">
-                <a16:creationId xmlns:a16="http://schemas.microsoft.com/office/drawing/2014/main" id="{004EDB8B-9057-6C0A-117A-1818DA8344AD}"/>
-              </a:ext>
-            </a:extLst>
-          </p:cNvPr>
-          <p:cNvPicPr>
-            <a:picLocks noChangeAspect="1"/>
-          </p:cNvPicPr>
-          <p:nvPr/>
-        </p:nvPicPr>
-        <p:blipFill>
-          <a:blip r:embed="rId7">
-            <a:extLst>
-              <a:ext uri="{28A0092B-C50C-407E-A947-70E740481C1C}">
-                <a14:useLocalDpi xmlns:a14="http://schemas.microsoft.com/office/drawing/2010/main" val="0"/>
-              </a:ext>
-            </a:extLst>
-          </a:blip>
-          <a:srcRect l="4887" r="4887" b="33152"/>
-          <a:stretch/>
-        </p:blipFill>
-        <p:spPr>
-          <a:xfrm>
-            <a:off x="1435418" y="2213416"/>
-            <a:ext cx="741809" cy="693792"/>
-          </a:xfrm>
-          <a:prstGeom prst="rect">
-            <a:avLst/>
-          </a:prstGeom>
-        </p:spPr>
-      </p:pic>
-      <p:pic>
-        <p:nvPicPr>
-          <p:cNvPr id="9" name="Image 6">
-            <a:extLst>
-              <a:ext uri="{FF2B5EF4-FFF2-40B4-BE49-F238E27FC236}">
-                <a16:creationId xmlns:a16="http://schemas.microsoft.com/office/drawing/2014/main" id="{3E198654-C9DE-82EE-2EBD-532358577C15}"/>
-              </a:ext>
-            </a:extLst>
-          </p:cNvPr>
-          <p:cNvPicPr>
-            <a:picLocks noChangeAspect="1"/>
-          </p:cNvPicPr>
-          <p:nvPr/>
-        </p:nvPicPr>
-        <p:blipFill>
-          <a:blip r:embed="rId3" cstate="print">
-            <a:extLst>
-              <a:ext uri="{28A0092B-C50C-407E-A947-70E740481C1C}">
-                <a14:useLocalDpi xmlns:a14="http://schemas.microsoft.com/office/drawing/2010/main" val="0"/>
-              </a:ext>
-            </a:extLst>
-          </a:blip>
-          <a:srcRect t="3236" b="3236"/>
-          <a:stretch/>
-        </p:blipFill>
-        <p:spPr>
-          <a:xfrm>
-            <a:off x="2467426" y="2204405"/>
-            <a:ext cx="741809" cy="693792"/>
-          </a:xfrm>
-          <a:prstGeom prst="rect">
-            <a:avLst/>
-          </a:prstGeom>
-        </p:spPr>
-      </p:pic>
-      <p:sp>
-        <p:nvSpPr>
-          <p:cNvPr id="11" name="Rectangle : coins arrondis 31">
-            <a:extLst>
-              <a:ext uri="{FF2B5EF4-FFF2-40B4-BE49-F238E27FC236}">
-                <a16:creationId xmlns:a16="http://schemas.microsoft.com/office/drawing/2014/main" id="{15E7D684-AEA3-6D7F-769A-F74578F8183E}"/>
-              </a:ext>
-            </a:extLst>
-          </p:cNvPr>
-          <p:cNvSpPr/>
-          <p:nvPr/>
-        </p:nvSpPr>
-        <p:spPr>
-          <a:xfrm>
-            <a:off x="2430500" y="2138469"/>
-            <a:ext cx="815662" cy="825665"/>
-          </a:xfrm>
-          <a:prstGeom prst="roundRect">
-            <a:avLst>
-              <a:gd name="adj" fmla="val 11930"/>
-            </a:avLst>
-          </a:prstGeom>
-          <a:noFill/>
-          <a:ln w="28575">
-            <a:solidFill>
-              <a:schemeClr val="accent5"/>
-            </a:solidFill>
-          </a:ln>
-        </p:spPr>
-        <p:style>
-          <a:lnRef idx="2">
-            <a:schemeClr val="accent1">
-              <a:shade val="50000"/>
-            </a:schemeClr>
-          </a:lnRef>
-          <a:fillRef idx="1">
-            <a:schemeClr val="accent1"/>
-          </a:fillRef>
-          <a:effectRef idx="0">
-            <a:schemeClr val="accent1"/>
-          </a:effectRef>
-          <a:fontRef idx="minor">
-            <a:schemeClr val="lt1"/>
-          </a:fontRef>
-        </p:style>
-        <p:txBody>
-          <a:bodyPr rtlCol="0" anchor="ctr"/>
-          <a:lstStyle/>
-          <a:p>
-            <a:pPr algn="ctr"/>
-            <a:endParaRPr lang="en-US"/>
-          </a:p>
-        </p:txBody>
-      </p:sp>
-      <p:pic>
-        <p:nvPicPr>
-          <p:cNvPr id="13" name="Picture 12">
-            <a:extLst>
-              <a:ext uri="{FF2B5EF4-FFF2-40B4-BE49-F238E27FC236}">
-                <a16:creationId xmlns:a16="http://schemas.microsoft.com/office/drawing/2014/main" id="{DF4D4707-FEAA-0D2E-9FB9-4087A60DBCFB}"/>
-              </a:ext>
-            </a:extLst>
-          </p:cNvPr>
-          <p:cNvPicPr>
-            <a:picLocks noChangeAspect="1"/>
-          </p:cNvPicPr>
-          <p:nvPr/>
-        </p:nvPicPr>
-        <p:blipFill>
-          <a:blip r:embed="rId8" cstate="print">
-            <a:extLst>
-              <a:ext uri="{28A0092B-C50C-407E-A947-70E740481C1C}">
-                <a14:useLocalDpi xmlns:a14="http://schemas.microsoft.com/office/drawing/2010/main" val="0"/>
-              </a:ext>
-            </a:extLst>
-          </a:blip>
-          <a:srcRect l="11964" t="37402" b="35660"/>
-          <a:stretch/>
-        </p:blipFill>
-        <p:spPr>
-          <a:xfrm>
-            <a:off x="85407" y="6166600"/>
-            <a:ext cx="2802129" cy="584775"/>
-          </a:xfrm>
-          <a:prstGeom prst="rect">
-            <a:avLst/>
-          </a:prstGeom>
-        </p:spPr>
-      </p:pic>
-    </p:spTree>
-    <p:extLst>
-      <p:ext uri="{BB962C8B-B14F-4D97-AF65-F5344CB8AC3E}">
-        <p14:creationId xmlns:p14="http://schemas.microsoft.com/office/powerpoint/2010/main" val="2080772990"/>
-      </p:ext>
-    </p:extLst>
-  </p:cSld>
-  <p:clrMapOvr>
-    <a:masterClrMapping/>
-  </p:clrMapOvr>
-  <mc:AlternateContent xmlns:mc="http://schemas.openxmlformats.org/markup-compatibility/2006" xmlns:p14="http://schemas.microsoft.com/office/powerpoint/2010/main">
-    <mc:Choice Requires="p14">
-      <p:transition spd="med" p14:dur="700">
-        <p:fade/>
-      </p:transition>
-    </mc:Choice>
-    <mc:Fallback xmlns="">
-      <p:transition spd="med">
-        <p:fade/>
-      </p:transition>
-    </mc:Fallback>
-  </mc:AlternateContent>
-</p:sld>
-</file>
-
-<file path=ppt/slides/slide9.xml><?xml version="1.0" encoding="utf-8"?>
-<p:sld xmlns:a="http://schemas.openxmlformats.org/drawingml/2006/main" xmlns:r="http://schemas.openxmlformats.org/officeDocument/2006/relationships" xmlns:p="http://schemas.openxmlformats.org/presentationml/2006/main">
-  <p:cSld>
-    <p:spTree>
-      <p:nvGrpSpPr>
-        <p:cNvPr id="1" name="">
-          <a:extLst>
-            <a:ext uri="{FF2B5EF4-FFF2-40B4-BE49-F238E27FC236}">
-              <a16:creationId xmlns:a16="http://schemas.microsoft.com/office/drawing/2014/main" id="{683FBE0F-E9B6-0DA2-5E94-3F5862BAD25B}"/>
-            </a:ext>
-          </a:extLst>
-        </p:cNvPr>
-        <p:cNvGrpSpPr/>
-        <p:nvPr/>
-      </p:nvGrpSpPr>
-      <p:grpSpPr>
-        <a:xfrm>
-          <a:off x="0" y="0"/>
-          <a:ext cx="0" cy="0"/>
-          <a:chOff x="0" y="0"/>
-          <a:chExt cx="0" cy="0"/>
-        </a:xfrm>
-      </p:grpSpPr>
-      <p:sp>
-        <p:nvSpPr>
-          <p:cNvPr id="2" name="Espace réservé du numéro de diapositive 1">
-            <a:extLst>
-              <a:ext uri="{FF2B5EF4-FFF2-40B4-BE49-F238E27FC236}">
-                <a16:creationId xmlns:a16="http://schemas.microsoft.com/office/drawing/2014/main" id="{B4C0F3E0-D258-1318-A56C-6F444E6E363F}"/>
-              </a:ext>
-            </a:extLst>
-          </p:cNvPr>
-          <p:cNvSpPr>
-            <a:spLocks noGrp="1"/>
-          </p:cNvSpPr>
-          <p:nvPr>
-            <p:ph type="sldNum" sz="quarter" idx="12"/>
-          </p:nvPr>
-        </p:nvSpPr>
-        <p:spPr>
-          <a:xfrm>
-            <a:off x="11719250" y="6487122"/>
-            <a:ext cx="454090" cy="365125"/>
-          </a:xfrm>
-        </p:spPr>
-        <p:txBody>
-          <a:bodyPr/>
-          <a:lstStyle/>
-          <a:p>
-            <a:fld id="{D2B4BBCC-EA5B-4A7E-8C0A-AC47B4F5C809}" type="slidenum">
-              <a:rPr lang="fr-FR" smtClean="0"/>
-              <a:pPr/>
-              <a:t>9</a:t>
-            </a:fld>
-            <a:endParaRPr lang="fr-FR" dirty="0"/>
-          </a:p>
-        </p:txBody>
-      </p:sp>
-      <p:sp>
-        <p:nvSpPr>
-          <p:cNvPr id="3" name="TextBox 6">
-            <a:extLst>
-              <a:ext uri="{FF2B5EF4-FFF2-40B4-BE49-F238E27FC236}">
-                <a16:creationId xmlns:a16="http://schemas.microsoft.com/office/drawing/2014/main" id="{D2406EF2-127F-3034-1B05-96100446FAEC}"/>
-              </a:ext>
-            </a:extLst>
-          </p:cNvPr>
-          <p:cNvSpPr txBox="1"/>
-          <p:nvPr/>
-        </p:nvSpPr>
-        <p:spPr>
-          <a:xfrm>
-            <a:off x="1654629" y="-1365"/>
-            <a:ext cx="8882742" cy="523220"/>
-          </a:xfrm>
-          <a:prstGeom prst="rect">
-            <a:avLst/>
-          </a:prstGeom>
-          <a:noFill/>
-        </p:spPr>
-        <p:txBody>
-          <a:bodyPr wrap="square" rtlCol="0">
-            <a:spAutoFit/>
-          </a:bodyPr>
-          <a:lstStyle/>
-          <a:p>
-            <a:pPr algn="ctr"/>
-            <a:r>
-              <a:rPr lang="fr-FR" sz="2800" b="1" spc="300" dirty="0">
-                <a:solidFill>
-                  <a:schemeClr val="tx1">
-                    <a:lumMod val="95000"/>
-                    <a:lumOff val="5000"/>
-                  </a:schemeClr>
-                </a:solidFill>
-                <a:latin typeface="Montserrat SemiBold" panose="00000700000000000000" pitchFamily="2" charset="0"/>
-              </a:rPr>
-              <a:t>ANALYSE ET CONCEPTION</a:t>
-            </a:r>
-            <a:endParaRPr lang="lt-LT" sz="2800" b="1" spc="300" dirty="0">
-              <a:solidFill>
-                <a:schemeClr val="tx1">
-                  <a:lumMod val="95000"/>
-                  <a:lumOff val="5000"/>
-                </a:schemeClr>
-              </a:solidFill>
-              <a:latin typeface="Montserrat SemiBold" panose="00000700000000000000" pitchFamily="2" charset="0"/>
-            </a:endParaRPr>
-          </a:p>
-        </p:txBody>
-      </p:sp>
-      <p:sp>
-        <p:nvSpPr>
-          <p:cNvPr id="17" name="Rectangle 13">
-            <a:extLst>
-              <a:ext uri="{FF2B5EF4-FFF2-40B4-BE49-F238E27FC236}">
-                <a16:creationId xmlns:a16="http://schemas.microsoft.com/office/drawing/2014/main" id="{2E14FA9B-C62A-EA48-09ED-9BE1B6FA3F47}"/>
-              </a:ext>
-            </a:extLst>
-          </p:cNvPr>
-          <p:cNvSpPr>
-            <a:spLocks noChangeArrowheads="1"/>
-          </p:cNvSpPr>
-          <p:nvPr/>
-        </p:nvSpPr>
-        <p:spPr bwMode="auto">
-          <a:xfrm>
-            <a:off x="0" y="43934"/>
-            <a:ext cx="184731" cy="369332"/>
-          </a:xfrm>
-          <a:prstGeom prst="rect">
-            <a:avLst/>
-          </a:prstGeom>
-          <a:noFill/>
-          <a:ln>
-            <a:noFill/>
-          </a:ln>
-          <a:effectLst/>
-          <a:extLst>
-            <a:ext uri="{909E8E84-426E-40DD-AFC4-6F175D3DCCD1}">
-              <a14:hiddenFill xmlns:a14="http://schemas.microsoft.com/office/drawing/2010/main">
-                <a:solidFill>
-                  <a:schemeClr val="accent1"/>
-                </a:solidFill>
-              </a14:hiddenFill>
-            </a:ext>
-            <a:ext uri="{91240B29-F687-4F45-9708-019B960494DF}">
-              <a14:hiddenLine xmlns:a14="http://schemas.microsoft.com/office/drawing/2010/main" w="9525">
-                <a:solidFill>
-                  <a:schemeClr val="tx1"/>
-                </a:solidFill>
-                <a:miter lim="800000"/>
-                <a:headEnd/>
-                <a:tailEnd/>
-              </a14:hiddenLine>
-            </a:ext>
-            <a:ext uri="{AF507438-7753-43E0-B8FC-AC1667EBCBE1}">
-              <a14:hiddenEffects xmlns:a14="http://schemas.microsoft.com/office/drawing/2010/main">
-                <a:effectLst>
-                  <a:outerShdw dist="35921" dir="2700000" algn="ctr" rotWithShape="0">
-                    <a:schemeClr val="bg2"/>
-                  </a:outerShdw>
-                </a:effectLst>
-              </a14:hiddenEffects>
-            </a:ext>
-          </a:extLst>
-        </p:spPr>
-        <p:txBody>
-          <a:bodyPr vert="horz" wrap="none" lIns="91440" tIns="45720" rIns="91440" bIns="45720" numCol="1" anchor="ctr" anchorCtr="0" compatLnSpc="1">
-            <a:prstTxWarp prst="textNoShape">
-              <a:avLst/>
-            </a:prstTxWarp>
-            <a:spAutoFit/>
-          </a:bodyPr>
-          <a:lstStyle/>
-          <a:p>
-            <a:endParaRPr lang="fr-FR"/>
-          </a:p>
-        </p:txBody>
-      </p:sp>
-      <p:sp>
-        <p:nvSpPr>
-          <p:cNvPr id="19" name="Rectangle 15">
-            <a:extLst>
-              <a:ext uri="{FF2B5EF4-FFF2-40B4-BE49-F238E27FC236}">
-                <a16:creationId xmlns:a16="http://schemas.microsoft.com/office/drawing/2014/main" id="{4B952018-BF17-30AE-82DF-A744817271FE}"/>
-              </a:ext>
-            </a:extLst>
-          </p:cNvPr>
-          <p:cNvSpPr>
-            <a:spLocks noChangeArrowheads="1"/>
-          </p:cNvSpPr>
-          <p:nvPr/>
-        </p:nvSpPr>
-        <p:spPr bwMode="auto">
-          <a:xfrm>
-            <a:off x="0" y="8761657"/>
-            <a:ext cx="184731" cy="369332"/>
-          </a:xfrm>
-          <a:prstGeom prst="rect">
-            <a:avLst/>
-          </a:prstGeom>
-          <a:noFill/>
-          <a:ln>
-            <a:noFill/>
-          </a:ln>
-          <a:effectLst/>
-          <a:extLst>
-            <a:ext uri="{909E8E84-426E-40DD-AFC4-6F175D3DCCD1}">
-              <a14:hiddenFill xmlns:a14="http://schemas.microsoft.com/office/drawing/2010/main">
-                <a:solidFill>
-                  <a:schemeClr val="accent1"/>
-                </a:solidFill>
-              </a14:hiddenFill>
-            </a:ext>
-            <a:ext uri="{91240B29-F687-4F45-9708-019B960494DF}">
-              <a14:hiddenLine xmlns:a14="http://schemas.microsoft.com/office/drawing/2010/main" w="9525">
-                <a:solidFill>
-                  <a:schemeClr val="tx1"/>
-                </a:solidFill>
-                <a:miter lim="800000"/>
-                <a:headEnd/>
-                <a:tailEnd/>
-              </a14:hiddenLine>
-            </a:ext>
-            <a:ext uri="{AF507438-7753-43E0-B8FC-AC1667EBCBE1}">
-              <a14:hiddenEffects xmlns:a14="http://schemas.microsoft.com/office/drawing/2010/main">
-                <a:effectLst>
-                  <a:outerShdw dist="35921" dir="2700000" algn="ctr" rotWithShape="0">
-                    <a:schemeClr val="bg2"/>
-                  </a:outerShdw>
-                </a:effectLst>
-              </a14:hiddenEffects>
-            </a:ext>
-          </a:extLst>
-        </p:spPr>
-        <p:txBody>
-          <a:bodyPr vert="horz" wrap="none" lIns="91440" tIns="45720" rIns="91440" bIns="45720" numCol="1" anchor="ctr" anchorCtr="0" compatLnSpc="1">
-            <a:prstTxWarp prst="textNoShape">
-              <a:avLst/>
-            </a:prstTxWarp>
-            <a:spAutoFit/>
-          </a:bodyPr>
-          <a:lstStyle/>
-          <a:p>
-            <a:endParaRPr lang="fr-FR"/>
-          </a:p>
-        </p:txBody>
-      </p:sp>
-      <p:sp>
-        <p:nvSpPr>
-          <p:cNvPr id="33" name="Rectangle 32">
-            <a:extLst>
-              <a:ext uri="{FF2B5EF4-FFF2-40B4-BE49-F238E27FC236}">
-                <a16:creationId xmlns:a16="http://schemas.microsoft.com/office/drawing/2014/main" id="{51EF0336-F52A-0C0D-36ED-653219673271}"/>
-              </a:ext>
-            </a:extLst>
-          </p:cNvPr>
-          <p:cNvSpPr>
-            <a:spLocks noChangeArrowheads="1"/>
-          </p:cNvSpPr>
-          <p:nvPr/>
-        </p:nvSpPr>
-        <p:spPr bwMode="auto">
-          <a:xfrm>
-            <a:off x="0" y="7475782"/>
-            <a:ext cx="184731" cy="369332"/>
-          </a:xfrm>
-          <a:prstGeom prst="rect">
-            <a:avLst/>
-          </a:prstGeom>
-          <a:noFill/>
-          <a:ln>
-            <a:noFill/>
-          </a:ln>
-          <a:effectLst/>
-          <a:extLst>
-            <a:ext uri="{909E8E84-426E-40DD-AFC4-6F175D3DCCD1}">
-              <a14:hiddenFill xmlns:a14="http://schemas.microsoft.com/office/drawing/2010/main">
-                <a:solidFill>
-                  <a:schemeClr val="accent1"/>
-                </a:solidFill>
-              </a14:hiddenFill>
-            </a:ext>
-            <a:ext uri="{91240B29-F687-4F45-9708-019B960494DF}">
-              <a14:hiddenLine xmlns:a14="http://schemas.microsoft.com/office/drawing/2010/main" w="9525">
-                <a:solidFill>
-                  <a:schemeClr val="tx1"/>
-                </a:solidFill>
-                <a:miter lim="800000"/>
-                <a:headEnd/>
-                <a:tailEnd/>
-              </a14:hiddenLine>
-            </a:ext>
-            <a:ext uri="{AF507438-7753-43E0-B8FC-AC1667EBCBE1}">
-              <a14:hiddenEffects xmlns:a14="http://schemas.microsoft.com/office/drawing/2010/main">
-                <a:effectLst>
-                  <a:outerShdw dist="35921" dir="2700000" algn="ctr" rotWithShape="0">
-                    <a:schemeClr val="bg2"/>
-                  </a:outerShdw>
-                </a:effectLst>
-              </a14:hiddenEffects>
-            </a:ext>
-          </a:extLst>
-        </p:spPr>
-        <p:txBody>
-          <a:bodyPr vert="horz" wrap="none" lIns="91440" tIns="45720" rIns="91440" bIns="45720" numCol="1" anchor="ctr" anchorCtr="0" compatLnSpc="1">
-            <a:prstTxWarp prst="textNoShape">
-              <a:avLst/>
-            </a:prstTxWarp>
-            <a:spAutoFit/>
-          </a:bodyPr>
-          <a:lstStyle/>
-          <a:p>
-            <a:endParaRPr lang="fr-FR"/>
-          </a:p>
-        </p:txBody>
-      </p:sp>
-      <p:sp>
-        <p:nvSpPr>
-          <p:cNvPr id="34" name="Rectangle 33">
-            <a:extLst>
-              <a:ext uri="{FF2B5EF4-FFF2-40B4-BE49-F238E27FC236}">
-                <a16:creationId xmlns:a16="http://schemas.microsoft.com/office/drawing/2014/main" id="{0CFA9CBC-36A8-CFBE-D32A-C9BDAB255C51}"/>
-              </a:ext>
-            </a:extLst>
-          </p:cNvPr>
-          <p:cNvSpPr>
-            <a:spLocks noChangeArrowheads="1"/>
-          </p:cNvSpPr>
-          <p:nvPr/>
-        </p:nvSpPr>
-        <p:spPr bwMode="auto">
-          <a:xfrm>
-            <a:off x="0" y="10466632"/>
-            <a:ext cx="184731" cy="369332"/>
-          </a:xfrm>
-          <a:prstGeom prst="rect">
-            <a:avLst/>
-          </a:prstGeom>
-          <a:noFill/>
-          <a:ln>
-            <a:noFill/>
-          </a:ln>
-          <a:effectLst/>
-          <a:extLst>
-            <a:ext uri="{909E8E84-426E-40DD-AFC4-6F175D3DCCD1}">
-              <a14:hiddenFill xmlns:a14="http://schemas.microsoft.com/office/drawing/2010/main">
-                <a:solidFill>
-                  <a:schemeClr val="accent1"/>
-                </a:solidFill>
-              </a14:hiddenFill>
-            </a:ext>
-            <a:ext uri="{91240B29-F687-4F45-9708-019B960494DF}">
-              <a14:hiddenLine xmlns:a14="http://schemas.microsoft.com/office/drawing/2010/main" w="9525">
-                <a:solidFill>
-                  <a:schemeClr val="tx1"/>
-                </a:solidFill>
-                <a:miter lim="800000"/>
-                <a:headEnd/>
-                <a:tailEnd/>
-              </a14:hiddenLine>
-            </a:ext>
-            <a:ext uri="{AF507438-7753-43E0-B8FC-AC1667EBCBE1}">
-              <a14:hiddenEffects xmlns:a14="http://schemas.microsoft.com/office/drawing/2010/main">
-                <a:effectLst>
-                  <a:outerShdw dist="35921" dir="2700000" algn="ctr" rotWithShape="0">
-                    <a:schemeClr val="bg2"/>
-                  </a:outerShdw>
-                </a:effectLst>
-              </a14:hiddenEffects>
-            </a:ext>
-          </a:extLst>
-        </p:spPr>
-        <p:txBody>
-          <a:bodyPr vert="horz" wrap="none" lIns="91440" tIns="45720" rIns="91440" bIns="45720" numCol="1" anchor="ctr" anchorCtr="0" compatLnSpc="1">
-            <a:prstTxWarp prst="textNoShape">
-              <a:avLst/>
-            </a:prstTxWarp>
-            <a:spAutoFit/>
-          </a:bodyPr>
-          <a:lstStyle/>
-          <a:p>
-            <a:endParaRPr lang="fr-FR"/>
-          </a:p>
-        </p:txBody>
-      </p:sp>
-      <p:pic>
-        <p:nvPicPr>
-          <p:cNvPr id="7" name="Image 6">
-            <a:extLst>
-              <a:ext uri="{FF2B5EF4-FFF2-40B4-BE49-F238E27FC236}">
-                <a16:creationId xmlns:a16="http://schemas.microsoft.com/office/drawing/2014/main" id="{FF546919-8883-43DF-FFEA-83F4A1F8587C}"/>
-              </a:ext>
-            </a:extLst>
-          </p:cNvPr>
-          <p:cNvPicPr>
-            <a:picLocks noChangeAspect="1"/>
-          </p:cNvPicPr>
-          <p:nvPr/>
-        </p:nvPicPr>
-        <p:blipFill>
-          <a:blip r:embed="rId2" cstate="print">
-            <a:extLst>
-              <a:ext uri="{28A0092B-C50C-407E-A947-70E740481C1C}">
-                <a14:useLocalDpi xmlns:a14="http://schemas.microsoft.com/office/drawing/2010/main" val="0"/>
-              </a:ext>
-            </a:extLst>
-          </a:blip>
-          <a:srcRect/>
-          <a:stretch/>
-        </p:blipFill>
-        <p:spPr>
-          <a:xfrm>
-            <a:off x="295835" y="1064653"/>
-            <a:ext cx="959224" cy="959224"/>
-          </a:xfrm>
-          <a:prstGeom prst="rect">
-            <a:avLst/>
-          </a:prstGeom>
-        </p:spPr>
-      </p:pic>
-      <p:sp>
-        <p:nvSpPr>
-          <p:cNvPr id="6" name="Rectangle 5">
-            <a:extLst>
-              <a:ext uri="{FF2B5EF4-FFF2-40B4-BE49-F238E27FC236}">
-                <a16:creationId xmlns:a16="http://schemas.microsoft.com/office/drawing/2014/main" id="{DB0CE34F-DE13-4BF5-9D36-8FB478066557}"/>
-              </a:ext>
-            </a:extLst>
-          </p:cNvPr>
-          <p:cNvSpPr/>
-          <p:nvPr/>
-        </p:nvSpPr>
-        <p:spPr>
-          <a:xfrm>
-            <a:off x="1352185" y="4692590"/>
-            <a:ext cx="5963015" cy="914400"/>
-          </a:xfrm>
-          <a:prstGeom prst="rect">
-            <a:avLst/>
-          </a:prstGeom>
-          <a:noFill/>
-          <a:ln>
-            <a:noFill/>
-          </a:ln>
-        </p:spPr>
-        <p:style>
-          <a:lnRef idx="2">
-            <a:schemeClr val="accent1">
-              <a:shade val="15000"/>
-            </a:schemeClr>
-          </a:lnRef>
-          <a:fillRef idx="1">
-            <a:schemeClr val="accent1"/>
-          </a:fillRef>
-          <a:effectRef idx="0">
-            <a:schemeClr val="accent1"/>
-          </a:effectRef>
-          <a:fontRef idx="minor">
-            <a:schemeClr val="lt1"/>
-          </a:fontRef>
-        </p:style>
-        <p:txBody>
-          <a:bodyPr rtlCol="0" anchor="ctr"/>
-          <a:lstStyle/>
-          <a:p>
-            <a:pPr algn="ctr"/>
-            <a:r>
-              <a:rPr lang="fr-FR" sz="4400" dirty="0">
-                <a:solidFill>
-                  <a:schemeClr val="tx1"/>
-                </a:solidFill>
-              </a:rPr>
-              <a:t>Java Native Access 3.0.9</a:t>
-            </a:r>
-            <a:endParaRPr lang="en-US" sz="4400" dirty="0">
-              <a:solidFill>
-                <a:schemeClr val="tx1"/>
-              </a:solidFill>
-            </a:endParaRPr>
-          </a:p>
-        </p:txBody>
-      </p:sp>
-      <p:pic>
-        <p:nvPicPr>
-          <p:cNvPr id="8" name="Image 6">
-            <a:extLst>
-              <a:ext uri="{FF2B5EF4-FFF2-40B4-BE49-F238E27FC236}">
-                <a16:creationId xmlns:a16="http://schemas.microsoft.com/office/drawing/2014/main" id="{D2C375DA-FEF4-AD4D-AAFB-A971B27FC05E}"/>
-              </a:ext>
-            </a:extLst>
-          </p:cNvPr>
-          <p:cNvPicPr>
-            <a:picLocks noChangeAspect="1"/>
-          </p:cNvPicPr>
-          <p:nvPr/>
-        </p:nvPicPr>
-        <p:blipFill>
-          <a:blip r:embed="rId3" cstate="print">
-            <a:extLst>
-              <a:ext uri="{28A0092B-C50C-407E-A947-70E740481C1C}">
-                <a14:useLocalDpi xmlns:a14="http://schemas.microsoft.com/office/drawing/2010/main" val="0"/>
-              </a:ext>
-            </a:extLst>
-          </a:blip>
-          <a:srcRect/>
-          <a:stretch/>
-        </p:blipFill>
-        <p:spPr>
-          <a:xfrm>
-            <a:off x="1398492" y="1270356"/>
-            <a:ext cx="735104" cy="659112"/>
-          </a:xfrm>
-          <a:prstGeom prst="rect">
-            <a:avLst/>
-          </a:prstGeom>
-        </p:spPr>
-      </p:pic>
-      <p:pic>
-        <p:nvPicPr>
-          <p:cNvPr id="10" name="Image 6">
-            <a:extLst>
-              <a:ext uri="{FF2B5EF4-FFF2-40B4-BE49-F238E27FC236}">
-                <a16:creationId xmlns:a16="http://schemas.microsoft.com/office/drawing/2014/main" id="{FE487529-8BEF-7427-C1A2-2B0FB4D17282}"/>
-              </a:ext>
-            </a:extLst>
-          </p:cNvPr>
-          <p:cNvPicPr>
-            <a:picLocks noChangeAspect="1"/>
-          </p:cNvPicPr>
-          <p:nvPr/>
-        </p:nvPicPr>
-        <p:blipFill>
-          <a:blip r:embed="rId4" cstate="print">
-            <a:extLst>
-              <a:ext uri="{28A0092B-C50C-407E-A947-70E740481C1C}">
-                <a14:useLocalDpi xmlns:a14="http://schemas.microsoft.com/office/drawing/2010/main" val="0"/>
-              </a:ext>
-            </a:extLst>
-          </a:blip>
-          <a:srcRect r="64569" b="-3443"/>
-          <a:stretch/>
-        </p:blipFill>
-        <p:spPr>
-          <a:xfrm>
-            <a:off x="2519082" y="1260513"/>
-            <a:ext cx="561031" cy="731641"/>
-          </a:xfrm>
-          <a:prstGeom prst="rect">
-            <a:avLst/>
-          </a:prstGeom>
-        </p:spPr>
-      </p:pic>
-      <p:pic>
-        <p:nvPicPr>
-          <p:cNvPr id="12" name="Image 6">
-            <a:extLst>
-              <a:ext uri="{FF2B5EF4-FFF2-40B4-BE49-F238E27FC236}">
-                <a16:creationId xmlns:a16="http://schemas.microsoft.com/office/drawing/2014/main" id="{C6B0ADAA-5FDC-C05F-6D83-C036B5330FDD}"/>
-              </a:ext>
-            </a:extLst>
-          </p:cNvPr>
-          <p:cNvPicPr>
-            <a:picLocks noChangeAspect="1"/>
-          </p:cNvPicPr>
-          <p:nvPr/>
-        </p:nvPicPr>
-        <p:blipFill>
-          <a:blip r:embed="rId5" cstate="print">
-            <a:extLst>
-              <a:ext uri="{28A0092B-C50C-407E-A947-70E740481C1C}">
-                <a14:useLocalDpi xmlns:a14="http://schemas.microsoft.com/office/drawing/2010/main" val="0"/>
-              </a:ext>
-            </a:extLst>
-          </a:blip>
-          <a:srcRect l="-317" r="-3210" b="-12852"/>
-          <a:stretch/>
-        </p:blipFill>
-        <p:spPr>
-          <a:xfrm>
-            <a:off x="403411" y="2204732"/>
-            <a:ext cx="741809" cy="825665"/>
-          </a:xfrm>
-          <a:prstGeom prst="rect">
-            <a:avLst/>
-          </a:prstGeom>
-        </p:spPr>
-      </p:pic>
-      <p:pic>
-        <p:nvPicPr>
-          <p:cNvPr id="14" name="Image 6">
-            <a:extLst>
-              <a:ext uri="{FF2B5EF4-FFF2-40B4-BE49-F238E27FC236}">
-                <a16:creationId xmlns:a16="http://schemas.microsoft.com/office/drawing/2014/main" id="{FD19E8DA-CDB6-E9CE-615D-AFA30EF38E2C}"/>
-              </a:ext>
-            </a:extLst>
-          </p:cNvPr>
-          <p:cNvPicPr>
-            <a:picLocks noChangeAspect="1"/>
-          </p:cNvPicPr>
-          <p:nvPr/>
-        </p:nvPicPr>
-        <p:blipFill>
-          <a:blip r:embed="rId6">
-            <a:extLst>
-              <a:ext uri="{28A0092B-C50C-407E-A947-70E740481C1C}">
-                <a14:useLocalDpi xmlns:a14="http://schemas.microsoft.com/office/drawing/2010/main" val="0"/>
-              </a:ext>
-            </a:extLst>
-          </a:blip>
-          <a:srcRect l="4887" r="4887" b="33152"/>
-          <a:stretch/>
-        </p:blipFill>
-        <p:spPr>
-          <a:xfrm>
-            <a:off x="1435418" y="2213416"/>
-            <a:ext cx="741809" cy="693792"/>
-          </a:xfrm>
-          <a:prstGeom prst="rect">
-            <a:avLst/>
-          </a:prstGeom>
-        </p:spPr>
-      </p:pic>
-      <p:pic>
-        <p:nvPicPr>
-          <p:cNvPr id="9" name="Image 6">
-            <a:extLst>
-              <a:ext uri="{FF2B5EF4-FFF2-40B4-BE49-F238E27FC236}">
-                <a16:creationId xmlns:a16="http://schemas.microsoft.com/office/drawing/2014/main" id="{D3128227-91A3-572C-9E3A-3549D713F5A0}"/>
-              </a:ext>
-            </a:extLst>
-          </p:cNvPr>
-          <p:cNvPicPr>
-            <a:picLocks noChangeAspect="1"/>
-          </p:cNvPicPr>
-          <p:nvPr/>
-        </p:nvPicPr>
-        <p:blipFill>
-          <a:blip r:embed="rId7" cstate="print">
-            <a:extLst>
-              <a:ext uri="{28A0092B-C50C-407E-A947-70E740481C1C}">
-                <a14:useLocalDpi xmlns:a14="http://schemas.microsoft.com/office/drawing/2010/main" val="0"/>
-              </a:ext>
-            </a:extLst>
-          </a:blip>
-          <a:srcRect t="3236" b="3236"/>
-          <a:stretch/>
-        </p:blipFill>
-        <p:spPr>
-          <a:xfrm>
-            <a:off x="2467426" y="2204405"/>
-            <a:ext cx="741809" cy="693792"/>
-          </a:xfrm>
-          <a:prstGeom prst="rect">
-            <a:avLst/>
-          </a:prstGeom>
-        </p:spPr>
-      </p:pic>
-      <p:pic>
-        <p:nvPicPr>
-          <p:cNvPr id="13" name="Picture 12">
-            <a:extLst>
-              <a:ext uri="{FF2B5EF4-FFF2-40B4-BE49-F238E27FC236}">
-                <a16:creationId xmlns:a16="http://schemas.microsoft.com/office/drawing/2014/main" id="{E3D13D3C-24E6-D00D-B8C8-243F18028B52}"/>
-              </a:ext>
-            </a:extLst>
-          </p:cNvPr>
-          <p:cNvPicPr>
-            <a:picLocks noChangeAspect="1"/>
-          </p:cNvPicPr>
-          <p:nvPr/>
-        </p:nvPicPr>
-        <p:blipFill>
-          <a:blip r:embed="rId8" cstate="print">
-            <a:extLst>
-              <a:ext uri="{28A0092B-C50C-407E-A947-70E740481C1C}">
-                <a14:useLocalDpi xmlns:a14="http://schemas.microsoft.com/office/drawing/2010/main" val="0"/>
-              </a:ext>
-            </a:extLst>
-          </a:blip>
-          <a:srcRect l="11964" t="37402" b="35660"/>
-          <a:stretch/>
-        </p:blipFill>
-        <p:spPr>
-          <a:xfrm>
-            <a:off x="85407" y="6166600"/>
-            <a:ext cx="2802129" cy="584775"/>
-          </a:xfrm>
-          <a:prstGeom prst="rect">
-            <a:avLst/>
-          </a:prstGeom>
-        </p:spPr>
-      </p:pic>
-      <p:sp>
-        <p:nvSpPr>
-          <p:cNvPr id="15" name="Rectangle : coins arrondis 31">
-            <a:extLst>
-              <a:ext uri="{FF2B5EF4-FFF2-40B4-BE49-F238E27FC236}">
-                <a16:creationId xmlns:a16="http://schemas.microsoft.com/office/drawing/2014/main" id="{23201344-4017-8428-35DD-4C0EB7C5A7F6}"/>
-              </a:ext>
-            </a:extLst>
-          </p:cNvPr>
-          <p:cNvSpPr/>
-          <p:nvPr/>
-        </p:nvSpPr>
-        <p:spPr>
-          <a:xfrm>
-            <a:off x="443816" y="3209873"/>
-            <a:ext cx="815662" cy="825665"/>
-          </a:xfrm>
-          <a:prstGeom prst="roundRect">
-            <a:avLst>
-              <a:gd name="adj" fmla="val 11930"/>
-            </a:avLst>
-          </a:prstGeom>
-          <a:noFill/>
-          <a:ln w="28575">
-            <a:solidFill>
-              <a:schemeClr val="accent5"/>
-            </a:solidFill>
-          </a:ln>
-        </p:spPr>
-        <p:style>
-          <a:lnRef idx="2">
-            <a:schemeClr val="accent1">
-              <a:shade val="50000"/>
-            </a:schemeClr>
-          </a:lnRef>
-          <a:fillRef idx="1">
-            <a:schemeClr val="accent1"/>
-          </a:fillRef>
-          <a:effectRef idx="0">
-            <a:schemeClr val="accent1"/>
-          </a:effectRef>
-          <a:fontRef idx="minor">
-            <a:schemeClr val="lt1"/>
-          </a:fontRef>
-        </p:style>
-        <p:txBody>
-          <a:bodyPr rtlCol="0" anchor="ctr"/>
-          <a:lstStyle/>
-          <a:p>
-            <a:pPr algn="ctr"/>
-            <a:endParaRPr lang="en-US"/>
-          </a:p>
-        </p:txBody>
-      </p:sp>
-      <p:sp>
-        <p:nvSpPr>
-          <p:cNvPr id="16" name="Rectangle 15">
-            <a:extLst>
-              <a:ext uri="{FF2B5EF4-FFF2-40B4-BE49-F238E27FC236}">
-                <a16:creationId xmlns:a16="http://schemas.microsoft.com/office/drawing/2014/main" id="{B6115FF3-6308-6894-44AC-996E8BF15563}"/>
-              </a:ext>
-            </a:extLst>
-          </p:cNvPr>
-          <p:cNvSpPr/>
-          <p:nvPr/>
-        </p:nvSpPr>
-        <p:spPr>
-          <a:xfrm>
-            <a:off x="480742" y="3361794"/>
-            <a:ext cx="741809" cy="519711"/>
-          </a:xfrm>
-          <a:prstGeom prst="rect">
-            <a:avLst/>
-          </a:prstGeom>
-          <a:noFill/>
-          <a:ln>
-            <a:noFill/>
-          </a:ln>
-        </p:spPr>
-        <p:style>
-          <a:lnRef idx="2">
-            <a:schemeClr val="accent1">
-              <a:shade val="15000"/>
-            </a:schemeClr>
-          </a:lnRef>
-          <a:fillRef idx="1">
-            <a:schemeClr val="accent1"/>
-          </a:fillRef>
-          <a:effectRef idx="0">
-            <a:schemeClr val="accent1"/>
-          </a:effectRef>
-          <a:fontRef idx="minor">
-            <a:schemeClr val="lt1"/>
-          </a:fontRef>
-        </p:style>
-        <p:txBody>
-          <a:bodyPr rtlCol="0" anchor="ctr"/>
-          <a:lstStyle/>
-          <a:p>
-            <a:pPr algn="ctr"/>
-            <a:r>
-              <a:rPr lang="fr-FR" sz="2800" dirty="0">
-                <a:solidFill>
-                  <a:schemeClr val="tx1"/>
-                </a:solidFill>
-              </a:rPr>
-              <a:t>JNA</a:t>
-            </a:r>
-            <a:endParaRPr lang="en-US" sz="2800" dirty="0">
-              <a:solidFill>
-                <a:schemeClr val="tx1"/>
-              </a:solidFill>
-            </a:endParaRPr>
-          </a:p>
-        </p:txBody>
-      </p:sp>
-      <p:sp>
-        <p:nvSpPr>
-          <p:cNvPr id="18" name="Rectangle 17">
-            <a:extLst>
-              <a:ext uri="{FF2B5EF4-FFF2-40B4-BE49-F238E27FC236}">
-                <a16:creationId xmlns:a16="http://schemas.microsoft.com/office/drawing/2014/main" id="{8268EA4E-A528-69C6-86A0-2019141B3ADB}"/>
-              </a:ext>
-            </a:extLst>
-          </p:cNvPr>
-          <p:cNvSpPr/>
-          <p:nvPr/>
-        </p:nvSpPr>
-        <p:spPr>
-          <a:xfrm>
-            <a:off x="7180729" y="2221100"/>
-            <a:ext cx="4350779" cy="3583113"/>
-          </a:xfrm>
-          <a:prstGeom prst="rect">
-            <a:avLst/>
-          </a:prstGeom>
-          <a:noFill/>
-          <a:ln>
-            <a:noFill/>
-          </a:ln>
-        </p:spPr>
-        <p:style>
-          <a:lnRef idx="2">
-            <a:schemeClr val="accent1">
-              <a:shade val="15000"/>
-            </a:schemeClr>
-          </a:lnRef>
-          <a:fillRef idx="1">
-            <a:schemeClr val="accent1"/>
-          </a:fillRef>
-          <a:effectRef idx="0">
-            <a:schemeClr val="accent1"/>
-          </a:effectRef>
-          <a:fontRef idx="minor">
-            <a:schemeClr val="lt1"/>
-          </a:fontRef>
-        </p:style>
-        <p:txBody>
-          <a:bodyPr rtlCol="0" anchor="ctr"/>
-          <a:lstStyle/>
-          <a:p>
-            <a:pPr algn="ctr"/>
-            <a:r>
-              <a:rPr lang="fr-FR" sz="19900" dirty="0">
-                <a:solidFill>
-                  <a:schemeClr val="tx1"/>
-                </a:solidFill>
-              </a:rPr>
-              <a:t>JNA</a:t>
-            </a:r>
-            <a:endParaRPr lang="en-US" sz="19900" dirty="0">
-              <a:solidFill>
-                <a:schemeClr val="tx1"/>
-              </a:solidFill>
-            </a:endParaRPr>
-          </a:p>
-        </p:txBody>
-      </p:sp>
-    </p:spTree>
-    <p:extLst>
-      <p:ext uri="{BB962C8B-B14F-4D97-AF65-F5344CB8AC3E}">
-        <p14:creationId xmlns:p14="http://schemas.microsoft.com/office/powerpoint/2010/main" val="2247276777"/>
       </p:ext>
     </p:extLst>
   </p:cSld>

--- a/Diapositives de presentation.pptx
+++ b/Diapositives de presentation.pptx
@@ -237,7 +237,7 @@
           <a:p>
             <a:fld id="{C83129A4-13CA-454A-9701-F815788E5EF5}" type="datetimeFigureOut">
               <a:rPr lang="fr-FR" smtClean="0"/>
-              <a:t>26/12/2024</a:t>
+              <a:t>27/12/2024</a:t>
             </a:fld>
             <a:endParaRPr lang="fr-FR"/>
           </a:p>
@@ -633,7 +633,7 @@
           <a:p>
             <a:fld id="{1C038D69-E8C6-41F4-B320-1C8C485B6F43}" type="datetime1">
               <a:rPr lang="fr-FR" smtClean="0"/>
-              <a:t>26/12/2024</a:t>
+              <a:t>27/12/2024</a:t>
             </a:fld>
             <a:endParaRPr lang="fr-FR"/>
           </a:p>
@@ -840,7 +840,7 @@
           <a:p>
             <a:fld id="{616DC8CD-C26B-4098-BB10-9DDAEE5B9BCE}" type="datetime1">
               <a:rPr lang="fr-FR" smtClean="0"/>
-              <a:t>26/12/2024</a:t>
+              <a:t>27/12/2024</a:t>
             </a:fld>
             <a:endParaRPr lang="fr-FR"/>
           </a:p>
@@ -1018,7 +1018,7 @@
           <a:p>
             <a:fld id="{D4079226-37CB-426E-B289-8E25D3475401}" type="datetime1">
               <a:rPr lang="fr-FR" smtClean="0"/>
-              <a:t>26/12/2024</a:t>
+              <a:t>27/12/2024</a:t>
             </a:fld>
             <a:endParaRPr lang="fr-FR"/>
           </a:p>
@@ -1113,7 +1113,7 @@
           <a:p>
             <a:fld id="{F6B747DC-6B14-4AFB-A709-02A30F487EAE}" type="datetime1">
               <a:rPr lang="fr-FR" smtClean="0"/>
-              <a:t>26/12/2024</a:t>
+              <a:t>27/12/2024</a:t>
             </a:fld>
             <a:endParaRPr lang="fr-FR"/>
           </a:p>
@@ -1320,7 +1320,7 @@
           <a:p>
             <a:fld id="{F6B747DC-6B14-4AFB-A709-02A30F487EAE}" type="datetime1">
               <a:rPr lang="fr-FR" smtClean="0"/>
-              <a:t>26/12/2024</a:t>
+              <a:t>27/12/2024</a:t>
             </a:fld>
             <a:endParaRPr lang="fr-FR"/>
           </a:p>
@@ -1527,7 +1527,7 @@
           <a:p>
             <a:fld id="{F6B747DC-6B14-4AFB-A709-02A30F487EAE}" type="datetime1">
               <a:rPr lang="fr-FR" smtClean="0"/>
-              <a:t>26/12/2024</a:t>
+              <a:t>27/12/2024</a:t>
             </a:fld>
             <a:endParaRPr lang="fr-FR"/>
           </a:p>
@@ -1734,7 +1734,7 @@
           <a:p>
             <a:fld id="{F6B747DC-6B14-4AFB-A709-02A30F487EAE}" type="datetime1">
               <a:rPr lang="fr-FR" smtClean="0"/>
-              <a:t>26/12/2024</a:t>
+              <a:t>27/12/2024</a:t>
             </a:fld>
             <a:endParaRPr lang="fr-FR"/>
           </a:p>
@@ -1941,7 +1941,7 @@
           <a:p>
             <a:fld id="{F6B747DC-6B14-4AFB-A709-02A30F487EAE}" type="datetime1">
               <a:rPr lang="fr-FR" smtClean="0"/>
-              <a:t>26/12/2024</a:t>
+              <a:t>27/12/2024</a:t>
             </a:fld>
             <a:endParaRPr lang="fr-FR"/>
           </a:p>
@@ -2148,7 +2148,7 @@
           <a:p>
             <a:fld id="{F6B747DC-6B14-4AFB-A709-02A30F487EAE}" type="datetime1">
               <a:rPr lang="fr-FR" smtClean="0"/>
-              <a:t>26/12/2024</a:t>
+              <a:t>27/12/2024</a:t>
             </a:fld>
             <a:endParaRPr lang="fr-FR"/>
           </a:p>
@@ -2355,7 +2355,7 @@
           <a:p>
             <a:fld id="{F6B747DC-6B14-4AFB-A709-02A30F487EAE}" type="datetime1">
               <a:rPr lang="fr-FR" smtClean="0"/>
-              <a:t>26/12/2024</a:t>
+              <a:t>27/12/2024</a:t>
             </a:fld>
             <a:endParaRPr lang="fr-FR"/>
           </a:p>
@@ -2562,7 +2562,7 @@
           <a:p>
             <a:fld id="{F6B747DC-6B14-4AFB-A709-02A30F487EAE}" type="datetime1">
               <a:rPr lang="fr-FR" smtClean="0"/>
-              <a:t>26/12/2024</a:t>
+              <a:t>27/12/2024</a:t>
             </a:fld>
             <a:endParaRPr lang="fr-FR"/>
           </a:p>
@@ -2842,7 +2842,7 @@
           <a:p>
             <a:fld id="{528315D5-587C-4700-832D-CB7F8BC01C0F}" type="datetime1">
               <a:rPr lang="fr-FR" smtClean="0"/>
-              <a:t>26/12/2024</a:t>
+              <a:t>27/12/2024</a:t>
             </a:fld>
             <a:endParaRPr lang="fr-FR"/>
           </a:p>
@@ -3088,7 +3088,7 @@
           <a:p>
             <a:fld id="{40E68B3C-FDDD-4703-9E79-D68F45540A20}" type="datetime1">
               <a:rPr lang="fr-FR" smtClean="0"/>
-              <a:t>26/12/2024</a:t>
+              <a:t>27/12/2024</a:t>
             </a:fld>
             <a:endParaRPr lang="fr-FR"/>
           </a:p>
@@ -3317,7 +3317,7 @@
           <a:p>
             <a:fld id="{3C263683-9D2E-4B48-953F-B9784A5AAE78}" type="datetime1">
               <a:rPr lang="fr-FR" smtClean="0"/>
-              <a:t>26/12/2024</a:t>
+              <a:t>27/12/2024</a:t>
             </a:fld>
             <a:endParaRPr lang="fr-FR"/>
           </a:p>
@@ -3681,7 +3681,7 @@
           <a:p>
             <a:fld id="{7F0B7BBE-AECC-41F0-893A-7D2E8C089F5C}" type="datetime1">
               <a:rPr lang="fr-FR" smtClean="0"/>
-              <a:t>26/12/2024</a:t>
+              <a:t>27/12/2024</a:t>
             </a:fld>
             <a:endParaRPr lang="fr-FR"/>
           </a:p>
@@ -3798,7 +3798,7 @@
           <a:p>
             <a:fld id="{426F0B9E-0863-404B-A3E2-D58EA83ACDC5}" type="datetime1">
               <a:rPr lang="fr-FR" smtClean="0"/>
-              <a:t>26/12/2024</a:t>
+              <a:t>27/12/2024</a:t>
             </a:fld>
             <a:endParaRPr lang="fr-FR"/>
           </a:p>
@@ -3893,7 +3893,7 @@
           <a:p>
             <a:fld id="{4EC7B2EC-1B5B-4386-8796-A1B046544C15}" type="datetime1">
               <a:rPr lang="fr-FR" smtClean="0"/>
-              <a:t>26/12/2024</a:t>
+              <a:t>27/12/2024</a:t>
             </a:fld>
             <a:endParaRPr lang="fr-FR"/>
           </a:p>
@@ -4168,7 +4168,7 @@
           <a:p>
             <a:fld id="{43AD984E-D9C5-44AD-BE15-3CF05681CFD8}" type="datetime1">
               <a:rPr lang="fr-FR" smtClean="0"/>
-              <a:t>26/12/2024</a:t>
+              <a:t>27/12/2024</a:t>
             </a:fld>
             <a:endParaRPr lang="fr-FR"/>
           </a:p>
@@ -4420,7 +4420,7 @@
           <a:p>
             <a:fld id="{CC476FF9-AD78-4ED2-8C79-DDAF60FCAAD4}" type="datetime1">
               <a:rPr lang="fr-FR" smtClean="0"/>
-              <a:t>26/12/2024</a:t>
+              <a:t>27/12/2024</a:t>
             </a:fld>
             <a:endParaRPr lang="fr-FR"/>
           </a:p>
@@ -4631,7 +4631,7 @@
           <a:p>
             <a:fld id="{528315D5-587C-4700-832D-CB7F8BC01C0F}" type="datetime1">
               <a:rPr lang="fr-FR" smtClean="0"/>
-              <a:t>26/12/2024</a:t>
+              <a:t>27/12/2024</a:t>
             </a:fld>
             <a:endParaRPr lang="fr-FR"/>
           </a:p>
@@ -5295,14 +5295,13 @@
               </a:ext>
             </a:extLst>
           </a:blip>
-          <a:stretch>
-            <a:fillRect/>
-          </a:stretch>
+          <a:srcRect l="1724" t="5201" r="1801"/>
+          <a:stretch/>
         </p:blipFill>
         <p:spPr>
           <a:xfrm>
-            <a:off x="2560353" y="3221831"/>
-            <a:ext cx="6969128" cy="2345861"/>
+            <a:off x="1901383" y="3166749"/>
+            <a:ext cx="8534246" cy="2822765"/>
           </a:xfrm>
           <a:prstGeom prst="rect">
             <a:avLst/>
@@ -11669,13 +11668,13 @@
   <p:clrMapOvr>
     <a:masterClrMapping/>
   </p:clrMapOvr>
-  <mc:AlternateContent xmlns:mc="http://schemas.openxmlformats.org/markup-compatibility/2006">
-    <mc:Choice xmlns:p159="http://schemas.microsoft.com/office/powerpoint/2015/09/main" Requires="p159">
+  <mc:AlternateContent xmlns:mc="http://schemas.openxmlformats.org/markup-compatibility/2006" xmlns:p159="http://schemas.microsoft.com/office/powerpoint/2015/09/main">
+    <mc:Choice Requires="p159">
       <p:transition xmlns:p14="http://schemas.microsoft.com/office/powerpoint/2010/main" p14:dur="250">
         <p159:morph option="byObject"/>
       </p:transition>
     </mc:Choice>
-    <mc:Fallback>
+    <mc:Fallback xmlns="">
       <p:transition>
         <p:fade/>
       </p:transition>
@@ -13208,13 +13207,13 @@
   <p:clrMapOvr>
     <a:masterClrMapping/>
   </p:clrMapOvr>
-  <mc:AlternateContent xmlns:mc="http://schemas.openxmlformats.org/markup-compatibility/2006">
-    <mc:Choice xmlns:p159="http://schemas.microsoft.com/office/powerpoint/2015/09/main" Requires="p159">
+  <mc:AlternateContent xmlns:mc="http://schemas.openxmlformats.org/markup-compatibility/2006" xmlns:p159="http://schemas.microsoft.com/office/powerpoint/2015/09/main">
+    <mc:Choice Requires="p159">
       <p:transition xmlns:p14="http://schemas.microsoft.com/office/powerpoint/2010/main" p14:dur="250">
         <p159:morph option="byObject"/>
       </p:transition>
     </mc:Choice>
-    <mc:Fallback>
+    <mc:Fallback xmlns="">
       <p:transition>
         <p:fade/>
       </p:transition>
